--- a/cmu/SurePark/SurePark_Final_Presentation_TEAM3.pptx
+++ b/cmu/SurePark/SurePark_Final_Presentation_TEAM3.pptx
@@ -313,7 +313,7 @@
               <a:pPr>
                 <a:defRPr/>
               </a:pPr>
-              <a:t>2016-06-21</a:t>
+              <a:t>2016-06-22</a:t>
             </a:fld>
             <a:endParaRPr lang="ko-KR" altLang="en-US"/>
           </a:p>
@@ -532,7 +532,7 @@
               <a:pPr>
                 <a:defRPr/>
               </a:pPr>
-              <a:t>2016-06-21</a:t>
+              <a:t>2016-06-22</a:t>
             </a:fld>
             <a:endParaRPr lang="ko-KR" altLang="en-US"/>
           </a:p>
@@ -2501,18 +2501,7 @@
                 <a:ea typeface="Arial" charset="0"/>
                 <a:cs typeface="Arial" charset="0"/>
               </a:rPr>
-              <a:t>Final </a:t>
-            </a:r>
-            <a:r>
-              <a:rPr lang="en-US" altLang="ko-KR" sz="4000" b="1" dirty="0" smtClean="0">
-                <a:solidFill>
-                  <a:srgbClr val="C5003D"/>
-                </a:solidFill>
-                <a:latin typeface="Arial" charset="0"/>
-                <a:ea typeface="Arial" charset="0"/>
-                <a:cs typeface="Arial" charset="0"/>
-              </a:rPr>
-              <a:t>Presentation</a:t>
+              <a:t>Final Presentation</a:t>
             </a:r>
             <a:endParaRPr lang="ko-KR" altLang="en-US" sz="4000" b="1" dirty="0" smtClean="0">
               <a:solidFill>
@@ -3254,15 +3243,7 @@
                 <a:ea typeface="Arial" charset="0"/>
                 <a:cs typeface="Arial" charset="0"/>
               </a:rPr>
-              <a:t>1. </a:t>
-            </a:r>
-            <a:r>
-              <a:rPr lang="en-US" altLang="ko-KR" sz="2000" b="1" dirty="0" smtClean="0">
-                <a:latin typeface="Arial" charset="0"/>
-                <a:ea typeface="Arial" charset="0"/>
-                <a:cs typeface="Arial" charset="0"/>
-              </a:rPr>
-              <a:t>System Context</a:t>
+              <a:t>1. System Context</a:t>
             </a:r>
             <a:endParaRPr lang="ko-KR" altLang="en-US" sz="2000" b="1" smtClean="0">
               <a:latin typeface="Arial" charset="0"/>
@@ -3317,7 +3298,7 @@
         </p:nvSpPr>
         <p:spPr>
           <a:xfrm>
-            <a:off x="3230255" y="6381328"/>
+            <a:off x="3393919" y="6461324"/>
             <a:ext cx="3118161" cy="307777"/>
           </a:xfrm>
           <a:prstGeom prst="rect">
@@ -3334,21 +3315,277 @@
           <a:lstStyle/>
           <a:p>
             <a:r>
-              <a:rPr lang="ko-KR" altLang="en-US" sz="1400">
-                <a:latin typeface="Arial" charset="0"/>
-                <a:ea typeface="Arial" charset="0"/>
-                <a:cs typeface="Arial" charset="0"/>
-              </a:rPr>
-              <a:t>&lt; Figure1. </a:t>
-            </a:r>
-            <a:r>
               <a:rPr lang="ko-KR" altLang="en-US" sz="1400" dirty="0">
                 <a:latin typeface="Arial" charset="0"/>
                 <a:ea typeface="Arial" charset="0"/>
                 <a:cs typeface="Arial" charset="0"/>
               </a:rPr>
-              <a:t>System context diagram &gt;</a:t>
+              <a:t>&lt; Figure1. System context diagram &gt;</a:t>
             </a:r>
+          </a:p>
+        </p:txBody>
+      </p:sp>
+      <p:pic>
+        <p:nvPicPr>
+          <p:cNvPr id="5" name="그림 4"/>
+          <p:cNvPicPr/>
+          <p:nvPr/>
+        </p:nvPicPr>
+        <p:blipFill>
+          <a:blip r:embed="rId3">
+            <a:extLst>
+              <a:ext uri="{28A0092B-C50C-407E-A947-70E740481C1C}">
+                <a14:useLocalDpi xmlns:a14="http://schemas.microsoft.com/office/drawing/2010/main" val="0"/>
+              </a:ext>
+            </a:extLst>
+          </a:blip>
+          <a:stretch>
+            <a:fillRect/>
+          </a:stretch>
+        </p:blipFill>
+        <p:spPr>
+          <a:xfrm>
+            <a:off x="1928664" y="2319137"/>
+            <a:ext cx="5770245" cy="4161155"/>
+          </a:xfrm>
+          <a:prstGeom prst="rect">
+            <a:avLst/>
+          </a:prstGeom>
+        </p:spPr>
+      </p:pic>
+      <p:sp>
+        <p:nvSpPr>
+          <p:cNvPr id="3" name="직사각형 2"/>
+          <p:cNvSpPr/>
+          <p:nvPr/>
+        </p:nvSpPr>
+        <p:spPr>
+          <a:xfrm>
+            <a:off x="416496" y="836712"/>
+            <a:ext cx="9361040" cy="1310936"/>
+          </a:xfrm>
+          <a:prstGeom prst="rect">
+            <a:avLst/>
+          </a:prstGeom>
+        </p:spPr>
+        <p:txBody>
+          <a:bodyPr wrap="square">
+            <a:spAutoFit/>
+          </a:bodyPr>
+          <a:lstStyle/>
+          <a:p>
+            <a:pPr fontAlgn="ctr" latinLnBrk="0">
+              <a:lnSpc>
+                <a:spcPct val="107000"/>
+              </a:lnSpc>
+              <a:spcAft>
+                <a:spcPts val="0"/>
+              </a:spcAft>
+            </a:pPr>
+            <a:r>
+              <a:rPr lang="en-US" altLang="ko-KR" sz="1400" kern="0" dirty="0">
+                <a:solidFill>
+                  <a:srgbClr val="000000"/>
+                </a:solidFill>
+                <a:latin typeface="Arial" panose="020B0604020202020204" pitchFamily="34" charset="0"/>
+                <a:ea typeface="맑은 고딕" panose="020B0503020000020004" pitchFamily="50" charset="-127"/>
+                <a:cs typeface="Times New Roman" panose="02020603050405020304" pitchFamily="18" charset="0"/>
+              </a:rPr>
+              <a:t>The key requisites of the project are functions that:</a:t>
+            </a:r>
+            <a:endParaRPr lang="ko-KR" altLang="ko-KR" sz="1400" kern="100">
+              <a:latin typeface="맑은 고딕" panose="020B0503020000020004" pitchFamily="50" charset="-127"/>
+              <a:ea typeface="맑은 고딕" panose="020B0503020000020004" pitchFamily="50" charset="-127"/>
+              <a:cs typeface="Times New Roman" panose="02020603050405020304" pitchFamily="18" charset="0"/>
+            </a:endParaRPr>
+          </a:p>
+          <a:p>
+            <a:pPr marL="342900" lvl="0" indent="-342900" fontAlgn="ctr" latinLnBrk="0">
+              <a:lnSpc>
+                <a:spcPct val="107000"/>
+              </a:lnSpc>
+              <a:spcAft>
+                <a:spcPts val="0"/>
+              </a:spcAft>
+              <a:buFont typeface="Wingdings" panose="05000000000000000000" pitchFamily="2" charset="2"/>
+              <a:buChar char=""/>
+            </a:pPr>
+            <a:r>
+              <a:rPr lang="en-US" altLang="ko-KR" sz="1200" kern="0" dirty="0">
+                <a:solidFill>
+                  <a:srgbClr val="000000"/>
+                </a:solidFill>
+                <a:latin typeface="Arial" panose="020B0604020202020204" pitchFamily="34" charset="0"/>
+                <a:ea typeface="맑은 고딕" panose="020B0503020000020004" pitchFamily="50" charset="-127"/>
+                <a:cs typeface="Times New Roman" panose="02020603050405020304" pitchFamily="18" charset="0"/>
+              </a:rPr>
+              <a:t>drivers</a:t>
+            </a:r>
+            <a:r>
+              <a:rPr lang="en-US" altLang="ko-KR" sz="1200" u="sng" kern="0" dirty="0">
+                <a:solidFill>
+                  <a:srgbClr val="000000"/>
+                </a:solidFill>
+                <a:latin typeface="Arial" panose="020B0604020202020204" pitchFamily="34" charset="0"/>
+                <a:ea typeface="맑은 고딕" panose="020B0503020000020004" pitchFamily="50" charset="-127"/>
+                <a:cs typeface="Times New Roman" panose="02020603050405020304" pitchFamily="18" charset="0"/>
+              </a:rPr>
+              <a:t> can reserve a parking space</a:t>
+            </a:r>
+            <a:r>
+              <a:rPr lang="en-US" altLang="ko-KR" sz="1200" kern="0" dirty="0">
+                <a:solidFill>
+                  <a:srgbClr val="000000"/>
+                </a:solidFill>
+                <a:latin typeface="Arial" panose="020B0604020202020204" pitchFamily="34" charset="0"/>
+                <a:ea typeface="맑은 고딕" panose="020B0503020000020004" pitchFamily="50" charset="-127"/>
+                <a:cs typeface="Times New Roman" panose="02020603050405020304" pitchFamily="18" charset="0"/>
+              </a:rPr>
+              <a:t> by using a laptop or a phone.</a:t>
+            </a:r>
+            <a:endParaRPr lang="ko-KR" altLang="ko-KR" sz="1200" kern="100">
+              <a:latin typeface="맑은 고딕" panose="020B0503020000020004" pitchFamily="50" charset="-127"/>
+              <a:ea typeface="맑은 고딕" panose="020B0503020000020004" pitchFamily="50" charset="-127"/>
+              <a:cs typeface="Times New Roman" panose="02020603050405020304" pitchFamily="18" charset="0"/>
+            </a:endParaRPr>
+          </a:p>
+          <a:p>
+            <a:pPr marL="342900" lvl="0" indent="-342900" fontAlgn="ctr" latinLnBrk="0">
+              <a:lnSpc>
+                <a:spcPct val="107000"/>
+              </a:lnSpc>
+              <a:spcAft>
+                <a:spcPts val="0"/>
+              </a:spcAft>
+              <a:buFont typeface="Wingdings" panose="05000000000000000000" pitchFamily="2" charset="2"/>
+              <a:buChar char=""/>
+            </a:pPr>
+            <a:r>
+              <a:rPr lang="en-US" altLang="ko-KR" sz="1200" u="sng" kern="0" dirty="0">
+                <a:solidFill>
+                  <a:srgbClr val="000000"/>
+                </a:solidFill>
+                <a:latin typeface="Arial" panose="020B0604020202020204" pitchFamily="34" charset="0"/>
+                <a:ea typeface="맑은 고딕" panose="020B0503020000020004" pitchFamily="50" charset="-127"/>
+                <a:cs typeface="Times New Roman" panose="02020603050405020304" pitchFamily="18" charset="0"/>
+              </a:rPr>
+              <a:t>parking attendants can monitor</a:t>
+            </a:r>
+            <a:r>
+              <a:rPr lang="en-US" altLang="ko-KR" sz="1200" kern="0" dirty="0">
+                <a:solidFill>
+                  <a:srgbClr val="000000"/>
+                </a:solidFill>
+                <a:latin typeface="Arial" panose="020B0604020202020204" pitchFamily="34" charset="0"/>
+                <a:ea typeface="맑은 고딕" panose="020B0503020000020004" pitchFamily="50" charset="-127"/>
+                <a:cs typeface="Times New Roman" panose="02020603050405020304" pitchFamily="18" charset="0"/>
+              </a:rPr>
+              <a:t> parking facilities</a:t>
+            </a:r>
+            <a:endParaRPr lang="ko-KR" altLang="ko-KR" sz="1200" kern="100">
+              <a:latin typeface="맑은 고딕" panose="020B0503020000020004" pitchFamily="50" charset="-127"/>
+              <a:ea typeface="맑은 고딕" panose="020B0503020000020004" pitchFamily="50" charset="-127"/>
+              <a:cs typeface="Times New Roman" panose="02020603050405020304" pitchFamily="18" charset="0"/>
+            </a:endParaRPr>
+          </a:p>
+          <a:p>
+            <a:pPr marL="342900" lvl="0" indent="-342900" fontAlgn="ctr" latinLnBrk="0">
+              <a:lnSpc>
+                <a:spcPct val="107000"/>
+              </a:lnSpc>
+              <a:spcAft>
+                <a:spcPts val="0"/>
+              </a:spcAft>
+              <a:buFont typeface="Wingdings" panose="05000000000000000000" pitchFamily="2" charset="2"/>
+              <a:buChar char=""/>
+            </a:pPr>
+            <a:r>
+              <a:rPr lang="en-US" altLang="ko-KR" sz="1200" kern="0" dirty="0">
+                <a:solidFill>
+                  <a:srgbClr val="000000"/>
+                </a:solidFill>
+                <a:latin typeface="Arial" panose="020B0604020202020204" pitchFamily="34" charset="0"/>
+                <a:ea typeface="맑은 고딕" panose="020B0503020000020004" pitchFamily="50" charset="-127"/>
+                <a:cs typeface="Times New Roman" panose="02020603050405020304" pitchFamily="18" charset="0"/>
+              </a:rPr>
+              <a:t>the system is initially built for a small parking facility and should </a:t>
+            </a:r>
+            <a:r>
+              <a:rPr lang="en-US" altLang="ko-KR" sz="1200" u="sng" kern="0" dirty="0">
+                <a:solidFill>
+                  <a:srgbClr val="000000"/>
+                </a:solidFill>
+                <a:latin typeface="Arial" panose="020B0604020202020204" pitchFamily="34" charset="0"/>
+                <a:ea typeface="맑은 고딕" panose="020B0503020000020004" pitchFamily="50" charset="-127"/>
+                <a:cs typeface="Times New Roman" panose="02020603050405020304" pitchFamily="18" charset="0"/>
+              </a:rPr>
+              <a:t>be able to be applied to various sized</a:t>
+            </a:r>
+            <a:r>
+              <a:rPr lang="en-US" altLang="ko-KR" sz="1200" kern="0" dirty="0">
+                <a:solidFill>
+                  <a:srgbClr val="000000"/>
+                </a:solidFill>
+                <a:latin typeface="Arial" panose="020B0604020202020204" pitchFamily="34" charset="0"/>
+                <a:ea typeface="맑은 고딕" panose="020B0503020000020004" pitchFamily="50" charset="-127"/>
+                <a:cs typeface="Times New Roman" panose="02020603050405020304" pitchFamily="18" charset="0"/>
+              </a:rPr>
+              <a:t> parking </a:t>
+            </a:r>
+            <a:r>
+              <a:rPr lang="en-US" altLang="ko-KR" sz="1200" kern="0" dirty="0" smtClean="0">
+                <a:solidFill>
+                  <a:srgbClr val="000000"/>
+                </a:solidFill>
+                <a:latin typeface="Arial" panose="020B0604020202020204" pitchFamily="34" charset="0"/>
+                <a:ea typeface="맑은 고딕" panose="020B0503020000020004" pitchFamily="50" charset="-127"/>
+                <a:cs typeface="Times New Roman" panose="02020603050405020304" pitchFamily="18" charset="0"/>
+              </a:rPr>
+              <a:t>facilities</a:t>
+            </a:r>
+          </a:p>
+          <a:p>
+            <a:pPr marL="342900" lvl="0" indent="-342900" fontAlgn="ctr" latinLnBrk="0">
+              <a:lnSpc>
+                <a:spcPct val="107000"/>
+              </a:lnSpc>
+              <a:spcAft>
+                <a:spcPts val="0"/>
+              </a:spcAft>
+              <a:buFont typeface="Wingdings" panose="05000000000000000000" pitchFamily="2" charset="2"/>
+              <a:buChar char=""/>
+            </a:pPr>
+            <a:r>
+              <a:rPr lang="en-US" altLang="ko-KR" sz="1200" u="sng" kern="0" dirty="0" smtClean="0">
+                <a:solidFill>
+                  <a:srgbClr val="000000"/>
+                </a:solidFill>
+                <a:latin typeface="Arial" panose="020B0604020202020204" pitchFamily="34" charset="0"/>
+                <a:ea typeface="맑은 고딕" panose="020B0503020000020004" pitchFamily="50" charset="-127"/>
+              </a:rPr>
+              <a:t>the </a:t>
+            </a:r>
+            <a:r>
+              <a:rPr lang="en-US" altLang="ko-KR" sz="1200" u="sng" kern="0" dirty="0">
+                <a:solidFill>
+                  <a:srgbClr val="000000"/>
+                </a:solidFill>
+                <a:latin typeface="Arial" panose="020B0604020202020204" pitchFamily="34" charset="0"/>
+                <a:ea typeface="맑은 고딕" panose="020B0503020000020004" pitchFamily="50" charset="-127"/>
+              </a:rPr>
+              <a:t>system can provide basic statistics</a:t>
+            </a:r>
+            <a:r>
+              <a:rPr lang="en-US" altLang="ko-KR" sz="1200" kern="0" dirty="0">
+                <a:solidFill>
+                  <a:srgbClr val="000000"/>
+                </a:solidFill>
+                <a:latin typeface="Arial" panose="020B0604020202020204" pitchFamily="34" charset="0"/>
+                <a:ea typeface="맑은 고딕" panose="020B0503020000020004" pitchFamily="50" charset="-127"/>
+              </a:rPr>
+              <a:t> including average occupancy, peak usage hours, parking slot statistics, and revenue, which should be extensible in order to help developers to add more analysis algorithms</a:t>
+            </a:r>
+            <a:endParaRPr lang="ko-KR" altLang="en-US" sz="1200"/>
           </a:p>
         </p:txBody>
       </p:sp>
@@ -3420,15 +3657,7 @@
                 <a:ea typeface="Arial" charset="0"/>
                 <a:cs typeface="Arial" charset="0"/>
               </a:rPr>
-              <a:t>2. </a:t>
-            </a:r>
-            <a:r>
-              <a:rPr lang="en-US" altLang="ko-KR" sz="2000" b="1" dirty="0" smtClean="0">
-                <a:latin typeface="Arial" charset="0"/>
-                <a:ea typeface="Arial" charset="0"/>
-                <a:cs typeface="Arial" charset="0"/>
-              </a:rPr>
-              <a:t>1</a:t>
+              <a:t>2. 1</a:t>
             </a:r>
             <a:r>
               <a:rPr lang="en-US" altLang="ko-KR" sz="2000" b="1" baseline="30000" dirty="0" smtClean="0">

--- a/cmu/SurePark/SurePark_Final_Presentation_TEAM3.pptx
+++ b/cmu/SurePark/SurePark_Final_Presentation_TEAM3.pptx
@@ -208,7 +208,7 @@
             <a:srgbClr val="A4A3A4"/>
           </p15:clr>
         </p15:guide>
-        <p15:guide id="3" pos="5796" userDrawn="1">
+        <p15:guide id="3" pos="5842" userDrawn="1">
           <p15:clr>
             <a:srgbClr val="A4A3A4"/>
           </p15:clr>
@@ -2619,8 +2619,8 @@
           <c:showBubbleSize val="0"/>
         </c:dLbls>
         <c:smooth val="0"/>
-        <c:axId val="400236376"/>
-        <c:axId val="400236768"/>
+        <c:axId val="265474496"/>
+        <c:axId val="265468616"/>
         <c:extLst>
           <c:ext xmlns:c15="http://schemas.microsoft.com/office/drawing/2012/chart" uri="{02D57815-91ED-43cb-92C2-25804820EDAC}">
             <c15:filteredLineSeries>
@@ -3147,7 +3147,7 @@
         </c:extLst>
       </c:lineChart>
       <c:dateAx>
-        <c:axId val="400236376"/>
+        <c:axId val="265474496"/>
         <c:scaling>
           <c:orientation val="minMax"/>
         </c:scaling>
@@ -3190,14 +3190,14 @@
             <a:endParaRPr lang="ko-KR"/>
           </a:p>
         </c:txPr>
-        <c:crossAx val="400236768"/>
+        <c:crossAx val="265468616"/>
         <c:crosses val="autoZero"/>
         <c:auto val="1"/>
         <c:lblOffset val="100"/>
         <c:baseTimeUnit val="days"/>
       </c:dateAx>
       <c:valAx>
-        <c:axId val="400236768"/>
+        <c:axId val="265468616"/>
         <c:scaling>
           <c:orientation val="minMax"/>
         </c:scaling>
@@ -3248,7 +3248,7 @@
             <a:endParaRPr lang="ko-KR"/>
           </a:p>
         </c:txPr>
-        <c:crossAx val="400236376"/>
+        <c:crossAx val="265474496"/>
         <c:crosses val="autoZero"/>
         <c:crossBetween val="between"/>
       </c:valAx>
@@ -4540,7 +4540,7 @@
               <a:pPr>
                 <a:defRPr/>
               </a:pPr>
-              <a:t>2016-06-23</a:t>
+              <a:t>2016-06-24</a:t>
             </a:fld>
             <a:endParaRPr lang="ko-KR" altLang="en-US"/>
           </a:p>
@@ -4759,7 +4759,7 @@
               <a:pPr>
                 <a:defRPr/>
               </a:pPr>
-              <a:t>2016-06-23</a:t>
+              <a:t>2016-06-24</a:t>
             </a:fld>
             <a:endParaRPr lang="ko-KR" altLang="en-US"/>
           </a:p>
@@ -8050,13 +8050,13 @@
           <p:nvPr>
             <p:extLst>
               <p:ext uri="{D42A27DB-BD31-4B8C-83A1-F6EECF244321}">
-                <p14:modId xmlns:p14="http://schemas.microsoft.com/office/powerpoint/2010/main" val="626617911"/>
+                <p14:modId xmlns:p14="http://schemas.microsoft.com/office/powerpoint/2010/main" val="941656084"/>
               </p:ext>
             </p:extLst>
           </p:nvPr>
         </p:nvGraphicFramePr>
         <p:xfrm>
-          <a:off x="2828764" y="5373216"/>
+          <a:off x="2828764" y="4618090"/>
           <a:ext cx="4248472" cy="899142"/>
         </p:xfrm>
         <a:graphic>
@@ -8604,8 +8604,8 @@
         </p:nvSpPr>
         <p:spPr bwMode="auto">
           <a:xfrm>
-            <a:off x="740342" y="779463"/>
-            <a:ext cx="5333800" cy="417512"/>
+            <a:off x="740342" y="777941"/>
+            <a:ext cx="5333800" cy="419034"/>
           </a:xfrm>
           <a:prstGeom prst="rect">
             <a:avLst/>
@@ -9048,8 +9048,8 @@
         </p:nvSpPr>
         <p:spPr bwMode="auto">
           <a:xfrm>
-            <a:off x="776288" y="808275"/>
-            <a:ext cx="5333800" cy="417512"/>
+            <a:off x="776288" y="778387"/>
+            <a:ext cx="5333800" cy="447400"/>
           </a:xfrm>
           <a:prstGeom prst="rect">
             <a:avLst/>
@@ -9524,8 +9524,8 @@
         </p:nvSpPr>
         <p:spPr bwMode="auto">
           <a:xfrm>
-            <a:off x="776288" y="808275"/>
-            <a:ext cx="5333800" cy="417512"/>
+            <a:off x="776288" y="778387"/>
+            <a:ext cx="5333800" cy="447400"/>
           </a:xfrm>
           <a:prstGeom prst="rect">
             <a:avLst/>
@@ -9794,13 +9794,13 @@
           <p:nvPr>
             <p:extLst>
               <p:ext uri="{D42A27DB-BD31-4B8C-83A1-F6EECF244321}">
-                <p14:modId xmlns:p14="http://schemas.microsoft.com/office/powerpoint/2010/main" val="2785069841"/>
+                <p14:modId xmlns:p14="http://schemas.microsoft.com/office/powerpoint/2010/main" val="3350984835"/>
               </p:ext>
             </p:extLst>
           </p:nvPr>
         </p:nvGraphicFramePr>
         <p:xfrm>
-          <a:off x="776288" y="1179830"/>
+          <a:off x="776288" y="1200996"/>
           <a:ext cx="7921128" cy="4769448"/>
         </p:xfrm>
         <a:graphic>
@@ -11119,8 +11119,8 @@
         </p:nvSpPr>
         <p:spPr bwMode="auto">
           <a:xfrm>
-            <a:off x="776288" y="808275"/>
-            <a:ext cx="5333800" cy="417512"/>
+            <a:off x="776288" y="819218"/>
+            <a:ext cx="5333800" cy="406568"/>
           </a:xfrm>
           <a:prstGeom prst="rect">
             <a:avLst/>
@@ -11855,8 +11855,8 @@
         </p:nvSpPr>
         <p:spPr>
           <a:xfrm>
-            <a:off x="804600" y="1154165"/>
-            <a:ext cx="8409977" cy="584775"/>
+            <a:off x="804600" y="1124744"/>
+            <a:ext cx="8469575" cy="584775"/>
           </a:xfrm>
           <a:prstGeom prst="rect">
             <a:avLst/>
@@ -12201,8 +12201,8 @@
         </p:nvSpPr>
         <p:spPr>
           <a:xfrm>
-            <a:off x="873218" y="2063750"/>
-            <a:ext cx="8327932" cy="830997"/>
+            <a:off x="776287" y="2063750"/>
+            <a:ext cx="8497887" cy="830997"/>
           </a:xfrm>
           <a:prstGeom prst="rect">
             <a:avLst/>
@@ -12524,8 +12524,8 @@
         </p:nvSpPr>
         <p:spPr>
           <a:xfrm>
-            <a:off x="776536" y="1128479"/>
-            <a:ext cx="8371515" cy="584775"/>
+            <a:off x="776288" y="1128479"/>
+            <a:ext cx="8371763" cy="584775"/>
           </a:xfrm>
           <a:prstGeom prst="rect">
             <a:avLst/>
@@ -12827,7 +12827,7 @@
         </p:blipFill>
         <p:spPr>
           <a:xfrm>
-            <a:off x="1492859" y="3140968"/>
+            <a:off x="1492859" y="3068960"/>
             <a:ext cx="6920282" cy="3568271"/>
           </a:xfrm>
           <a:prstGeom prst="rect">
@@ -12846,7 +12846,7 @@
         <p:spPr bwMode="auto">
           <a:xfrm>
             <a:off x="802576" y="2204864"/>
-            <a:ext cx="8902952" cy="736436"/>
+            <a:ext cx="8471599" cy="736436"/>
           </a:xfrm>
           <a:prstGeom prst="rect">
             <a:avLst/>
@@ -13305,7 +13305,7 @@
         <p:spPr>
           <a:xfrm>
             <a:off x="802576" y="1085835"/>
-            <a:ext cx="8830944" cy="830997"/>
+            <a:ext cx="8471599" cy="830997"/>
           </a:xfrm>
           <a:prstGeom prst="rect">
             <a:avLst/>
@@ -13873,7 +13873,7 @@
         </p:nvSpPr>
         <p:spPr bwMode="auto">
           <a:xfrm>
-            <a:off x="776288" y="744521"/>
+            <a:off x="776288" y="796127"/>
             <a:ext cx="1296392" cy="417512"/>
           </a:xfrm>
           <a:prstGeom prst="rect">
@@ -14300,13 +14300,13 @@
           <p:nvPr>
             <p:extLst>
               <p:ext uri="{D42A27DB-BD31-4B8C-83A1-F6EECF244321}">
-                <p14:modId xmlns:p14="http://schemas.microsoft.com/office/powerpoint/2010/main" val="2508770793"/>
+                <p14:modId xmlns:p14="http://schemas.microsoft.com/office/powerpoint/2010/main" val="2000481211"/>
               </p:ext>
             </p:extLst>
           </p:nvPr>
         </p:nvGraphicFramePr>
         <p:xfrm>
-          <a:off x="791798" y="1196974"/>
+          <a:off x="791798" y="1196975"/>
           <a:ext cx="5241323" cy="719857"/>
         </p:xfrm>
         <a:graphic>
@@ -15257,7 +15257,7 @@
             </a:r>
           </a:p>
           <a:p>
-            <a:pPr lvl="0" algn="just">
+            <a:pPr lvl="1" algn="just">
               <a:lnSpc>
                 <a:spcPct val="107000"/>
               </a:lnSpc>
@@ -15266,12 +15266,12 @@
               </a:spcAft>
             </a:pPr>
             <a:r>
-              <a:rPr lang="en-US" altLang="ko-KR" sz="1400" kern="100" dirty="0">
+              <a:rPr lang="en-US" altLang="ko-KR" sz="1400" kern="100" dirty="0" smtClean="0">
                 <a:latin typeface="Arial" panose="020B0604020202020204" pitchFamily="34" charset="0"/>
                 <a:ea typeface="맑은 고딕" panose="020B0503020000020004" pitchFamily="50" charset="-127"/>
                 <a:cs typeface="Times New Roman" panose="02020603050405020304" pitchFamily="18" charset="0"/>
               </a:rPr>
-              <a:t> </a:t>
+              <a:t>I </a:t>
             </a:r>
             <a:r>
               <a:rPr lang="en-US" altLang="ko-KR" sz="1400" kern="100" dirty="0" smtClean="0">
@@ -15279,7 +15279,7 @@
                 <a:ea typeface="맑은 고딕" panose="020B0503020000020004" pitchFamily="50" charset="-127"/>
                 <a:cs typeface="Times New Roman" panose="02020603050405020304" pitchFamily="18" charset="0"/>
               </a:rPr>
-              <a:t>       I = Information, S = Slot Status,  </a:t>
+              <a:t>= Information, S = Slot Status,  </a:t>
             </a:r>
             <a:r>
               <a:rPr lang="en-US" altLang="ko-KR" sz="1400" kern="100" dirty="0">
@@ -15335,7 +15335,7 @@
             </a:r>
           </a:p>
           <a:p>
-            <a:pPr lvl="0" algn="just">
+            <a:pPr lvl="1" algn="just">
               <a:lnSpc>
                 <a:spcPct val="107000"/>
               </a:lnSpc>
@@ -15349,7 +15349,15 @@
                 <a:ea typeface="맑은 고딕" panose="020B0503020000020004" pitchFamily="50" charset="-127"/>
                 <a:cs typeface="Times New Roman" panose="02020603050405020304" pitchFamily="18" charset="0"/>
               </a:rPr>
-              <a:t>      Slot status packet: </a:t>
+              <a:t>Slot </a:t>
+            </a:r>
+            <a:r>
+              <a:rPr lang="en-US" altLang="ko-KR" sz="1400" kern="100" dirty="0" smtClean="0">
+                <a:latin typeface="Arial" panose="020B0604020202020204" pitchFamily="34" charset="0"/>
+                <a:ea typeface="맑은 고딕" panose="020B0503020000020004" pitchFamily="50" charset="-127"/>
+                <a:cs typeface="Times New Roman" panose="02020603050405020304" pitchFamily="18" charset="0"/>
+              </a:rPr>
+              <a:t>status packet: </a:t>
             </a:r>
             <a:r>
               <a:rPr lang="en-US" altLang="ko-KR" sz="1400" kern="0" dirty="0">
@@ -15408,7 +15416,7 @@
             </a:endParaRPr>
           </a:p>
           <a:p>
-            <a:pPr lvl="0" algn="just">
+            <a:pPr lvl="1" algn="just">
               <a:lnSpc>
                 <a:spcPct val="107000"/>
               </a:lnSpc>
@@ -15423,7 +15431,16 @@
                 <a:ea typeface="맑은 고딕" panose="020B0503020000020004" pitchFamily="50" charset="-127"/>
                 <a:cs typeface="Times New Roman" panose="02020603050405020304" pitchFamily="18" charset="0"/>
               </a:rPr>
-              <a:t>      Heartbeat packet: </a:t>
+              <a:t>Heartbeat </a:t>
+            </a:r>
+            <a:r>
+              <a:rPr lang="en-US" altLang="ko-KR" sz="1400" kern="100" dirty="0" smtClean="0">
+                <a:effectLst/>
+                <a:latin typeface="Arial" panose="020B0604020202020204" pitchFamily="34" charset="0"/>
+                <a:ea typeface="맑은 고딕" panose="020B0503020000020004" pitchFamily="50" charset="-127"/>
+                <a:cs typeface="Times New Roman" panose="02020603050405020304" pitchFamily="18" charset="0"/>
+              </a:rPr>
+              <a:t>packet: </a:t>
             </a:r>
             <a:r>
               <a:rPr lang="en-US" altLang="ko-KR" sz="1400" kern="0" dirty="0">
@@ -15660,8 +15677,8 @@
         </p:nvSpPr>
         <p:spPr>
           <a:xfrm>
-            <a:off x="992560" y="4317856"/>
-            <a:ext cx="6192688" cy="623312"/>
+            <a:off x="791798" y="4317856"/>
+            <a:ext cx="6393450" cy="652486"/>
           </a:xfrm>
           <a:prstGeom prst="rect">
             <a:avLst/>
@@ -15674,37 +15691,62 @@
           </a:bodyPr>
           <a:lstStyle/>
           <a:p>
-            <a:pPr>
+            <a:pPr marL="285750" indent="-285750">
               <a:lnSpc>
                 <a:spcPct val="130000"/>
               </a:lnSpc>
               <a:buClr>
                 <a:srgbClr val="C5003D"/>
               </a:buClr>
+              <a:buFontTx/>
+              <a:buChar char="-"/>
             </a:pPr>
             <a:r>
               <a:rPr lang="en-US" altLang="ko-KR" sz="1400" dirty="0" smtClean="0">
                 <a:latin typeface="Arial" panose="020B0604020202020204" pitchFamily="34" charset="0"/>
                 <a:cs typeface="Arial" panose="020B0604020202020204" pitchFamily="34" charset="0"/>
               </a:rPr>
-              <a:t>Client-server communication with JSON </a:t>
+              <a:t>Client-server </a:t>
+            </a:r>
+            <a:r>
+              <a:rPr lang="en-US" altLang="ko-KR" sz="1400" dirty="0" smtClean="0">
+                <a:latin typeface="Arial" panose="020B0604020202020204" pitchFamily="34" charset="0"/>
+                <a:cs typeface="Arial" panose="020B0604020202020204" pitchFamily="34" charset="0"/>
+              </a:rPr>
+              <a:t>communication with </a:t>
+            </a:r>
+            <a:r>
+              <a:rPr lang="en-US" altLang="ko-KR" sz="1400" dirty="0" smtClean="0">
+                <a:latin typeface="Arial" panose="020B0604020202020204" pitchFamily="34" charset="0"/>
+                <a:cs typeface="Arial" panose="020B0604020202020204" pitchFamily="34" charset="0"/>
+              </a:rPr>
+              <a:t>JSON</a:t>
             </a:r>
           </a:p>
           <a:p>
-            <a:pPr>
+            <a:pPr marL="285750" indent="-285750">
               <a:lnSpc>
                 <a:spcPct val="130000"/>
               </a:lnSpc>
               <a:buClr>
                 <a:srgbClr val="C5003D"/>
               </a:buClr>
+              <a:buFontTx/>
+              <a:buChar char="-"/>
             </a:pPr>
             <a:r>
               <a:rPr lang="en-US" altLang="ko-KR" sz="1400" dirty="0" smtClean="0">
                 <a:latin typeface="Arial" panose="020B0604020202020204" pitchFamily="34" charset="0"/>
                 <a:cs typeface="Arial" panose="020B0604020202020204" pitchFamily="34" charset="0"/>
               </a:rPr>
-              <a:t>Reference: </a:t>
+              <a:t>Reference</a:t>
+            </a:r>
+            <a:r>
+              <a:rPr lang="en-US" altLang="ko-KR" sz="1400" dirty="0" smtClean="0">
+                <a:latin typeface="Arial" panose="020B0604020202020204" pitchFamily="34" charset="0"/>
+                <a:cs typeface="Arial" panose="020B0604020202020204" pitchFamily="34" charset="0"/>
+              </a:rPr>
+              <a:t>: </a:t>
             </a:r>
             <a:r>
               <a:rPr lang="en-US" altLang="ko-KR" sz="1400" dirty="0" smtClean="0">
@@ -15807,14 +15849,14 @@
           <p:nvPr>
             <p:extLst>
               <p:ext uri="{D42A27DB-BD31-4B8C-83A1-F6EECF244321}">
-                <p14:modId xmlns:p14="http://schemas.microsoft.com/office/powerpoint/2010/main" val="3953858277"/>
+                <p14:modId xmlns:p14="http://schemas.microsoft.com/office/powerpoint/2010/main" val="49530210"/>
               </p:ext>
             </p:extLst>
           </p:nvPr>
         </p:nvGraphicFramePr>
         <p:xfrm>
           <a:off x="344488" y="908721"/>
-          <a:ext cx="3816424" cy="3055220"/>
+          <a:ext cx="3816424" cy="3107667"/>
         </p:xfrm>
         <a:graphic>
           <a:graphicData uri="http://schemas.openxmlformats.org/drawingml/2006/table">
@@ -15824,7 +15866,7 @@
                 <a:gridCol w="541466"/>
                 <a:gridCol w="3274958"/>
               </a:tblGrid>
-              <a:tr h="237949">
+              <a:tr h="242034">
                 <a:tc>
                   <a:txBody>
                     <a:bodyPr/>
@@ -15990,7 +16032,7 @@
                   </a:tcPr>
                 </a:tc>
               </a:tr>
-              <a:tr h="733458">
+              <a:tr h="746049">
                 <a:tc>
                   <a:txBody>
                     <a:bodyPr/>
@@ -16181,7 +16223,7 @@
                   </a:tcPr>
                 </a:tc>
               </a:tr>
-              <a:tr h="558585">
+              <a:tr h="568174">
                 <a:tc>
                   <a:txBody>
                     <a:bodyPr/>
@@ -16337,7 +16379,7 @@
                   </a:tcPr>
                 </a:tc>
               </a:tr>
-              <a:tr h="383713">
+              <a:tr h="390300">
                 <a:tc>
                   <a:txBody>
                     <a:bodyPr/>
@@ -16493,7 +16535,7 @@
                   </a:tcPr>
                 </a:tc>
               </a:tr>
-              <a:tr h="610801">
+              <a:tr h="621286">
                 <a:tc>
                   <a:txBody>
                     <a:bodyPr/>
@@ -16649,7 +16691,7 @@
                   </a:tcPr>
                 </a:tc>
               </a:tr>
-              <a:tr h="530714">
+              <a:tr h="539824">
                 <a:tc>
                   <a:txBody>
                     <a:bodyPr/>
@@ -18855,8 +18897,8 @@
         </p:nvSpPr>
         <p:spPr>
           <a:xfrm>
-            <a:off x="776288" y="1124744"/>
-            <a:ext cx="8559800" cy="4216539"/>
+            <a:off x="776287" y="1187393"/>
+            <a:ext cx="8569325" cy="4216539"/>
           </a:xfrm>
           <a:prstGeom prst="rect">
             <a:avLst/>
@@ -19447,7 +19489,28 @@
                 <a:latin typeface="Arial" panose="020B0604020202020204" pitchFamily="34" charset="0"/>
                 <a:cs typeface="Arial" panose="020B0604020202020204" pitchFamily="34" charset="0"/>
               </a:rPr>
-              <a:t>This chart looks like a pregnant lady chart but the gap happened the first week. </a:t>
+              <a:t>Left chart </a:t>
+            </a:r>
+            <a:r>
+              <a:rPr lang="en-US" altLang="ko-KR" sz="1600" dirty="0" smtClean="0">
+                <a:latin typeface="Arial" panose="020B0604020202020204" pitchFamily="34" charset="0"/>
+                <a:cs typeface="Arial" panose="020B0604020202020204" pitchFamily="34" charset="0"/>
+              </a:rPr>
+              <a:t>looks like a pregnant lady chart but the gap </a:t>
+            </a:r>
+            <a:r>
+              <a:rPr lang="en-US" altLang="ko-KR" sz="1600" dirty="0" smtClean="0">
+                <a:latin typeface="Arial" panose="020B0604020202020204" pitchFamily="34" charset="0"/>
+                <a:cs typeface="Arial" panose="020B0604020202020204" pitchFamily="34" charset="0"/>
+              </a:rPr>
+              <a:t>only happened on the </a:t>
+            </a:r>
+            <a:r>
+              <a:rPr lang="en-US" altLang="ko-KR" sz="1600" dirty="0" smtClean="0">
+                <a:latin typeface="Arial" panose="020B0604020202020204" pitchFamily="34" charset="0"/>
+                <a:cs typeface="Arial" panose="020B0604020202020204" pitchFamily="34" charset="0"/>
+              </a:rPr>
+              <a:t>first week. </a:t>
             </a:r>
             <a:endParaRPr lang="en-US" altLang="ko-KR" sz="1600" b="1" dirty="0" smtClean="0">
               <a:latin typeface="Arial" panose="020B0604020202020204" pitchFamily="34" charset="0"/>
@@ -19467,7 +19530,21 @@
                 <a:latin typeface="Arial" panose="020B0604020202020204" pitchFamily="34" charset="0"/>
                 <a:cs typeface="Arial" panose="020B0604020202020204" pitchFamily="34" charset="0"/>
               </a:rPr>
-              <a:t>We had a trouble adjusting to the time difference in the first week.</a:t>
+              <a:t>We had a trouble adjusting to the time difference </a:t>
+            </a:r>
+            <a:r>
+              <a:rPr lang="en-US" altLang="ko-KR" sz="1400" dirty="0" smtClean="0">
+                <a:latin typeface="Arial" panose="020B0604020202020204" pitchFamily="34" charset="0"/>
+                <a:cs typeface="Arial" panose="020B0604020202020204" pitchFamily="34" charset="0"/>
+              </a:rPr>
+              <a:t>on </a:t>
+            </a:r>
+            <a:r>
+              <a:rPr lang="en-US" altLang="ko-KR" sz="1400" dirty="0" smtClean="0">
+                <a:latin typeface="Arial" panose="020B0604020202020204" pitchFamily="34" charset="0"/>
+                <a:cs typeface="Arial" panose="020B0604020202020204" pitchFamily="34" charset="0"/>
+              </a:rPr>
+              <a:t>the first week.</a:t>
             </a:r>
           </a:p>
           <a:p>
@@ -19483,7 +19560,35 @@
                 <a:latin typeface="Arial" panose="020B0604020202020204" pitchFamily="34" charset="0"/>
                 <a:cs typeface="Arial" panose="020B0604020202020204" pitchFamily="34" charset="0"/>
               </a:rPr>
-              <a:t>We had a burden of reading assignment as we expected.</a:t>
+              <a:t>Reading </a:t>
+            </a:r>
+            <a:r>
+              <a:rPr lang="en-US" altLang="ko-KR" sz="1400" dirty="0">
+                <a:latin typeface="Arial" panose="020B0604020202020204" pitchFamily="34" charset="0"/>
+                <a:cs typeface="Arial" panose="020B0604020202020204" pitchFamily="34" charset="0"/>
+              </a:rPr>
+              <a:t>assignment </a:t>
+            </a:r>
+            <a:r>
+              <a:rPr lang="en-US" altLang="ko-KR" sz="1400" dirty="0" smtClean="0">
+                <a:latin typeface="Arial" panose="020B0604020202020204" pitchFamily="34" charset="0"/>
+                <a:cs typeface="Arial" panose="020B0604020202020204" pitchFamily="34" charset="0"/>
+              </a:rPr>
+              <a:t>was a big </a:t>
+            </a:r>
+            <a:r>
+              <a:rPr lang="en-US" altLang="ko-KR" sz="1400" dirty="0" smtClean="0">
+                <a:latin typeface="Arial" panose="020B0604020202020204" pitchFamily="34" charset="0"/>
+                <a:cs typeface="Arial" panose="020B0604020202020204" pitchFamily="34" charset="0"/>
+              </a:rPr>
+              <a:t>burden more that </a:t>
+            </a:r>
+            <a:r>
+              <a:rPr lang="en-US" altLang="ko-KR" sz="1400" dirty="0" smtClean="0">
+                <a:latin typeface="Arial" panose="020B0604020202020204" pitchFamily="34" charset="0"/>
+                <a:cs typeface="Arial" panose="020B0604020202020204" pitchFamily="34" charset="0"/>
+              </a:rPr>
+              <a:t>we expected.</a:t>
             </a:r>
             <a:endParaRPr lang="ko-KR" altLang="en-US" sz="1400">
               <a:latin typeface="Arial" panose="020B0604020202020204" pitchFamily="34" charset="0"/>
@@ -19748,14 +19853,14 @@
           <p:nvPr>
             <p:extLst>
               <p:ext uri="{D42A27DB-BD31-4B8C-83A1-F6EECF244321}">
-                <p14:modId xmlns:p14="http://schemas.microsoft.com/office/powerpoint/2010/main" val="2911432385"/>
+                <p14:modId xmlns:p14="http://schemas.microsoft.com/office/powerpoint/2010/main" val="3785143060"/>
               </p:ext>
             </p:extLst>
           </p:nvPr>
         </p:nvGraphicFramePr>
         <p:xfrm>
-          <a:off x="776288" y="1179830"/>
-          <a:ext cx="8424862" cy="2825234"/>
+          <a:off x="776288" y="1196975"/>
+          <a:ext cx="8497192" cy="2825234"/>
         </p:xfrm>
         <a:graphic>
           <a:graphicData uri="http://schemas.openxmlformats.org/drawingml/2006/table">
@@ -19764,7 +19869,7 @@
               <a:tblGrid>
                 <a:gridCol w="635117"/>
                 <a:gridCol w="3613603"/>
-                <a:gridCol w="4176142"/>
+                <a:gridCol w="4248472"/>
               </a:tblGrid>
               <a:tr h="196775">
                 <a:tc>
@@ -21488,8 +21593,8 @@
         </p:nvSpPr>
         <p:spPr bwMode="auto">
           <a:xfrm>
-            <a:off x="791798" y="804279"/>
-            <a:ext cx="5333800" cy="417512"/>
+            <a:off x="781605" y="822449"/>
+            <a:ext cx="5333800" cy="342844"/>
           </a:xfrm>
           <a:prstGeom prst="rect">
             <a:avLst/>
@@ -21849,14 +21954,14 @@
           <p:nvPr>
             <p:extLst>
               <p:ext uri="{D42A27DB-BD31-4B8C-83A1-F6EECF244321}">
-                <p14:modId xmlns:p14="http://schemas.microsoft.com/office/powerpoint/2010/main" val="1009518522"/>
+                <p14:modId xmlns:p14="http://schemas.microsoft.com/office/powerpoint/2010/main" val="2258866909"/>
               </p:ext>
             </p:extLst>
           </p:nvPr>
         </p:nvGraphicFramePr>
         <p:xfrm>
-          <a:off x="770648" y="4653136"/>
-          <a:ext cx="8424862" cy="1385074"/>
+          <a:off x="776288" y="4612759"/>
+          <a:ext cx="8497192" cy="1385074"/>
         </p:xfrm>
         <a:graphic>
           <a:graphicData uri="http://schemas.openxmlformats.org/drawingml/2006/table">
@@ -21866,7 +21971,7 @@
                 <a:gridCol w="576312"/>
                 <a:gridCol w="3672160"/>
                 <a:gridCol w="3396334"/>
-                <a:gridCol w="780056"/>
+                <a:gridCol w="852386"/>
               </a:tblGrid>
               <a:tr h="196775">
                 <a:tc>
@@ -23287,8 +23392,8 @@
         </p:nvSpPr>
         <p:spPr>
           <a:xfrm>
-            <a:off x="759952" y="908720"/>
-            <a:ext cx="8641208" cy="5625194"/>
+            <a:off x="776288" y="908720"/>
+            <a:ext cx="8497887" cy="5098255"/>
           </a:xfrm>
           <a:prstGeom prst="rect">
             <a:avLst/>
@@ -23347,7 +23452,15 @@
                 <a:ea typeface="맑은 고딕" panose="020B0503020000020004" pitchFamily="50" charset="-127"/>
                 <a:cs typeface="Times New Roman" panose="02020603050405020304" pitchFamily="18" charset="0"/>
               </a:rPr>
-              <a:t>, Google Chart and Java script libraries. </a:t>
+              <a:t>, Google Chart and Java script </a:t>
+            </a:r>
+            <a:r>
+              <a:rPr lang="en-US" altLang="ko-KR" sz="1600" kern="100" dirty="0" smtClean="0">
+                <a:latin typeface="Arial" panose="020B0604020202020204" pitchFamily="34" charset="0"/>
+                <a:ea typeface="맑은 고딕" panose="020B0503020000020004" pitchFamily="50" charset="-127"/>
+                <a:cs typeface="Times New Roman" panose="02020603050405020304" pitchFamily="18" charset="0"/>
+              </a:rPr>
+              <a:t>libraries are used.</a:t>
             </a:r>
             <a:endParaRPr lang="en-US" altLang="ko-KR" sz="1600" kern="100" dirty="0" smtClean="0">
               <a:latin typeface="Arial" panose="020B0604020202020204" pitchFamily="34" charset="0"/>
@@ -23372,7 +23485,15 @@
                 <a:ea typeface="맑은 고딕" panose="020B0503020000020004" pitchFamily="50" charset="-127"/>
                 <a:cs typeface="Times New Roman" panose="02020603050405020304" pitchFamily="18" charset="0"/>
               </a:rPr>
-              <a:t>Google Chart cannot </a:t>
+              <a:t>Google Chart </a:t>
+            </a:r>
+            <a:r>
+              <a:rPr lang="en-US" altLang="ko-KR" sz="1600" kern="100" dirty="0" smtClean="0">
+                <a:latin typeface="Arial" panose="020B0604020202020204" pitchFamily="34" charset="0"/>
+                <a:ea typeface="맑은 고딕" panose="020B0503020000020004" pitchFamily="50" charset="-127"/>
+                <a:cs typeface="Times New Roman" panose="02020603050405020304" pitchFamily="18" charset="0"/>
+              </a:rPr>
+              <a:t>was not available in demo because </a:t>
             </a:r>
             <a:r>
               <a:rPr lang="en-US" altLang="ko-KR" sz="1600" kern="100" dirty="0">
@@ -23380,7 +23501,15 @@
                 <a:ea typeface="맑은 고딕" panose="020B0503020000020004" pitchFamily="50" charset="-127"/>
                 <a:cs typeface="Times New Roman" panose="02020603050405020304" pitchFamily="18" charset="0"/>
               </a:rPr>
-              <a:t>be used in the demonstration because the router is not connected to the internet. </a:t>
+              <a:t>the </a:t>
+            </a:r>
+            <a:r>
+              <a:rPr lang="en-US" altLang="ko-KR" sz="1600" kern="100" dirty="0" smtClean="0">
+                <a:latin typeface="Arial" panose="020B0604020202020204" pitchFamily="34" charset="0"/>
+                <a:ea typeface="맑은 고딕" panose="020B0503020000020004" pitchFamily="50" charset="-127"/>
+                <a:cs typeface="Times New Roman" panose="02020603050405020304" pitchFamily="18" charset="0"/>
+              </a:rPr>
+              <a:t>router has no internet access.</a:t>
             </a:r>
             <a:endParaRPr lang="en-US" altLang="ko-KR" sz="1600" kern="100" dirty="0" smtClean="0">
               <a:latin typeface="Arial" panose="020B0604020202020204" pitchFamily="34" charset="0"/>
@@ -23413,7 +23542,47 @@
                 <a:ea typeface="맑은 고딕" panose="020B0503020000020004" pitchFamily="50" charset="-127"/>
                 <a:cs typeface="Times New Roman" panose="02020603050405020304" pitchFamily="18" charset="0"/>
               </a:rPr>
-              <a:t>of Java script libraries caused network problems and it takes some time to find the root causes and fix them. </a:t>
+              <a:t>of Java script libraries caused network problems and it takes </a:t>
+            </a:r>
+            <a:r>
+              <a:rPr lang="en-US" altLang="ko-KR" sz="1600" kern="100" dirty="0" smtClean="0">
+                <a:latin typeface="Arial" panose="020B0604020202020204" pitchFamily="34" charset="0"/>
+                <a:ea typeface="맑은 고딕" panose="020B0503020000020004" pitchFamily="50" charset="-127"/>
+                <a:cs typeface="Times New Roman" panose="02020603050405020304" pitchFamily="18" charset="0"/>
+              </a:rPr>
+              <a:t>time </a:t>
+            </a:r>
+            <a:r>
+              <a:rPr lang="en-US" altLang="ko-KR" sz="1600" kern="100" dirty="0">
+                <a:latin typeface="Arial" panose="020B0604020202020204" pitchFamily="34" charset="0"/>
+                <a:ea typeface="맑은 고딕" panose="020B0503020000020004" pitchFamily="50" charset="-127"/>
+                <a:cs typeface="Times New Roman" panose="02020603050405020304" pitchFamily="18" charset="0"/>
+              </a:rPr>
+              <a:t>to </a:t>
+            </a:r>
+            <a:r>
+              <a:rPr lang="en-US" altLang="ko-KR" sz="1600" kern="100" dirty="0" smtClean="0">
+                <a:latin typeface="Arial" panose="020B0604020202020204" pitchFamily="34" charset="0"/>
+                <a:ea typeface="맑은 고딕" panose="020B0503020000020004" pitchFamily="50" charset="-127"/>
+                <a:cs typeface="Times New Roman" panose="02020603050405020304" pitchFamily="18" charset="0"/>
+              </a:rPr>
+              <a:t>fix </a:t>
+            </a:r>
+            <a:r>
+              <a:rPr lang="en-US" altLang="ko-KR" sz="1600" kern="100" dirty="0">
+                <a:latin typeface="Arial" panose="020B0604020202020204" pitchFamily="34" charset="0"/>
+                <a:ea typeface="맑은 고딕" panose="020B0503020000020004" pitchFamily="50" charset="-127"/>
+                <a:cs typeface="Times New Roman" panose="02020603050405020304" pitchFamily="18" charset="0"/>
+              </a:rPr>
+              <a:t>them</a:t>
+            </a:r>
+            <a:r>
+              <a:rPr lang="en-US" altLang="ko-KR" sz="1600" kern="100" dirty="0" smtClean="0">
+                <a:latin typeface="Arial" panose="020B0604020202020204" pitchFamily="34" charset="0"/>
+                <a:ea typeface="맑은 고딕" panose="020B0503020000020004" pitchFamily="50" charset="-127"/>
+                <a:cs typeface="Times New Roman" panose="02020603050405020304" pitchFamily="18" charset="0"/>
+              </a:rPr>
+              <a:t>.</a:t>
             </a:r>
             <a:endParaRPr lang="ko-KR" altLang="ko-KR" sz="1600" kern="100">
               <a:latin typeface="맑은 고딕" panose="020B0503020000020004" pitchFamily="50" charset="-127"/>
@@ -23479,6 +23648,39 @@
               <a:buChar char="-"/>
             </a:pPr>
             <a:r>
+              <a:rPr lang="en-US" altLang="ko-KR" sz="1600" kern="100" dirty="0" smtClean="0">
+                <a:latin typeface="Arial" panose="020B0604020202020204" pitchFamily="34" charset="0"/>
+                <a:ea typeface="맑은 고딕" panose="020B0503020000020004" pitchFamily="50" charset="-127"/>
+                <a:cs typeface="Times New Roman" panose="02020603050405020304" pitchFamily="18" charset="0"/>
+              </a:rPr>
+              <a:t>We’ve learned lots of tools can hel</a:t>
+            </a:r>
+            <a:r>
+              <a:rPr lang="en-US" altLang="ko-KR" sz="1600" kern="100" dirty="0" smtClean="0">
+                <a:latin typeface="Arial" panose="020B0604020202020204" pitchFamily="34" charset="0"/>
+                <a:ea typeface="맑은 고딕" panose="020B0503020000020004" pitchFamily="50" charset="-127"/>
+                <a:cs typeface="Times New Roman" panose="02020603050405020304" pitchFamily="18" charset="0"/>
+              </a:rPr>
+              <a:t>p us during development process. For example…</a:t>
+            </a:r>
+            <a:endParaRPr lang="en-US" altLang="ko-KR" sz="1600" kern="100" dirty="0" smtClean="0">
+              <a:latin typeface="Arial" panose="020B0604020202020204" pitchFamily="34" charset="0"/>
+              <a:ea typeface="맑은 고딕" panose="020B0503020000020004" pitchFamily="50" charset="-127"/>
+              <a:cs typeface="Times New Roman" panose="02020603050405020304" pitchFamily="18" charset="0"/>
+            </a:endParaRPr>
+          </a:p>
+          <a:p>
+            <a:pPr marL="285750" indent="-285750" algn="just">
+              <a:lnSpc>
+                <a:spcPct val="107000"/>
+              </a:lnSpc>
+              <a:spcAft>
+                <a:spcPts val="0"/>
+              </a:spcAft>
+              <a:buFontTx/>
+              <a:buChar char="-"/>
+            </a:pPr>
+            <a:r>
               <a:rPr lang="en-US" altLang="ko-KR" sz="1600" kern="100" dirty="0" err="1" smtClean="0">
                 <a:latin typeface="Arial" panose="020B0604020202020204" pitchFamily="34" charset="0"/>
                 <a:ea typeface="맑은 고딕" panose="020B0503020000020004" pitchFamily="50" charset="-127"/>
@@ -23492,15 +23694,7 @@
                 <a:ea typeface="맑은 고딕" panose="020B0503020000020004" pitchFamily="50" charset="-127"/>
                 <a:cs typeface="Times New Roman" panose="02020603050405020304" pitchFamily="18" charset="0"/>
               </a:rPr>
-              <a:t>: a </a:t>
-            </a:r>
-            <a:r>
-              <a:rPr lang="en-US" altLang="ko-KR" sz="1600" kern="100" dirty="0">
-                <a:latin typeface="Arial" panose="020B0604020202020204" pitchFamily="34" charset="0"/>
-                <a:ea typeface="맑은 고딕" panose="020B0503020000020004" pitchFamily="50" charset="-127"/>
-                <a:cs typeface="Times New Roman" panose="02020603050405020304" pitchFamily="18" charset="0"/>
-              </a:rPr>
-              <a:t>time tracking application to record our time </a:t>
+              <a:t>: </a:t>
             </a:r>
             <a:r>
               <a:rPr lang="en-US" altLang="ko-KR" sz="1600" kern="100" dirty="0" smtClean="0">
@@ -23508,16 +23702,29 @@
                 <a:ea typeface="맑은 고딕" panose="020B0503020000020004" pitchFamily="50" charset="-127"/>
                 <a:cs typeface="Times New Roman" panose="02020603050405020304" pitchFamily="18" charset="0"/>
               </a:rPr>
-              <a:t>log. It </a:t>
+              <a:t>O</a:t>
             </a:r>
             <a:r>
-              <a:rPr lang="en-US" altLang="ko-KR" sz="1600" kern="100" dirty="0">
+              <a:rPr lang="en-US" altLang="ko-KR" sz="1600" kern="100" dirty="0" smtClean="0">
                 <a:latin typeface="Arial" panose="020B0604020202020204" pitchFamily="34" charset="0"/>
                 <a:ea typeface="맑은 고딕" panose="020B0503020000020004" pitchFamily="50" charset="-127"/>
                 <a:cs typeface="Times New Roman" panose="02020603050405020304" pitchFamily="18" charset="0"/>
               </a:rPr>
-              <a:t>makes easier for us to manage time.</a:t>
+              <a:t>nline tool to help </a:t>
             </a:r>
+            <a:r>
+              <a:rPr lang="en-US" altLang="ko-KR" sz="1600" kern="100" dirty="0" smtClean="0">
+                <a:latin typeface="Arial" panose="020B0604020202020204" pitchFamily="34" charset="0"/>
+                <a:ea typeface="맑은 고딕" panose="020B0503020000020004" pitchFamily="50" charset="-127"/>
+                <a:cs typeface="Times New Roman" panose="02020603050405020304" pitchFamily="18" charset="0"/>
+              </a:rPr>
+              <a:t>time tracking and record logs.</a:t>
+            </a:r>
+            <a:endParaRPr lang="en-US" altLang="ko-KR" sz="1600" kern="100" dirty="0">
+              <a:latin typeface="Arial" panose="020B0604020202020204" pitchFamily="34" charset="0"/>
+              <a:ea typeface="맑은 고딕" panose="020B0503020000020004" pitchFamily="50" charset="-127"/>
+              <a:cs typeface="Times New Roman" panose="02020603050405020304" pitchFamily="18" charset="0"/>
+            </a:endParaRPr>
           </a:p>
           <a:p>
             <a:pPr marL="285750" indent="-285750" algn="just">
@@ -23544,8 +23751,45 @@
                 <a:ea typeface="맑은 고딕" panose="020B0503020000020004" pitchFamily="50" charset="-127"/>
                 <a:cs typeface="Times New Roman" panose="02020603050405020304" pitchFamily="18" charset="0"/>
               </a:rPr>
-              <a:t>: Gantt chart</a:t>
+              <a:t>: </a:t>
             </a:r>
+            <a:r>
+              <a:rPr lang="en-US" altLang="ko-KR" sz="1600" kern="100" dirty="0" smtClean="0">
+                <a:latin typeface="Arial" panose="020B0604020202020204" pitchFamily="34" charset="0"/>
+                <a:ea typeface="맑은 고딕" panose="020B0503020000020004" pitchFamily="50" charset="-127"/>
+                <a:cs typeface="Times New Roman" panose="02020603050405020304" pitchFamily="18" charset="0"/>
+              </a:rPr>
+              <a:t>O</a:t>
+            </a:r>
+            <a:r>
+              <a:rPr lang="en-US" altLang="ko-KR" sz="1600" kern="100" dirty="0" smtClean="0">
+                <a:latin typeface="Arial" panose="020B0604020202020204" pitchFamily="34" charset="0"/>
+                <a:ea typeface="맑은 고딕" panose="020B0503020000020004" pitchFamily="50" charset="-127"/>
+                <a:cs typeface="Times New Roman" panose="02020603050405020304" pitchFamily="18" charset="0"/>
+              </a:rPr>
+              <a:t>nline tool to </a:t>
+            </a:r>
+            <a:r>
+              <a:rPr lang="en-US" altLang="ko-KR" sz="1600" kern="100" dirty="0">
+                <a:latin typeface="Arial" panose="020B0604020202020204" pitchFamily="34" charset="0"/>
+                <a:ea typeface="맑은 고딕" panose="020B0503020000020004" pitchFamily="50" charset="-127"/>
+                <a:cs typeface="Times New Roman" panose="02020603050405020304" pitchFamily="18" charset="0"/>
+              </a:rPr>
+              <a:t>help </a:t>
+            </a:r>
+            <a:r>
+              <a:rPr lang="en-US" altLang="ko-KR" sz="1600" kern="100" dirty="0" smtClean="0">
+                <a:latin typeface="Arial" panose="020B0604020202020204" pitchFamily="34" charset="0"/>
+                <a:ea typeface="맑은 고딕" panose="020B0503020000020004" pitchFamily="50" charset="-127"/>
+                <a:cs typeface="Times New Roman" panose="02020603050405020304" pitchFamily="18" charset="0"/>
+              </a:rPr>
+              <a:t>with drawing Gantt chart.</a:t>
+            </a:r>
+            <a:endParaRPr lang="en-US" altLang="ko-KR" sz="1600" kern="100" dirty="0" smtClean="0">
+              <a:latin typeface="Arial" panose="020B0604020202020204" pitchFamily="34" charset="0"/>
+              <a:ea typeface="맑은 고딕" panose="020B0503020000020004" pitchFamily="50" charset="-127"/>
+              <a:cs typeface="Times New Roman" panose="02020603050405020304" pitchFamily="18" charset="0"/>
+            </a:endParaRPr>
           </a:p>
           <a:p>
             <a:pPr marL="285750" indent="-285750" algn="just">
@@ -23559,7 +23803,7 @@
               <a:buChar char="-"/>
             </a:pPr>
             <a:r>
-              <a:rPr lang="en-US" altLang="ko-KR" sz="1600" kern="100" dirty="0" err="1" smtClean="0">
+              <a:rPr lang="en-US" altLang="ko-KR" sz="1600" kern="100" dirty="0" smtClean="0">
                 <a:latin typeface="Arial" panose="020B0604020202020204" pitchFamily="34" charset="0"/>
                 <a:ea typeface="맑은 고딕" panose="020B0503020000020004" pitchFamily="50" charset="-127"/>
                 <a:cs typeface="Times New Roman" panose="02020603050405020304" pitchFamily="18" charset="0"/>
@@ -23579,15 +23823,33 @@
                 <a:latin typeface="Arial" panose="020B0604020202020204" pitchFamily="34" charset="0"/>
                 <a:cs typeface="Arial" panose="020B0604020202020204" pitchFamily="34" charset="0"/>
               </a:rPr>
-              <a:t>configuration </a:t>
+              <a:t>C</a:t>
             </a:r>
             <a:r>
               <a:rPr lang="en-US" altLang="ko-KR" sz="1600" dirty="0" smtClean="0">
                 <a:latin typeface="Arial" panose="020B0604020202020204" pitchFamily="34" charset="0"/>
                 <a:cs typeface="Arial" panose="020B0604020202020204" pitchFamily="34" charset="0"/>
               </a:rPr>
-              <a:t>management tool</a:t>
+              <a:t>onfiguration </a:t>
             </a:r>
+            <a:r>
+              <a:rPr lang="en-US" altLang="ko-KR" sz="1600" dirty="0" smtClean="0">
+                <a:latin typeface="Arial" panose="020B0604020202020204" pitchFamily="34" charset="0"/>
+                <a:cs typeface="Arial" panose="020B0604020202020204" pitchFamily="34" charset="0"/>
+              </a:rPr>
+              <a:t>management </a:t>
+            </a:r>
+            <a:r>
+              <a:rPr lang="en-US" altLang="ko-KR" sz="1600" dirty="0" smtClean="0">
+                <a:latin typeface="Arial" panose="020B0604020202020204" pitchFamily="34" charset="0"/>
+                <a:cs typeface="Arial" panose="020B0604020202020204" pitchFamily="34" charset="0"/>
+              </a:rPr>
+              <a:t>tool.</a:t>
+            </a:r>
+            <a:endParaRPr lang="en-US" altLang="ko-KR" sz="1600" dirty="0" smtClean="0">
+              <a:latin typeface="Arial" panose="020B0604020202020204" pitchFamily="34" charset="0"/>
+              <a:cs typeface="Arial" panose="020B0604020202020204" pitchFamily="34" charset="0"/>
+            </a:endParaRPr>
           </a:p>
           <a:p>
             <a:pPr algn="just">
@@ -23643,7 +23905,23 @@
                 <a:ea typeface="맑은 고딕" panose="020B0503020000020004" pitchFamily="50" charset="-127"/>
                 <a:cs typeface="Arial" panose="020B0604020202020204" pitchFamily="34" charset="0"/>
               </a:rPr>
-              <a:t>Before CMU: Use only static view or mixed perspective.</a:t>
+              <a:t>Before </a:t>
+            </a:r>
+            <a:r>
+              <a:rPr lang="en-US" altLang="ko-KR" sz="1600" kern="100" dirty="0" smtClean="0">
+                <a:latin typeface="Arial" panose="020B0604020202020204" pitchFamily="34" charset="0"/>
+                <a:ea typeface="맑은 고딕" panose="020B0503020000020004" pitchFamily="50" charset="-127"/>
+                <a:cs typeface="Arial" panose="020B0604020202020204" pitchFamily="34" charset="0"/>
+              </a:rPr>
+              <a:t>CMU course: </a:t>
+            </a:r>
+            <a:r>
+              <a:rPr lang="en-US" altLang="ko-KR" sz="1600" kern="100" dirty="0">
+                <a:latin typeface="Arial" panose="020B0604020202020204" pitchFamily="34" charset="0"/>
+                <a:ea typeface="맑은 고딕" panose="020B0503020000020004" pitchFamily="50" charset="-127"/>
+                <a:cs typeface="Arial" panose="020B0604020202020204" pitchFamily="34" charset="0"/>
+              </a:rPr>
+              <a:t>Use only static view or mixed perspective.</a:t>
             </a:r>
           </a:p>
           <a:p>
@@ -23663,7 +23941,23 @@
                 <a:ea typeface="맑은 고딕" panose="020B0503020000020004" pitchFamily="50" charset="-127"/>
                 <a:cs typeface="Arial" panose="020B0604020202020204" pitchFamily="34" charset="0"/>
               </a:rPr>
-              <a:t>After CMU: We can distinguish three perspectives.</a:t>
+              <a:t>After </a:t>
+            </a:r>
+            <a:r>
+              <a:rPr lang="en-US" altLang="ko-KR" sz="1600" kern="100" dirty="0" smtClean="0">
+                <a:latin typeface="Arial" panose="020B0604020202020204" pitchFamily="34" charset="0"/>
+                <a:ea typeface="맑은 고딕" panose="020B0503020000020004" pitchFamily="50" charset="-127"/>
+                <a:cs typeface="Arial" panose="020B0604020202020204" pitchFamily="34" charset="0"/>
+              </a:rPr>
+              <a:t>CMU course: We can distinguish </a:t>
+            </a:r>
+            <a:r>
+              <a:rPr lang="en-US" altLang="ko-KR" sz="1600" kern="100" dirty="0">
+                <a:latin typeface="Arial" panose="020B0604020202020204" pitchFamily="34" charset="0"/>
+                <a:ea typeface="맑은 고딕" panose="020B0503020000020004" pitchFamily="50" charset="-127"/>
+                <a:cs typeface="Arial" panose="020B0604020202020204" pitchFamily="34" charset="0"/>
+              </a:rPr>
+              <a:t>three perspectives.</a:t>
             </a:r>
           </a:p>
           <a:p>
@@ -23739,12 +24033,20 @@
               <a:buChar char="-"/>
             </a:pPr>
             <a:r>
+              <a:rPr lang="en-US" altLang="ko-KR" sz="1600" kern="100" dirty="0" smtClean="0">
+                <a:latin typeface="Arial" panose="020B0604020202020204" pitchFamily="34" charset="0"/>
+                <a:ea typeface="맑은 고딕" panose="020B0503020000020004" pitchFamily="50" charset="-127"/>
+                <a:cs typeface="Times New Roman" panose="02020603050405020304" pitchFamily="18" charset="0"/>
+              </a:rPr>
+              <a:t>We’ve </a:t>
+            </a:r>
+            <a:r>
               <a:rPr lang="en-US" altLang="ko-KR" sz="1600" kern="100" dirty="0">
                 <a:latin typeface="Arial" panose="020B0604020202020204" pitchFamily="34" charset="0"/>
                 <a:ea typeface="맑은 고딕" panose="020B0503020000020004" pitchFamily="50" charset="-127"/>
                 <a:cs typeface="Times New Roman" panose="02020603050405020304" pitchFamily="18" charset="0"/>
               </a:rPr>
-              <a:t>We have experienced this kind of situation and had to spend our resources because of changing some protocols</a:t>
+              <a:t>experienced this kind of situation and had to spend </a:t>
             </a:r>
             <a:r>
               <a:rPr lang="en-US" altLang="ko-KR" sz="1600" kern="100" dirty="0" smtClean="0">
@@ -23752,7 +24054,23 @@
                 <a:ea typeface="맑은 고딕" panose="020B0503020000020004" pitchFamily="50" charset="-127"/>
                 <a:cs typeface="Times New Roman" panose="02020603050405020304" pitchFamily="18" charset="0"/>
               </a:rPr>
-              <a:t>.</a:t>
+              <a:t>lots of resources </a:t>
+            </a:r>
+            <a:r>
+              <a:rPr lang="en-US" altLang="ko-KR" sz="1600" kern="100" dirty="0">
+                <a:latin typeface="Arial" panose="020B0604020202020204" pitchFamily="34" charset="0"/>
+                <a:ea typeface="맑은 고딕" panose="020B0503020000020004" pitchFamily="50" charset="-127"/>
+                <a:cs typeface="Times New Roman" panose="02020603050405020304" pitchFamily="18" charset="0"/>
+              </a:rPr>
+              <a:t>because of changing </a:t>
+            </a:r>
+            <a:r>
+              <a:rPr lang="en-US" altLang="ko-KR" sz="1600" kern="100" dirty="0" smtClean="0">
+                <a:latin typeface="Arial" panose="020B0604020202020204" pitchFamily="34" charset="0"/>
+                <a:ea typeface="맑은 고딕" panose="020B0503020000020004" pitchFamily="50" charset="-127"/>
+                <a:cs typeface="Times New Roman" panose="02020603050405020304" pitchFamily="18" charset="0"/>
+              </a:rPr>
+              <a:t>protocols at the late stage.</a:t>
             </a:r>
             <a:endParaRPr lang="en-US" altLang="ko-KR" sz="1600" kern="100" dirty="0">
               <a:latin typeface="Arial" panose="020B0604020202020204" pitchFamily="34" charset="0"/>
@@ -24894,7 +25212,7 @@
         </p:nvSpPr>
         <p:spPr>
           <a:xfrm>
-            <a:off x="641350" y="1124744"/>
+            <a:off x="776288" y="1196975"/>
             <a:ext cx="7416824" cy="923330"/>
           </a:xfrm>
           <a:prstGeom prst="rect">
@@ -24937,23 +25255,23 @@
           <p:nvPr>
             <p:extLst>
               <p:ext uri="{D42A27DB-BD31-4B8C-83A1-F6EECF244321}">
-                <p14:modId xmlns:p14="http://schemas.microsoft.com/office/powerpoint/2010/main" val="78482817"/>
+                <p14:modId xmlns:p14="http://schemas.microsoft.com/office/powerpoint/2010/main" val="2889392121"/>
               </p:ext>
             </p:extLst>
           </p:nvPr>
         </p:nvGraphicFramePr>
         <p:xfrm>
-          <a:off x="641334" y="2276872"/>
-          <a:ext cx="8559816" cy="2833670"/>
+          <a:off x="776286" y="2276872"/>
+          <a:ext cx="8497889" cy="2833670"/>
         </p:xfrm>
         <a:graphic>
           <a:graphicData uri="http://schemas.openxmlformats.org/drawingml/2006/table">
             <a:tbl>
               <a:tblPr firstRow="1" firstCol="1" bandRow="1"/>
               <a:tblGrid>
-                <a:gridCol w="1886583"/>
-                <a:gridCol w="1660605"/>
-                <a:gridCol w="5012628"/>
+                <a:gridCol w="1737957"/>
+                <a:gridCol w="1718534"/>
+                <a:gridCol w="5041398"/>
               </a:tblGrid>
               <a:tr h="350540">
                 <a:tc>
@@ -26802,14 +27120,14 @@
           <p:nvPr>
             <p:extLst>
               <p:ext uri="{D42A27DB-BD31-4B8C-83A1-F6EECF244321}">
-                <p14:modId xmlns:p14="http://schemas.microsoft.com/office/powerpoint/2010/main" val="738016077"/>
+                <p14:modId xmlns:p14="http://schemas.microsoft.com/office/powerpoint/2010/main" val="3322115468"/>
               </p:ext>
             </p:extLst>
           </p:nvPr>
         </p:nvGraphicFramePr>
         <p:xfrm>
           <a:off x="776288" y="836712"/>
-          <a:ext cx="8559800" cy="5212111"/>
+          <a:ext cx="8497192" cy="5212111"/>
         </p:xfrm>
         <a:graphic>
           <a:graphicData uri="http://schemas.openxmlformats.org/drawingml/2006/table">
@@ -26818,7 +27136,7 @@
               <a:tblGrid>
                 <a:gridCol w="856318"/>
                 <a:gridCol w="5179287"/>
-                <a:gridCol w="2524195"/>
+                <a:gridCol w="2461587"/>
               </a:tblGrid>
               <a:tr h="111245">
                 <a:tc>
@@ -31746,14 +32064,14 @@
           <p:nvPr>
             <p:extLst>
               <p:ext uri="{D42A27DB-BD31-4B8C-83A1-F6EECF244321}">
-                <p14:modId xmlns:p14="http://schemas.microsoft.com/office/powerpoint/2010/main" val="3488673154"/>
+                <p14:modId xmlns:p14="http://schemas.microsoft.com/office/powerpoint/2010/main" val="4240630108"/>
               </p:ext>
             </p:extLst>
           </p:nvPr>
         </p:nvGraphicFramePr>
         <p:xfrm>
           <a:off x="776536" y="1196752"/>
-          <a:ext cx="8472666" cy="4681937"/>
+          <a:ext cx="8496944" cy="4681937"/>
         </p:xfrm>
         <a:graphic>
           <a:graphicData uri="http://schemas.openxmlformats.org/drawingml/2006/table">
@@ -31765,7 +32083,7 @@
                 <a:gridCol w="3049692"/>
                 <a:gridCol w="861043"/>
                 <a:gridCol w="792088"/>
-                <a:gridCol w="1404913"/>
+                <a:gridCol w="1429191"/>
               </a:tblGrid>
               <a:tr h="453121">
                 <a:tc>
@@ -36074,23 +36392,23 @@
           <p:nvPr>
             <p:extLst>
               <p:ext uri="{D42A27DB-BD31-4B8C-83A1-F6EECF244321}">
-                <p14:modId xmlns:p14="http://schemas.microsoft.com/office/powerpoint/2010/main" val="1213986377"/>
+                <p14:modId xmlns:p14="http://schemas.microsoft.com/office/powerpoint/2010/main" val="3906556376"/>
               </p:ext>
             </p:extLst>
           </p:nvPr>
         </p:nvGraphicFramePr>
         <p:xfrm>
           <a:off x="776288" y="1196975"/>
-          <a:ext cx="8533705" cy="4871724"/>
+          <a:ext cx="8497887" cy="4871724"/>
         </p:xfrm>
         <a:graphic>
           <a:graphicData uri="http://schemas.openxmlformats.org/drawingml/2006/table">
             <a:tbl>
               <a:tblPr firstRow="1" firstCol="1" bandRow="1"/>
               <a:tblGrid>
-                <a:gridCol w="713959"/>
-                <a:gridCol w="2266043"/>
-                <a:gridCol w="5553703"/>
+                <a:gridCol w="710962"/>
+                <a:gridCol w="2256532"/>
+                <a:gridCol w="5530393"/>
               </a:tblGrid>
               <a:tr h="0">
                 <a:tc>
@@ -39333,7 +39651,7 @@
         </p:nvGraphicFramePr>
         <p:xfrm>
           <a:off x="776536" y="1196973"/>
-          <a:ext cx="8524875" cy="3646635"/>
+          <a:ext cx="8524875" cy="3663526"/>
         </p:xfrm>
         <a:graphic>
           <a:graphicData uri="http://schemas.openxmlformats.org/drawingml/2006/table">
@@ -40982,8 +41300,8 @@
         </p:nvSpPr>
         <p:spPr>
           <a:xfrm>
-            <a:off x="416496" y="836712"/>
-            <a:ext cx="9361040" cy="1738874"/>
+            <a:off x="776288" y="836712"/>
+            <a:ext cx="8497887" cy="1738874"/>
           </a:xfrm>
           <a:prstGeom prst="rect">
             <a:avLst/>

--- a/cmu/SurePark/SurePark_Final_Presentation_TEAM3.pptx
+++ b/cmu/SurePark/SurePark_Final_Presentation_TEAM3.pptx
@@ -37,7 +37,7 @@
     <p:sldId id="309" r:id="rId25"/>
   </p:sldIdLst>
   <p:sldSz cx="9906000" cy="6858000" type="A4"/>
-  <p:notesSz cx="6807200" cy="9939338"/>
+  <p:notesSz cx="6858000" cy="9296400"/>
   <p:defaultTextStyle>
     <a:defPPr>
       <a:defRPr lang="ko-KR"/>
@@ -222,12 +222,12 @@
     </p:ext>
     <p:ext uri="{2D200454-40CA-4A62-9FC3-DE9A4176ACB9}">
       <p15:notesGuideLst xmlns:p15="http://schemas.microsoft.com/office/powerpoint/2012/main">
-        <p15:guide id="1" orient="horz" pos="3131">
+        <p15:guide id="1" orient="horz" pos="2928" userDrawn="1">
           <p15:clr>
             <a:srgbClr val="A4A3A4"/>
           </p15:clr>
         </p15:guide>
-        <p15:guide id="2" pos="2144">
+        <p15:guide id="2" pos="2160" userDrawn="1">
           <p15:clr>
             <a:srgbClr val="A4A3A4"/>
           </p15:clr>
@@ -4465,15 +4465,15 @@
         </p:nvSpPr>
         <p:spPr>
           <a:xfrm>
-            <a:off x="0" y="0"/>
-            <a:ext cx="2949575" cy="496888"/>
+            <a:off x="0" y="1"/>
+            <a:ext cx="2971587" cy="464746"/>
           </a:xfrm>
           <a:prstGeom prst="rect">
             <a:avLst/>
           </a:prstGeom>
         </p:spPr>
         <p:txBody>
-          <a:bodyPr vert="horz" lIns="91440" tIns="45720" rIns="91440" bIns="45720" rtlCol="0"/>
+          <a:bodyPr vert="horz" lIns="91019" tIns="45510" rIns="91019" bIns="45510" rtlCol="0"/>
           <a:lstStyle>
             <a:lvl1pPr algn="l" fontAlgn="auto">
               <a:spcBef>
@@ -4508,15 +4508,15 @@
         </p:nvSpPr>
         <p:spPr>
           <a:xfrm>
-            <a:off x="3856038" y="0"/>
-            <a:ext cx="2949575" cy="496888"/>
+            <a:off x="3884815" y="1"/>
+            <a:ext cx="2971587" cy="464746"/>
           </a:xfrm>
           <a:prstGeom prst="rect">
             <a:avLst/>
           </a:prstGeom>
         </p:spPr>
         <p:txBody>
-          <a:bodyPr vert="horz" lIns="91440" tIns="45720" rIns="91440" bIns="45720" rtlCol="0"/>
+          <a:bodyPr vert="horz" lIns="91019" tIns="45510" rIns="91019" bIns="45510" rtlCol="0"/>
           <a:lstStyle>
             <a:lvl1pPr algn="r" fontAlgn="auto">
               <a:spcBef>
@@ -4558,15 +4558,15 @@
         </p:nvSpPr>
         <p:spPr>
           <a:xfrm>
-            <a:off x="0" y="9440863"/>
-            <a:ext cx="2949575" cy="496887"/>
+            <a:off x="0" y="8830170"/>
+            <a:ext cx="2971587" cy="464745"/>
           </a:xfrm>
           <a:prstGeom prst="rect">
             <a:avLst/>
           </a:prstGeom>
         </p:spPr>
         <p:txBody>
-          <a:bodyPr vert="horz" lIns="91440" tIns="45720" rIns="91440" bIns="45720" rtlCol="0" anchor="b"/>
+          <a:bodyPr vert="horz" lIns="91019" tIns="45510" rIns="91019" bIns="45510" rtlCol="0" anchor="b"/>
           <a:lstStyle>
             <a:lvl1pPr algn="l" fontAlgn="auto">
               <a:spcBef>
@@ -4601,15 +4601,15 @@
         </p:nvSpPr>
         <p:spPr>
           <a:xfrm>
-            <a:off x="3856038" y="9440863"/>
-            <a:ext cx="2949575" cy="496887"/>
+            <a:off x="3884815" y="8830170"/>
+            <a:ext cx="2971587" cy="464745"/>
           </a:xfrm>
           <a:prstGeom prst="rect">
             <a:avLst/>
           </a:prstGeom>
         </p:spPr>
         <p:txBody>
-          <a:bodyPr vert="horz" lIns="91440" tIns="45720" rIns="91440" bIns="45720" rtlCol="0" anchor="b"/>
+          <a:bodyPr vert="horz" lIns="91019" tIns="45510" rIns="91019" bIns="45510" rtlCol="0" anchor="b"/>
           <a:lstStyle>
             <a:lvl1pPr algn="r" fontAlgn="auto">
               <a:spcBef>
@@ -4684,15 +4684,15 @@
         </p:nvSpPr>
         <p:spPr>
           <a:xfrm>
-            <a:off x="0" y="0"/>
-            <a:ext cx="2949575" cy="496888"/>
+            <a:off x="0" y="1"/>
+            <a:ext cx="2971587" cy="464746"/>
           </a:xfrm>
           <a:prstGeom prst="rect">
             <a:avLst/>
           </a:prstGeom>
         </p:spPr>
         <p:txBody>
-          <a:bodyPr vert="horz" lIns="91440" tIns="45720" rIns="91440" bIns="45720" rtlCol="0"/>
+          <a:bodyPr vert="horz" lIns="91019" tIns="45510" rIns="91019" bIns="45510" rtlCol="0"/>
           <a:lstStyle>
             <a:lvl1pPr algn="l" fontAlgn="auto">
               <a:spcBef>
@@ -4727,15 +4727,15 @@
         </p:nvSpPr>
         <p:spPr>
           <a:xfrm>
-            <a:off x="3856038" y="0"/>
-            <a:ext cx="2949575" cy="496888"/>
+            <a:off x="3884815" y="1"/>
+            <a:ext cx="2971587" cy="464746"/>
           </a:xfrm>
           <a:prstGeom prst="rect">
             <a:avLst/>
           </a:prstGeom>
         </p:spPr>
         <p:txBody>
-          <a:bodyPr vert="horz" lIns="91440" tIns="45720" rIns="91440" bIns="45720" rtlCol="0"/>
+          <a:bodyPr vert="horz" lIns="91019" tIns="45510" rIns="91019" bIns="45510" rtlCol="0"/>
           <a:lstStyle>
             <a:lvl1pPr algn="r" fontAlgn="auto">
               <a:spcBef>
@@ -4777,8 +4777,8 @@
         </p:nvSpPr>
         <p:spPr>
           <a:xfrm>
-            <a:off x="712788" y="746125"/>
-            <a:ext cx="5381625" cy="3725863"/>
+            <a:off x="912813" y="698500"/>
+            <a:ext cx="5032375" cy="3484563"/>
           </a:xfrm>
           <a:prstGeom prst="rect">
             <a:avLst/>
@@ -4791,7 +4791,7 @@
           </a:ln>
         </p:spPr>
         <p:txBody>
-          <a:bodyPr vert="horz" lIns="91440" tIns="45720" rIns="91440" bIns="45720" rtlCol="0" anchor="ctr"/>
+          <a:bodyPr vert="horz" lIns="91019" tIns="45510" rIns="91019" bIns="45510" rtlCol="0" anchor="ctr"/>
           <a:lstStyle/>
           <a:p>
             <a:pPr lvl="0"/>
@@ -4811,15 +4811,15 @@
         </p:nvSpPr>
         <p:spPr>
           <a:xfrm>
-            <a:off x="681038" y="4721225"/>
-            <a:ext cx="5445125" cy="4471988"/>
+            <a:off x="686121" y="4415827"/>
+            <a:ext cx="5485760" cy="4182712"/>
           </a:xfrm>
           <a:prstGeom prst="rect">
             <a:avLst/>
           </a:prstGeom>
         </p:spPr>
         <p:txBody>
-          <a:bodyPr vert="horz" lIns="91440" tIns="45720" rIns="91440" bIns="45720" rtlCol="0">
+          <a:bodyPr vert="horz" lIns="91019" tIns="45510" rIns="91019" bIns="45510" rtlCol="0">
             <a:normAutofit/>
           </a:bodyPr>
           <a:lstStyle/>
@@ -4873,15 +4873,15 @@
         </p:nvSpPr>
         <p:spPr>
           <a:xfrm>
-            <a:off x="0" y="9440863"/>
-            <a:ext cx="2949575" cy="496887"/>
+            <a:off x="0" y="8830170"/>
+            <a:ext cx="2971587" cy="464745"/>
           </a:xfrm>
           <a:prstGeom prst="rect">
             <a:avLst/>
           </a:prstGeom>
         </p:spPr>
         <p:txBody>
-          <a:bodyPr vert="horz" lIns="91440" tIns="45720" rIns="91440" bIns="45720" rtlCol="0" anchor="b"/>
+          <a:bodyPr vert="horz" lIns="91019" tIns="45510" rIns="91019" bIns="45510" rtlCol="0" anchor="b"/>
           <a:lstStyle>
             <a:lvl1pPr algn="l" fontAlgn="auto">
               <a:spcBef>
@@ -4916,15 +4916,15 @@
         </p:nvSpPr>
         <p:spPr>
           <a:xfrm>
-            <a:off x="3856038" y="9440863"/>
-            <a:ext cx="2949575" cy="496887"/>
+            <a:off x="3884815" y="8830170"/>
+            <a:ext cx="2971587" cy="464745"/>
           </a:xfrm>
           <a:prstGeom prst="rect">
             <a:avLst/>
           </a:prstGeom>
         </p:spPr>
         <p:txBody>
-          <a:bodyPr vert="horz" lIns="91440" tIns="45720" rIns="91440" bIns="45720" rtlCol="0" anchor="b"/>
+          <a:bodyPr vert="horz" lIns="91019" tIns="45510" rIns="91019" bIns="45510" rtlCol="0" anchor="b"/>
           <a:lstStyle>
             <a:lvl1pPr algn="r" fontAlgn="auto">
               <a:spcBef>
@@ -5116,8 +5116,8 @@
         </p:nvSpPr>
         <p:spPr bwMode="auto">
           <a:xfrm>
-            <a:off x="712788" y="746125"/>
-            <a:ext cx="5381625" cy="3725863"/>
+            <a:off x="912813" y="698500"/>
+            <a:ext cx="5032375" cy="3484563"/>
           </a:xfrm>
           <a:noFill/>
           <a:ln>
@@ -5883,8 +5883,8 @@
         </p:nvSpPr>
         <p:spPr bwMode="auto">
           <a:xfrm>
-            <a:off x="712788" y="746125"/>
-            <a:ext cx="5381625" cy="3725863"/>
+            <a:off x="912813" y="698500"/>
+            <a:ext cx="5032375" cy="3484563"/>
           </a:xfrm>
           <a:noFill/>
           <a:ln>
@@ -6020,8 +6020,8 @@
         </p:nvSpPr>
         <p:spPr bwMode="auto">
           <a:xfrm>
-            <a:off x="712788" y="746125"/>
-            <a:ext cx="5381625" cy="3725863"/>
+            <a:off x="912813" y="698500"/>
+            <a:ext cx="5032375" cy="3484563"/>
           </a:xfrm>
           <a:noFill/>
           <a:ln>
@@ -6157,8 +6157,8 @@
         </p:nvSpPr>
         <p:spPr bwMode="auto">
           <a:xfrm>
-            <a:off x="712788" y="746125"/>
-            <a:ext cx="5381625" cy="3725863"/>
+            <a:off x="912813" y="698500"/>
+            <a:ext cx="5032375" cy="3484563"/>
           </a:xfrm>
           <a:noFill/>
           <a:ln>
@@ -6294,8 +6294,8 @@
         </p:nvSpPr>
         <p:spPr bwMode="auto">
           <a:xfrm>
-            <a:off x="712788" y="746125"/>
-            <a:ext cx="5381625" cy="3725863"/>
+            <a:off x="912813" y="698500"/>
+            <a:ext cx="5032375" cy="3484563"/>
           </a:xfrm>
           <a:noFill/>
           <a:ln>
@@ -6431,8 +6431,8 @@
         </p:nvSpPr>
         <p:spPr bwMode="auto">
           <a:xfrm>
-            <a:off x="712788" y="746125"/>
-            <a:ext cx="5381625" cy="3725863"/>
+            <a:off x="912813" y="698500"/>
+            <a:ext cx="5032375" cy="3484563"/>
           </a:xfrm>
           <a:noFill/>
           <a:ln>
@@ -6568,8 +6568,8 @@
         </p:nvSpPr>
         <p:spPr bwMode="auto">
           <a:xfrm>
-            <a:off x="712788" y="746125"/>
-            <a:ext cx="5381625" cy="3725863"/>
+            <a:off x="912813" y="698500"/>
+            <a:ext cx="5032375" cy="3484563"/>
           </a:xfrm>
           <a:noFill/>
           <a:ln>
@@ -6705,8 +6705,8 @@
         </p:nvSpPr>
         <p:spPr bwMode="auto">
           <a:xfrm>
-            <a:off x="712788" y="746125"/>
-            <a:ext cx="5381625" cy="3725863"/>
+            <a:off x="912813" y="698500"/>
+            <a:ext cx="5032375" cy="3484563"/>
           </a:xfrm>
           <a:noFill/>
           <a:ln>
@@ -6842,8 +6842,8 @@
         </p:nvSpPr>
         <p:spPr bwMode="auto">
           <a:xfrm>
-            <a:off x="712788" y="746125"/>
-            <a:ext cx="5381625" cy="3725863"/>
+            <a:off x="912813" y="698500"/>
+            <a:ext cx="5032375" cy="3484563"/>
           </a:xfrm>
           <a:noFill/>
           <a:ln>
@@ -6979,8 +6979,8 @@
         </p:nvSpPr>
         <p:spPr bwMode="auto">
           <a:xfrm>
-            <a:off x="712788" y="746125"/>
-            <a:ext cx="5381625" cy="3725863"/>
+            <a:off x="912813" y="698500"/>
+            <a:ext cx="5032375" cy="3484563"/>
           </a:xfrm>
           <a:noFill/>
           <a:ln>
@@ -12235,7 +12235,23 @@
                 <a:ea typeface="맑은 고딕" panose="020B0503020000020004" pitchFamily="50" charset="-127"/>
                 <a:cs typeface="Times New Roman" panose="02020603050405020304" pitchFamily="18" charset="0"/>
               </a:rPr>
-              <a:t>failed because of the many reasons. </a:t>
+              <a:t>failed </a:t>
+            </a:r>
+            <a:r>
+              <a:rPr lang="en-US" altLang="ko-KR" sz="1600" kern="0" dirty="0" smtClean="0">
+                <a:latin typeface="Arial" panose="020B0604020202020204" pitchFamily="34" charset="0"/>
+                <a:ea typeface="맑은 고딕" panose="020B0503020000020004" pitchFamily="50" charset="-127"/>
+                <a:cs typeface="Times New Roman" panose="02020603050405020304" pitchFamily="18" charset="0"/>
+              </a:rPr>
+              <a:t>by </a:t>
+            </a:r>
+            <a:r>
+              <a:rPr lang="en-US" altLang="ko-KR" sz="1600" kern="0" dirty="0">
+                <a:latin typeface="Arial" panose="020B0604020202020204" pitchFamily="34" charset="0"/>
+                <a:ea typeface="맑은 고딕" panose="020B0503020000020004" pitchFamily="50" charset="-127"/>
+                <a:cs typeface="Times New Roman" panose="02020603050405020304" pitchFamily="18" charset="0"/>
+              </a:rPr>
+              <a:t>many reasons. </a:t>
             </a:r>
           </a:p>
           <a:p>
@@ -12542,7 +12558,14 @@
                 <a:latin typeface="Arial" panose="020B0604020202020204" pitchFamily="34" charset="0"/>
                 <a:ea typeface="맑은 고딕" panose="020B0503020000020004" pitchFamily="50" charset="-127"/>
               </a:rPr>
-              <a:t>Sure park system’s software detects software failure. In this case, Sure Park system’s software notify attendants in 30 seconds and restart in 1mins.</a:t>
+              <a:t>Sure park system’s software detects software failure. In this case, Sure Park system’s software notify attendants in 30 </a:t>
+            </a:r>
+            <a:r>
+              <a:rPr lang="en-US" altLang="ko-KR" sz="1600" kern="0" dirty="0" smtClean="0">
+                <a:latin typeface="Arial" panose="020B0604020202020204" pitchFamily="34" charset="0"/>
+                <a:ea typeface="맑은 고딕" panose="020B0503020000020004" pitchFamily="50" charset="-127"/>
+              </a:rPr>
+              <a:t>seconds.</a:t>
             </a:r>
             <a:endParaRPr lang="ko-KR" altLang="en-US" sz="1600"/>
           </a:p>
@@ -15678,7 +15701,7 @@
         <p:spPr>
           <a:xfrm>
             <a:off x="791798" y="4317856"/>
-            <a:ext cx="6393450" cy="652486"/>
+            <a:ext cx="6393450" cy="932563"/>
           </a:xfrm>
           <a:prstGeom prst="rect">
             <a:avLst/>
@@ -15739,7 +15762,40 @@
                 <a:latin typeface="Arial" panose="020B0604020202020204" pitchFamily="34" charset="0"/>
                 <a:cs typeface="Arial" panose="020B0604020202020204" pitchFamily="34" charset="0"/>
               </a:rPr>
-              <a:t>Reference</a:t>
+              <a:t>Detailed </a:t>
+            </a:r>
+            <a:r>
+              <a:rPr lang="en-US" altLang="ko-KR" sz="1400" dirty="0" smtClean="0">
+                <a:latin typeface="Arial" panose="020B0604020202020204" pitchFamily="34" charset="0"/>
+                <a:cs typeface="Arial" panose="020B0604020202020204" pitchFamily="34" charset="0"/>
+              </a:rPr>
+              <a:t>protocol is described </a:t>
+            </a:r>
+            <a:r>
+              <a:rPr lang="en-US" altLang="ko-KR" sz="1400" dirty="0" smtClean="0">
+                <a:latin typeface="Arial" panose="020B0604020202020204" pitchFamily="34" charset="0"/>
+                <a:cs typeface="Arial" panose="020B0604020202020204" pitchFamily="34" charset="0"/>
+              </a:rPr>
+              <a:t>in SurePark_ADS_TEAM3.doc. </a:t>
+            </a:r>
+          </a:p>
+          <a:p>
+            <a:pPr marL="285750" indent="-285750">
+              <a:lnSpc>
+                <a:spcPct val="130000"/>
+              </a:lnSpc>
+              <a:buClr>
+                <a:srgbClr val="C5003D"/>
+              </a:buClr>
+              <a:buFontTx/>
+              <a:buChar char="-"/>
+            </a:pPr>
+            <a:r>
+              <a:rPr lang="en-US" altLang="ko-KR" sz="1400" dirty="0" smtClean="0">
+                <a:latin typeface="Arial" panose="020B0604020202020204" pitchFamily="34" charset="0"/>
+                <a:cs typeface="Arial" panose="020B0604020202020204" pitchFamily="34" charset="0"/>
+              </a:rPr>
+              <a:t>JSON reference</a:t>
             </a:r>
             <a:r>
               <a:rPr lang="en-US" altLang="ko-KR" sz="1400" dirty="0" smtClean="0">
@@ -17080,7 +17136,7 @@
         </p:nvGraphicFramePr>
         <p:xfrm>
           <a:off x="4232920" y="908721"/>
-          <a:ext cx="5400600" cy="3107666"/>
+          <a:ext cx="5400600" cy="3047026"/>
         </p:xfrm>
         <a:graphic>
           <a:graphicData uri="http://schemas.openxmlformats.org/drawingml/2006/table">
@@ -19581,14 +19637,21 @@
                 <a:latin typeface="Arial" panose="020B0604020202020204" pitchFamily="34" charset="0"/>
                 <a:cs typeface="Arial" panose="020B0604020202020204" pitchFamily="34" charset="0"/>
               </a:rPr>
-              <a:t>burden more that </a:t>
+              <a:t>burden more than </a:t>
             </a:r>
             <a:r>
               <a:rPr lang="en-US" altLang="ko-KR" sz="1400" dirty="0" smtClean="0">
                 <a:latin typeface="Arial" panose="020B0604020202020204" pitchFamily="34" charset="0"/>
                 <a:cs typeface="Arial" panose="020B0604020202020204" pitchFamily="34" charset="0"/>
               </a:rPr>
-              <a:t>we expected.</a:t>
+              <a:t>we </a:t>
+            </a:r>
+            <a:r>
+              <a:rPr lang="en-US" altLang="ko-KR" sz="1400" dirty="0" smtClean="0">
+                <a:latin typeface="Arial" panose="020B0604020202020204" pitchFamily="34" charset="0"/>
+                <a:cs typeface="Arial" panose="020B0604020202020204" pitchFamily="34" charset="0"/>
+              </a:rPr>
+              <a:t>thought.</a:t>
             </a:r>
             <a:endParaRPr lang="ko-KR" altLang="en-US" sz="1400">
               <a:latin typeface="Arial" panose="020B0604020202020204" pitchFamily="34" charset="0"/>
@@ -19860,7 +19923,7 @@
         </p:nvGraphicFramePr>
         <p:xfrm>
           <a:off x="776288" y="1196975"/>
-          <a:ext cx="8497192" cy="2825234"/>
+          <a:ext cx="8497192" cy="2796813"/>
         </p:xfrm>
         <a:graphic>
           <a:graphicData uri="http://schemas.openxmlformats.org/drawingml/2006/table">
@@ -21961,7 +22024,7 @@
         </p:nvGraphicFramePr>
         <p:xfrm>
           <a:off x="776288" y="4612759"/>
-          <a:ext cx="8497192" cy="1385074"/>
+          <a:ext cx="8497192" cy="1356653"/>
         </p:xfrm>
         <a:graphic>
           <a:graphicData uri="http://schemas.openxmlformats.org/drawingml/2006/table">
@@ -23493,7 +23556,7 @@
                 <a:ea typeface="맑은 고딕" panose="020B0503020000020004" pitchFamily="50" charset="-127"/>
                 <a:cs typeface="Times New Roman" panose="02020603050405020304" pitchFamily="18" charset="0"/>
               </a:rPr>
-              <a:t>was not available in demo because </a:t>
+              <a:t>are not available during demo because </a:t>
             </a:r>
             <a:r>
               <a:rPr lang="en-US" altLang="ko-KR" sz="1600" kern="100" dirty="0">
@@ -25212,8 +25275,8 @@
         </p:nvSpPr>
         <p:spPr>
           <a:xfrm>
-            <a:off x="776288" y="1196975"/>
-            <a:ext cx="7416824" cy="923330"/>
+            <a:off x="776287" y="1196975"/>
+            <a:ext cx="8497887" cy="923330"/>
           </a:xfrm>
           <a:prstGeom prst="rect">
             <a:avLst/>
@@ -25230,7 +25293,42 @@
                 <a:latin typeface="Arial" panose="020B0604020202020204" pitchFamily="34" charset="0"/>
                 <a:cs typeface="Arial" panose="020B0604020202020204" pitchFamily="34" charset="0"/>
               </a:rPr>
-              <a:t>We are an LG team and we were assigned this project 7 weeks ago.  There are 5 team members and a mentor who have set out to build a new parking garage management system called “Sure Park</a:t>
+              <a:t>We are </a:t>
+            </a:r>
+            <a:r>
+              <a:rPr lang="en-US" altLang="ko-KR" dirty="0">
+                <a:latin typeface="Arial" panose="020B0604020202020204" pitchFamily="34" charset="0"/>
+                <a:cs typeface="Arial" panose="020B0604020202020204" pitchFamily="34" charset="0"/>
+              </a:rPr>
+              <a:t>t</a:t>
+            </a:r>
+            <a:r>
+              <a:rPr lang="en-US" altLang="ko-KR" dirty="0" smtClean="0">
+                <a:latin typeface="Arial" panose="020B0604020202020204" pitchFamily="34" charset="0"/>
+                <a:cs typeface="Arial" panose="020B0604020202020204" pitchFamily="34" charset="0"/>
+              </a:rPr>
+              <a:t>eam 3 and </a:t>
+            </a:r>
+            <a:r>
+              <a:rPr lang="en-US" altLang="ko-KR" dirty="0">
+                <a:latin typeface="Arial" panose="020B0604020202020204" pitchFamily="34" charset="0"/>
+                <a:cs typeface="Arial" panose="020B0604020202020204" pitchFamily="34" charset="0"/>
+              </a:rPr>
+              <a:t>we were assigned this project 7 weeks </a:t>
+            </a:r>
+            <a:r>
+              <a:rPr lang="en-US" altLang="ko-KR" dirty="0" smtClean="0">
+                <a:latin typeface="Arial" panose="020B0604020202020204" pitchFamily="34" charset="0"/>
+                <a:cs typeface="Arial" panose="020B0604020202020204" pitchFamily="34" charset="0"/>
+              </a:rPr>
+              <a:t>ago. There </a:t>
+            </a:r>
+            <a:r>
+              <a:rPr lang="en-US" altLang="ko-KR" dirty="0">
+                <a:latin typeface="Arial" panose="020B0604020202020204" pitchFamily="34" charset="0"/>
+                <a:cs typeface="Arial" panose="020B0604020202020204" pitchFamily="34" charset="0"/>
+              </a:rPr>
+              <a:t>are 5 team members and a mentor who have set out to build a new parking garage management system called “Sure Park</a:t>
             </a:r>
             <a:r>
               <a:rPr lang="en-US" altLang="ko-KR" dirty="0" smtClean="0">
@@ -25255,7 +25353,7 @@
           <p:nvPr>
             <p:extLst>
               <p:ext uri="{D42A27DB-BD31-4B8C-83A1-F6EECF244321}">
-                <p14:modId xmlns:p14="http://schemas.microsoft.com/office/powerpoint/2010/main" val="2889392121"/>
+                <p14:modId xmlns:p14="http://schemas.microsoft.com/office/powerpoint/2010/main" val="3745487235"/>
               </p:ext>
             </p:extLst>
           </p:nvPr>
@@ -25497,7 +25595,7 @@
                     <a:bodyPr/>
                     <a:lstStyle/>
                     <a:p>
-                      <a:pPr algn="ctr" latinLnBrk="0">
+                      <a:pPr algn="l" latinLnBrk="0">
                         <a:lnSpc>
                           <a:spcPct val="100000"/>
                         </a:lnSpc>
@@ -25724,7 +25822,7 @@
                     <a:bodyPr/>
                     <a:lstStyle/>
                     <a:p>
-                      <a:pPr algn="ctr" latinLnBrk="0">
+                      <a:pPr algn="l" latinLnBrk="0">
                         <a:lnSpc>
                           <a:spcPct val="100000"/>
                         </a:lnSpc>
@@ -25951,7 +26049,7 @@
                     <a:bodyPr/>
                     <a:lstStyle/>
                     <a:p>
-                      <a:pPr algn="ctr" latinLnBrk="0">
+                      <a:pPr algn="l" latinLnBrk="0">
                         <a:lnSpc>
                           <a:spcPct val="100000"/>
                         </a:lnSpc>
@@ -26206,7 +26304,7 @@
                     <a:bodyPr/>
                     <a:lstStyle/>
                     <a:p>
-                      <a:pPr algn="ctr" latinLnBrk="0">
+                      <a:pPr algn="l" latinLnBrk="0">
                         <a:lnSpc>
                           <a:spcPct val="100000"/>
                         </a:lnSpc>
@@ -26470,7 +26568,7 @@
                     <a:bodyPr/>
                     <a:lstStyle/>
                     <a:p>
-                      <a:pPr algn="ctr" latinLnBrk="0">
+                      <a:pPr algn="l" latinLnBrk="0">
                         <a:lnSpc>
                           <a:spcPct val="100000"/>
                         </a:lnSpc>
@@ -26551,7 +26649,7 @@
                         </a:spcAft>
                       </a:pPr>
                       <a:r>
-                        <a:rPr lang="en-US" sz="1400" kern="0">
+                        <a:rPr lang="en-US" sz="1400" kern="0" dirty="0">
                           <a:effectLst/>
                           <a:latin typeface="Arial" panose="020B0604020202020204" pitchFamily="34" charset="0"/>
                           <a:ea typeface="맑은 고딕" charset="-127"/>
@@ -26734,7 +26832,7 @@
                     <a:bodyPr/>
                     <a:lstStyle/>
                     <a:p>
-                      <a:pPr algn="ctr" latinLnBrk="0">
+                      <a:pPr algn="l" latinLnBrk="0">
                         <a:lnSpc>
                           <a:spcPct val="100000"/>
                         </a:lnSpc>
@@ -27127,7 +27225,7 @@
         </p:nvGraphicFramePr>
         <p:xfrm>
           <a:off x="776288" y="836712"/>
-          <a:ext cx="8497192" cy="5212111"/>
+          <a:ext cx="8497192" cy="5026310"/>
         </p:xfrm>
         <a:graphic>
           <a:graphicData uri="http://schemas.openxmlformats.org/drawingml/2006/table">
@@ -29421,7 +29519,7 @@
         </p:nvGraphicFramePr>
         <p:xfrm>
           <a:off x="776288" y="834127"/>
-          <a:ext cx="8529183" cy="5934974"/>
+          <a:ext cx="8529183" cy="5732282"/>
         </p:xfrm>
         <a:graphic>
           <a:graphicData uri="http://schemas.openxmlformats.org/drawingml/2006/table">
@@ -32071,7 +32169,7 @@
         </p:nvGraphicFramePr>
         <p:xfrm>
           <a:off x="776536" y="1196752"/>
-          <a:ext cx="8496944" cy="4681937"/>
+          <a:ext cx="8496944" cy="4546809"/>
         </p:xfrm>
         <a:graphic>
           <a:graphicData uri="http://schemas.openxmlformats.org/drawingml/2006/table">
@@ -36399,7 +36497,7 @@
         </p:nvGraphicFramePr>
         <p:xfrm>
           <a:off x="776288" y="1196975"/>
-          <a:ext cx="8497887" cy="4871724"/>
+          <a:ext cx="8497887" cy="4669032"/>
         </p:xfrm>
         <a:graphic>
           <a:graphicData uri="http://schemas.openxmlformats.org/drawingml/2006/table">
@@ -39651,7 +39749,7 @@
         </p:nvGraphicFramePr>
         <p:xfrm>
           <a:off x="776536" y="1196973"/>
-          <a:ext cx="8524875" cy="3663526"/>
+          <a:ext cx="8524875" cy="3646635"/>
         </p:xfrm>
         <a:graphic>
           <a:graphicData uri="http://schemas.openxmlformats.org/drawingml/2006/table">

--- a/cmu/SurePark/SurePark_Final_Presentation_TEAM3.pptx
+++ b/cmu/SurePark/SurePark_Final_Presentation_TEAM3.pptx
@@ -20,8 +20,8 @@
     <p:sldId id="294" r:id="rId8"/>
     <p:sldId id="295" r:id="rId9"/>
     <p:sldId id="287" r:id="rId10"/>
-    <p:sldId id="296" r:id="rId11"/>
-    <p:sldId id="297" r:id="rId12"/>
+    <p:sldId id="297" r:id="rId11"/>
+    <p:sldId id="296" r:id="rId12"/>
     <p:sldId id="298" r:id="rId13"/>
     <p:sldId id="299" r:id="rId14"/>
     <p:sldId id="300" r:id="rId15"/>
@@ -37,7 +37,7 @@
     <p:sldId id="309" r:id="rId25"/>
   </p:sldIdLst>
   <p:sldSz cx="9906000" cy="6858000" type="A4"/>
-  <p:notesSz cx="6858000" cy="9296400"/>
+  <p:notesSz cx="6669088" cy="9926638"/>
   <p:defaultTextStyle>
     <a:defPPr>
       <a:defRPr lang="ko-KR"/>
@@ -177,8 +177,8 @@
             <p14:sldId id="294"/>
             <p14:sldId id="295"/>
             <p14:sldId id="287"/>
+            <p14:sldId id="297"/>
             <p14:sldId id="296"/>
-            <p14:sldId id="297"/>
             <p14:sldId id="298"/>
             <p14:sldId id="299"/>
             <p14:sldId id="300"/>
@@ -222,12 +222,12 @@
     </p:ext>
     <p:ext uri="{2D200454-40CA-4A62-9FC3-DE9A4176ACB9}">
       <p15:notesGuideLst xmlns:p15="http://schemas.microsoft.com/office/powerpoint/2012/main">
-        <p15:guide id="1" orient="horz" pos="2928" userDrawn="1">
+        <p15:guide id="1" orient="horz" pos="3127" userDrawn="1">
           <p15:clr>
             <a:srgbClr val="A4A3A4"/>
           </p15:clr>
         </p15:guide>
-        <p15:guide id="2" pos="2160" userDrawn="1">
+        <p15:guide id="2" pos="2101" userDrawn="1">
           <p15:clr>
             <a:srgbClr val="A4A3A4"/>
           </p15:clr>
@@ -2619,8 +2619,8 @@
           <c:showBubbleSize val="0"/>
         </c:dLbls>
         <c:smooth val="0"/>
-        <c:axId val="265474496"/>
-        <c:axId val="265468616"/>
+        <c:axId val="256294576"/>
+        <c:axId val="256291048"/>
         <c:extLst>
           <c:ext xmlns:c15="http://schemas.microsoft.com/office/drawing/2012/chart" uri="{02D57815-91ED-43cb-92C2-25804820EDAC}">
             <c15:filteredLineSeries>
@@ -3147,7 +3147,7 @@
         </c:extLst>
       </c:lineChart>
       <c:dateAx>
-        <c:axId val="265474496"/>
+        <c:axId val="256294576"/>
         <c:scaling>
           <c:orientation val="minMax"/>
         </c:scaling>
@@ -3190,14 +3190,14 @@
             <a:endParaRPr lang="ko-KR"/>
           </a:p>
         </c:txPr>
-        <c:crossAx val="265468616"/>
+        <c:crossAx val="256291048"/>
         <c:crosses val="autoZero"/>
         <c:auto val="1"/>
         <c:lblOffset val="100"/>
         <c:baseTimeUnit val="days"/>
       </c:dateAx>
       <c:valAx>
-        <c:axId val="265468616"/>
+        <c:axId val="256291048"/>
         <c:scaling>
           <c:orientation val="minMax"/>
         </c:scaling>
@@ -3248,7 +3248,7 @@
             <a:endParaRPr lang="ko-KR"/>
           </a:p>
         </c:txPr>
-        <c:crossAx val="265474496"/>
+        <c:crossAx val="256294576"/>
         <c:crosses val="autoZero"/>
         <c:crossBetween val="between"/>
       </c:valAx>
@@ -4466,7 +4466,7 @@
         <p:spPr>
           <a:xfrm>
             <a:off x="0" y="1"/>
-            <a:ext cx="2971587" cy="464746"/>
+            <a:ext cx="2889731" cy="496253"/>
           </a:xfrm>
           <a:prstGeom prst="rect">
             <a:avLst/>
@@ -4508,8 +4508,8 @@
         </p:nvSpPr>
         <p:spPr>
           <a:xfrm>
-            <a:off x="3884815" y="1"/>
-            <a:ext cx="2971587" cy="464746"/>
+            <a:off x="3777804" y="1"/>
+            <a:ext cx="2889731" cy="496253"/>
           </a:xfrm>
           <a:prstGeom prst="rect">
             <a:avLst/>
@@ -4558,8 +4558,8 @@
         </p:nvSpPr>
         <p:spPr>
           <a:xfrm>
-            <a:off x="0" y="8830170"/>
-            <a:ext cx="2971587" cy="464745"/>
+            <a:off x="0" y="9428801"/>
+            <a:ext cx="2889731" cy="496252"/>
           </a:xfrm>
           <a:prstGeom prst="rect">
             <a:avLst/>
@@ -4601,8 +4601,8 @@
         </p:nvSpPr>
         <p:spPr>
           <a:xfrm>
-            <a:off x="3884815" y="8830170"/>
-            <a:ext cx="2971587" cy="464745"/>
+            <a:off x="3777804" y="9428801"/>
+            <a:ext cx="2889731" cy="496252"/>
           </a:xfrm>
           <a:prstGeom prst="rect">
             <a:avLst/>
@@ -4685,7 +4685,7 @@
         <p:spPr>
           <a:xfrm>
             <a:off x="0" y="1"/>
-            <a:ext cx="2971587" cy="464746"/>
+            <a:ext cx="2889731" cy="496253"/>
           </a:xfrm>
           <a:prstGeom prst="rect">
             <a:avLst/>
@@ -4727,8 +4727,8 @@
         </p:nvSpPr>
         <p:spPr>
           <a:xfrm>
-            <a:off x="3884815" y="1"/>
-            <a:ext cx="2971587" cy="464746"/>
+            <a:off x="3777804" y="1"/>
+            <a:ext cx="2889731" cy="496253"/>
           </a:xfrm>
           <a:prstGeom prst="rect">
             <a:avLst/>
@@ -4777,8 +4777,8 @@
         </p:nvSpPr>
         <p:spPr>
           <a:xfrm>
-            <a:off x="912813" y="698500"/>
-            <a:ext cx="5032375" cy="3484563"/>
+            <a:off x="647700" y="746125"/>
+            <a:ext cx="5373688" cy="3721100"/>
           </a:xfrm>
           <a:prstGeom prst="rect">
             <a:avLst/>
@@ -4811,8 +4811,8 @@
         </p:nvSpPr>
         <p:spPr>
           <a:xfrm>
-            <a:off x="686121" y="4415827"/>
-            <a:ext cx="5485760" cy="4182712"/>
+            <a:off x="667221" y="4715192"/>
+            <a:ext cx="5334648" cy="4466274"/>
           </a:xfrm>
           <a:prstGeom prst="rect">
             <a:avLst/>
@@ -4873,8 +4873,8 @@
         </p:nvSpPr>
         <p:spPr>
           <a:xfrm>
-            <a:off x="0" y="8830170"/>
-            <a:ext cx="2971587" cy="464745"/>
+            <a:off x="0" y="9428801"/>
+            <a:ext cx="2889731" cy="496252"/>
           </a:xfrm>
           <a:prstGeom prst="rect">
             <a:avLst/>
@@ -4916,8 +4916,8 @@
         </p:nvSpPr>
         <p:spPr>
           <a:xfrm>
-            <a:off x="3884815" y="8830170"/>
-            <a:ext cx="2971587" cy="464745"/>
+            <a:off x="3777804" y="9428801"/>
+            <a:ext cx="2889731" cy="496252"/>
           </a:xfrm>
           <a:prstGeom prst="rect">
             <a:avLst/>
@@ -5106,33 +5106,19 @@
       </p:grpSpPr>
       <p:sp>
         <p:nvSpPr>
-          <p:cNvPr id="24578" name="슬라이드 이미지 개체 틀 1"/>
+          <p:cNvPr id="2" name="슬라이드 이미지 개체 틀 1"/>
           <p:cNvSpPr>
-            <a:spLocks noGrp="1" noRot="1" noChangeAspect="1" noTextEdit="1"/>
+            <a:spLocks noGrp="1" noRot="1" noChangeAspect="1"/>
           </p:cNvSpPr>
           <p:nvPr>
             <p:ph type="sldImg"/>
           </p:nvPr>
         </p:nvSpPr>
-        <p:spPr bwMode="auto">
-          <a:xfrm>
-            <a:off x="912813" y="698500"/>
-            <a:ext cx="5032375" cy="3484563"/>
-          </a:xfrm>
-          <a:noFill/>
-          <a:ln>
-            <a:solidFill>
-              <a:srgbClr val="000000"/>
-            </a:solidFill>
-            <a:miter lim="800000"/>
-            <a:headEnd/>
-            <a:tailEnd/>
-          </a:ln>
-        </p:spPr>
+        <p:spPr/>
       </p:sp>
       <p:sp>
         <p:nvSpPr>
-          <p:cNvPr id="24579" name="슬라이드 노트 개체 틀 2"/>
+          <p:cNvPr id="3" name="슬라이드 노트 개체 틀 2"/>
           <p:cNvSpPr>
             <a:spLocks noGrp="1"/>
           </p:cNvSpPr>
@@ -5140,81 +5126,75 @@
             <p:ph type="body" idx="1"/>
           </p:nvPr>
         </p:nvSpPr>
-        <p:spPr bwMode="auto">
-          <a:noFill/>
-        </p:spPr>
+        <p:spPr/>
         <p:txBody>
-          <a:bodyPr wrap="square" numCol="1" anchor="t" anchorCtr="0" compatLnSpc="1">
-            <a:prstTxWarp prst="textNoShape">
-              <a:avLst/>
-            </a:prstTxWarp>
-          </a:bodyPr>
+          <a:bodyPr/>
           <a:lstStyle/>
           <a:p>
-            <a:pPr eaLnBrk="1" hangingPunct="1">
-              <a:spcBef>
-                <a:spcPct val="0"/>
-              </a:spcBef>
-            </a:pPr>
-            <a:endParaRPr lang="ko-KR" altLang="en-US" dirty="0" smtClean="0"/>
+            <a:r>
+              <a:rPr lang="en-US" altLang="ko-KR" dirty="0" smtClean="0"/>
+              <a:t>Hey, How are you? Yes… It’s me,</a:t>
+            </a:r>
+            <a:r>
+              <a:rPr lang="en-US" altLang="ko-KR" baseline="0" dirty="0" smtClean="0"/>
+              <a:t> again.</a:t>
+            </a:r>
+          </a:p>
+          <a:p>
+            <a:r>
+              <a:rPr lang="en-US" altLang="ko-KR" baseline="0" dirty="0" smtClean="0"/>
+              <a:t>5 weeks ago, I was here to talk about architectural drivers of </a:t>
+            </a:r>
+            <a:r>
+              <a:rPr lang="en-US" altLang="ko-KR" baseline="0" dirty="0" err="1" smtClean="0"/>
+              <a:t>SurePark</a:t>
+            </a:r>
+            <a:r>
+              <a:rPr lang="en-US" altLang="ko-KR" baseline="0" dirty="0" smtClean="0"/>
+              <a:t> system and project plan.</a:t>
+            </a:r>
+          </a:p>
+          <a:p>
+            <a:r>
+              <a:rPr lang="en-US" altLang="ko-KR" baseline="0" dirty="0" smtClean="0"/>
+              <a:t>Today, I am here to introduce our final architecture design and implementation.</a:t>
+            </a:r>
           </a:p>
         </p:txBody>
       </p:sp>
       <p:sp>
         <p:nvSpPr>
-          <p:cNvPr id="31748" name="슬라이드 번호 개체 틀 3"/>
+          <p:cNvPr id="4" name="슬라이드 번호 개체 틀 3"/>
           <p:cNvSpPr>
             <a:spLocks noGrp="1"/>
           </p:cNvSpPr>
           <p:nvPr>
-            <p:ph type="sldNum" sz="quarter" idx="5"/>
+            <p:ph type="sldNum" sz="quarter" idx="10"/>
           </p:nvPr>
         </p:nvSpPr>
-        <p:spPr bwMode="auto">
-          <a:ln>
-            <a:miter lim="800000"/>
-            <a:headEnd/>
-            <a:tailEnd/>
-          </a:ln>
-        </p:spPr>
+        <p:spPr/>
         <p:txBody>
-          <a:bodyPr wrap="square" numCol="1" anchorCtr="0" compatLnSpc="1">
-            <a:prstTxWarp prst="textNoShape">
-              <a:avLst/>
-            </a:prstTxWarp>
-          </a:bodyPr>
+          <a:bodyPr/>
           <a:lstStyle/>
           <a:p>
-            <a:pPr fontAlgn="base">
-              <a:spcBef>
-                <a:spcPct val="0"/>
-              </a:spcBef>
-              <a:spcAft>
-                <a:spcPct val="0"/>
-              </a:spcAft>
+            <a:pPr>
               <a:defRPr/>
             </a:pPr>
-            <a:fld id="{1D827D2B-8236-46A4-853C-5332FEA7EC09}" type="slidenum">
+            <a:fld id="{9247A307-6D28-42D4-97C7-3EC4C726598D}" type="slidenum">
               <a:rPr lang="ko-KR" altLang="en-US" smtClean="0"/>
-              <a:pPr fontAlgn="base">
-                <a:spcBef>
-                  <a:spcPct val="0"/>
-                </a:spcBef>
-                <a:spcAft>
-                  <a:spcPct val="0"/>
-                </a:spcAft>
+              <a:pPr>
                 <a:defRPr/>
               </a:pPr>
-              <a:t>1</a:t>
+              <a:t>0</a:t>
             </a:fld>
-            <a:endParaRPr lang="ko-KR" altLang="en-US" smtClean="0"/>
+            <a:endParaRPr lang="ko-KR" altLang="en-US"/>
           </a:p>
         </p:txBody>
       </p:sp>
     </p:spTree>
     <p:extLst>
       <p:ext uri="{BB962C8B-B14F-4D97-AF65-F5344CB8AC3E}">
-        <p14:creationId xmlns:p14="http://schemas.microsoft.com/office/powerpoint/2010/main" val="1227741039"/>
+        <p14:creationId xmlns:p14="http://schemas.microsoft.com/office/powerpoint/2010/main" val="2964926915"/>
       </p:ext>
     </p:extLst>
   </p:cSld>
@@ -5268,7 +5248,54 @@
           <a:bodyPr/>
           <a:lstStyle/>
           <a:p>
-            <a:endParaRPr lang="ko-KR" altLang="en-US" dirty="0"/>
+            <a:r>
+              <a:rPr lang="en-US" altLang="ko-KR" dirty="0" smtClean="0"/>
+              <a:t>OK, it’s time to introduce </a:t>
+            </a:r>
+            <a:r>
+              <a:rPr lang="en-US" altLang="ko-KR" baseline="0" dirty="0" smtClean="0"/>
+              <a:t>architecture design. You’re seeing dynamic view of </a:t>
+            </a:r>
+            <a:r>
+              <a:rPr lang="en-US" altLang="ko-KR" baseline="0" dirty="0" err="1" smtClean="0"/>
+              <a:t>SurePark</a:t>
+            </a:r>
+            <a:r>
+              <a:rPr lang="en-US" altLang="ko-KR" baseline="0" dirty="0" smtClean="0"/>
+              <a:t> system.</a:t>
+            </a:r>
+          </a:p>
+          <a:p>
+            <a:r>
+              <a:rPr lang="en-US" altLang="ko-KR" baseline="0" dirty="0" smtClean="0"/>
+              <a:t>There are several processes in the picture. They communicate with each others.</a:t>
+            </a:r>
+          </a:p>
+          <a:p>
+            <a:r>
+              <a:rPr lang="en-US" altLang="ko-KR" baseline="0" dirty="0" smtClean="0"/>
+              <a:t>To exchange data, the system uses protocols such like HTTP, TCP/IP and BSON.</a:t>
+            </a:r>
+          </a:p>
+          <a:p>
+            <a:r>
+              <a:rPr lang="en-US" altLang="ko-KR" baseline="0" dirty="0" smtClean="0"/>
+              <a:t>Each processes has their own roles. They collaborate with each others to achieve </a:t>
+            </a:r>
+            <a:r>
+              <a:rPr lang="en-US" altLang="ko-KR" baseline="0" dirty="0" err="1" smtClean="0"/>
+              <a:t>FRs.</a:t>
+            </a:r>
+            <a:endParaRPr lang="en-US" altLang="ko-KR" baseline="0" dirty="0" smtClean="0"/>
+          </a:p>
+          <a:p>
+            <a:r>
+              <a:rPr lang="en-US" altLang="ko-KR" baseline="0" dirty="0" smtClean="0"/>
+              <a:t>I’ll talk about the roles of each components more detailed in later slide.</a:t>
+            </a:r>
+          </a:p>
+          <a:p>
+            <a:endParaRPr lang="en-US" altLang="ko-KR" baseline="0" dirty="0" smtClean="0"/>
           </a:p>
         </p:txBody>
       </p:sp>
@@ -5295,7 +5322,7 @@
               <a:pPr>
                 <a:defRPr/>
               </a:pPr>
-              <a:t>15</a:t>
+              <a:t>9</a:t>
             </a:fld>
             <a:endParaRPr lang="ko-KR" altLang="en-US"/>
           </a:p>
@@ -5304,7 +5331,7 @@
     </p:spTree>
     <p:extLst>
       <p:ext uri="{BB962C8B-B14F-4D97-AF65-F5344CB8AC3E}">
-        <p14:creationId xmlns:p14="http://schemas.microsoft.com/office/powerpoint/2010/main" val="3389579981"/>
+        <p14:creationId xmlns:p14="http://schemas.microsoft.com/office/powerpoint/2010/main" val="2532637742"/>
       </p:ext>
     </p:extLst>
   </p:cSld>
@@ -5358,7 +5385,30 @@
           <a:bodyPr/>
           <a:lstStyle/>
           <a:p>
-            <a:endParaRPr lang="ko-KR" altLang="en-US" dirty="0"/>
+            <a:r>
+              <a:rPr lang="en-US" altLang="ko-KR" baseline="0" dirty="0" smtClean="0"/>
+              <a:t>This is physical view. Are you familiar with this picture? Yes, it’s almost same as the previous one.</a:t>
+            </a:r>
+          </a:p>
+          <a:p>
+            <a:r>
+              <a:rPr lang="en-US" altLang="ko-KR" baseline="0" dirty="0" smtClean="0"/>
+              <a:t>The difference is the hardware. You can see three kind of hardware; Arduino H/W, client machine and server machine. Processes run in separate machines </a:t>
+            </a:r>
+            <a:r>
+              <a:rPr lang="en-US" altLang="ko-KR" baseline="0" dirty="0" smtClean="0"/>
+              <a:t>independently </a:t>
+            </a:r>
+            <a:r>
+              <a:rPr lang="en-US" altLang="ko-KR" baseline="0" dirty="0" smtClean="0"/>
+              <a:t>.</a:t>
+            </a:r>
+          </a:p>
+          <a:p>
+            <a:r>
+              <a:rPr lang="en-US" altLang="ko-KR" baseline="0" dirty="0" smtClean="0"/>
+              <a:t>The red box is boundary of a parking garage. Every garages have one server machine and several Arduino hardware.</a:t>
+            </a:r>
           </a:p>
         </p:txBody>
       </p:sp>
@@ -5385,7 +5435,7 @@
               <a:pPr>
                 <a:defRPr/>
               </a:pPr>
-              <a:t>16</a:t>
+              <a:t>10</a:t>
             </a:fld>
             <a:endParaRPr lang="ko-KR" altLang="en-US"/>
           </a:p>
@@ -5394,7 +5444,7 @@
     </p:spTree>
     <p:extLst>
       <p:ext uri="{BB962C8B-B14F-4D97-AF65-F5344CB8AC3E}">
-        <p14:creationId xmlns:p14="http://schemas.microsoft.com/office/powerpoint/2010/main" val="179836302"/>
+        <p14:creationId xmlns:p14="http://schemas.microsoft.com/office/powerpoint/2010/main" val="2916674586"/>
       </p:ext>
     </p:extLst>
   </p:cSld>
@@ -5448,7 +5498,23 @@
           <a:bodyPr/>
           <a:lstStyle/>
           <a:p>
-            <a:endParaRPr lang="ko-KR" altLang="en-US" dirty="0"/>
+            <a:r>
+              <a:rPr lang="en-US" altLang="ko-KR" dirty="0" smtClean="0"/>
+              <a:t>There is nothing special in static</a:t>
+            </a:r>
+            <a:r>
+              <a:rPr lang="en-US" altLang="ko-KR" baseline="0" dirty="0" smtClean="0"/>
+              <a:t> view. Three applications are build from their own code and have no relationship with each others.</a:t>
+            </a:r>
+          </a:p>
+          <a:p>
+            <a:r>
+              <a:rPr lang="en-US" altLang="ko-KR" baseline="0" dirty="0" smtClean="0"/>
+              <a:t>But they have to know about protocols and DB schema to make meaningful packets. </a:t>
+            </a:r>
+          </a:p>
+          <a:p>
+            <a:endParaRPr lang="en-US" altLang="ko-KR" baseline="0" dirty="0" smtClean="0"/>
           </a:p>
         </p:txBody>
       </p:sp>
@@ -5475,7 +5541,7 @@
               <a:pPr>
                 <a:defRPr/>
               </a:pPr>
-              <a:t>17</a:t>
+              <a:t>11</a:t>
             </a:fld>
             <a:endParaRPr lang="ko-KR" altLang="en-US"/>
           </a:p>
@@ -5484,7 +5550,7 @@
     </p:spTree>
     <p:extLst>
       <p:ext uri="{BB962C8B-B14F-4D97-AF65-F5344CB8AC3E}">
-        <p14:creationId xmlns:p14="http://schemas.microsoft.com/office/powerpoint/2010/main" val="3110712685"/>
+        <p14:creationId xmlns:p14="http://schemas.microsoft.com/office/powerpoint/2010/main" val="988793030"/>
       </p:ext>
     </p:extLst>
   </p:cSld>
@@ -5538,6 +5604,74 @@
           <a:bodyPr/>
           <a:lstStyle/>
           <a:p>
+            <a:r>
+              <a:rPr lang="en-US" altLang="ko-KR" dirty="0" smtClean="0"/>
+              <a:t>Here</a:t>
+            </a:r>
+            <a:r>
+              <a:rPr lang="en-US" altLang="ko-KR" baseline="0" dirty="0" smtClean="0"/>
+              <a:t> is the role of each component.</a:t>
+            </a:r>
+            <a:endParaRPr lang="ko-KR" altLang="ko-KR" sz="1200" kern="100" smtClean="0">
+              <a:effectLst/>
+              <a:latin typeface="맑은 고딕" panose="020B0503020000020004" pitchFamily="50" charset="-127"/>
+              <a:ea typeface="+mn-ea"/>
+              <a:cs typeface="Times New Roman" panose="02020603050405020304" pitchFamily="18" charset="0"/>
+            </a:endParaRPr>
+          </a:p>
+          <a:p>
+            <a:r>
+              <a:rPr lang="en-US" altLang="ko-KR" dirty="0" smtClean="0"/>
+              <a:t>Web browser</a:t>
+            </a:r>
+            <a:r>
+              <a:rPr lang="en-US" altLang="ko-KR" baseline="0" dirty="0" smtClean="0"/>
+              <a:t> is the gate for users to access to </a:t>
+            </a:r>
+            <a:r>
+              <a:rPr lang="en-US" altLang="ko-KR" baseline="0" dirty="0" err="1" smtClean="0"/>
+              <a:t>SurePark</a:t>
+            </a:r>
+            <a:r>
+              <a:rPr lang="en-US" altLang="ko-KR" baseline="0" dirty="0" smtClean="0"/>
+              <a:t> system.</a:t>
+            </a:r>
+          </a:p>
+          <a:p>
+            <a:r>
+              <a:rPr lang="en-US" altLang="ko-KR" dirty="0" smtClean="0"/>
+              <a:t>Web server provide users with functions to log in, make</a:t>
+            </a:r>
+            <a:r>
+              <a:rPr lang="en-US" altLang="ko-KR" baseline="0" dirty="0" smtClean="0"/>
+              <a:t> a reservation, monitoring facilities and so on.</a:t>
+            </a:r>
+          </a:p>
+          <a:p>
+            <a:r>
+              <a:rPr lang="en-US" altLang="ko-KR" baseline="0" dirty="0" smtClean="0"/>
+              <a:t>Facility Controller gathers information from sensors and controls LEDs and servo.</a:t>
+            </a:r>
+          </a:p>
+          <a:p>
+            <a:r>
+              <a:rPr lang="en-US" altLang="ko-KR" baseline="0" dirty="0" err="1" smtClean="0"/>
+              <a:t>SurePark</a:t>
+            </a:r>
+            <a:r>
+              <a:rPr lang="en-US" altLang="ko-KR" baseline="0" dirty="0" smtClean="0"/>
+              <a:t> Manager is a business logic, and </a:t>
+            </a:r>
+            <a:r>
+              <a:rPr lang="en-US" altLang="ko-KR" baseline="0" dirty="0" err="1" smtClean="0"/>
+              <a:t>SurePark</a:t>
+            </a:r>
+            <a:r>
+              <a:rPr lang="en-US" altLang="ko-KR" baseline="0" dirty="0" smtClean="0"/>
+              <a:t> DB keeps all of the data of the system.</a:t>
+            </a:r>
+          </a:p>
+          <a:p>
             <a:endParaRPr lang="ko-KR" altLang="en-US" dirty="0"/>
           </a:p>
         </p:txBody>
@@ -5565,7 +5699,7 @@
               <a:pPr>
                 <a:defRPr/>
               </a:pPr>
-              <a:t>18</a:t>
+              <a:t>12</a:t>
             </a:fld>
             <a:endParaRPr lang="ko-KR" altLang="en-US"/>
           </a:p>
@@ -5574,7 +5708,7 @@
     </p:spTree>
     <p:extLst>
       <p:ext uri="{BB962C8B-B14F-4D97-AF65-F5344CB8AC3E}">
-        <p14:creationId xmlns:p14="http://schemas.microsoft.com/office/powerpoint/2010/main" val="66552033"/>
+        <p14:creationId xmlns:p14="http://schemas.microsoft.com/office/powerpoint/2010/main" val="1948738932"/>
       </p:ext>
     </p:extLst>
   </p:cSld>
@@ -5628,7 +5762,93 @@
           <a:bodyPr/>
           <a:lstStyle/>
           <a:p>
-            <a:endParaRPr lang="ko-KR" altLang="en-US" dirty="0"/>
+            <a:r>
+              <a:rPr lang="en-US" altLang="ko-KR" dirty="0" smtClean="0"/>
+              <a:t>Here is the rationale for the 1</a:t>
+            </a:r>
+            <a:r>
+              <a:rPr lang="en-US" altLang="ko-KR" baseline="30000" dirty="0" smtClean="0"/>
+              <a:t>st</a:t>
+            </a:r>
+            <a:r>
+              <a:rPr lang="en-US" altLang="ko-KR" baseline="0" dirty="0" smtClean="0"/>
+              <a:t> decomposition.</a:t>
+            </a:r>
+          </a:p>
+          <a:p>
+            <a:r>
+              <a:rPr lang="en-US" altLang="ko-KR" dirty="0" smtClean="0"/>
+              <a:t>Modifiability is the </a:t>
+            </a:r>
+            <a:r>
+              <a:rPr lang="en-US" altLang="ko-KR" baseline="0" dirty="0" smtClean="0"/>
+              <a:t>most important QA. </a:t>
+            </a:r>
+            <a:r>
+              <a:rPr lang="en-US" altLang="ko-KR" baseline="0" dirty="0" smtClean="0"/>
+              <a:t>New </a:t>
+            </a:r>
+            <a:r>
+              <a:rPr lang="en-US" altLang="ko-KR" baseline="0" dirty="0" err="1" smtClean="0"/>
+              <a:t>SurePark</a:t>
+            </a:r>
+            <a:r>
+              <a:rPr lang="en-US" altLang="ko-KR" baseline="0" dirty="0" smtClean="0"/>
+              <a:t> system must</a:t>
+            </a:r>
+            <a:r>
+              <a:rPr lang="en-US" altLang="ko-KR" sz="1200" dirty="0" smtClean="0">
+                <a:latin typeface="Arial" panose="020B0604020202020204" pitchFamily="34" charset="0"/>
+                <a:cs typeface="Arial" panose="020B0604020202020204" pitchFamily="34" charset="0"/>
+              </a:rPr>
+              <a:t> be implemented in a week.</a:t>
+            </a:r>
+          </a:p>
+          <a:p>
+            <a:pPr marL="0" marR="0" indent="0" algn="l" defTabSz="914400" rtl="0" eaLnBrk="0" fontAlgn="base" latinLnBrk="1" hangingPunct="0">
+              <a:lnSpc>
+                <a:spcPct val="100000"/>
+              </a:lnSpc>
+              <a:spcBef>
+                <a:spcPct val="30000"/>
+              </a:spcBef>
+              <a:spcAft>
+                <a:spcPct val="0"/>
+              </a:spcAft>
+              <a:buClrTx/>
+              <a:buSzTx/>
+              <a:buFontTx/>
+              <a:buNone/>
+              <a:tabLst/>
+              <a:defRPr/>
+            </a:pPr>
+            <a:r>
+              <a:rPr lang="en-US" altLang="ko-KR" sz="1200" dirty="0" smtClean="0">
+                <a:latin typeface="Arial" panose="020B0604020202020204" pitchFamily="34" charset="0"/>
+                <a:ea typeface="+mn-ea"/>
+              </a:rPr>
+              <a:t>To achieve modifiability, we divided whole system into 5 parts based on responsibilities, and applied client-server and repository pattern.</a:t>
+            </a:r>
+            <a:endParaRPr lang="ko-KR" altLang="en-US" sz="1200" smtClean="0"/>
+          </a:p>
+          <a:p>
+            <a:r>
+              <a:rPr lang="en-US" altLang="ko-KR" dirty="0" smtClean="0"/>
+              <a:t>Client-server pattern promotes modifiability and reuse, by factoring out common services and modifying them in a single location.</a:t>
+            </a:r>
+          </a:p>
+          <a:p>
+            <a:r>
+              <a:rPr lang="en-US" altLang="ko-KR" sz="1200" dirty="0" smtClean="0">
+                <a:latin typeface="Arial" panose="020B0604020202020204" pitchFamily="34" charset="0"/>
+                <a:ea typeface="+mn-ea"/>
+              </a:rPr>
+              <a:t>Repository </a:t>
+            </a:r>
+            <a:r>
+              <a:rPr lang="en-US" altLang="ko-KR" dirty="0" smtClean="0"/>
+              <a:t>pattern also supports modifiability by decoupling producers and consumers of data.</a:t>
+            </a:r>
           </a:p>
         </p:txBody>
       </p:sp>
@@ -5655,7 +5875,7 @@
               <a:pPr>
                 <a:defRPr/>
               </a:pPr>
-              <a:t>19</a:t>
+              <a:t>13</a:t>
             </a:fld>
             <a:endParaRPr lang="ko-KR" altLang="en-US"/>
           </a:p>
@@ -5664,7 +5884,7 @@
     </p:spTree>
     <p:extLst>
       <p:ext uri="{BB962C8B-B14F-4D97-AF65-F5344CB8AC3E}">
-        <p14:creationId xmlns:p14="http://schemas.microsoft.com/office/powerpoint/2010/main" val="1992109280"/>
+        <p14:creationId xmlns:p14="http://schemas.microsoft.com/office/powerpoint/2010/main" val="3101407347"/>
       </p:ext>
     </p:extLst>
   </p:cSld>
@@ -5718,6 +5938,126 @@
           <a:bodyPr/>
           <a:lstStyle/>
           <a:p>
+            <a:pPr marL="0" marR="0" indent="0" algn="l" defTabSz="914400" rtl="0" eaLnBrk="0" fontAlgn="base" latinLnBrk="1" hangingPunct="0">
+              <a:lnSpc>
+                <a:spcPct val="100000"/>
+              </a:lnSpc>
+              <a:spcBef>
+                <a:spcPct val="30000"/>
+              </a:spcBef>
+              <a:spcAft>
+                <a:spcPct val="0"/>
+              </a:spcAft>
+              <a:buClrTx/>
+              <a:buSzTx/>
+              <a:buFontTx/>
+              <a:buNone/>
+              <a:tabLst/>
+              <a:defRPr/>
+            </a:pPr>
+            <a:r>
+              <a:rPr lang="en-US" altLang="ko-KR" dirty="0" smtClean="0"/>
+              <a:t>Availability is also the most </a:t>
+            </a:r>
+            <a:r>
+              <a:rPr lang="en-US" altLang="ko-KR" baseline="0" dirty="0" smtClean="0"/>
+              <a:t>important QA.</a:t>
+            </a:r>
+          </a:p>
+          <a:p>
+            <a:pPr marL="0" marR="0" indent="0" algn="l" defTabSz="914400" rtl="0" eaLnBrk="0" fontAlgn="base" latinLnBrk="1" hangingPunct="0">
+              <a:lnSpc>
+                <a:spcPct val="100000"/>
+              </a:lnSpc>
+              <a:spcBef>
+                <a:spcPct val="30000"/>
+              </a:spcBef>
+              <a:spcAft>
+                <a:spcPct val="0"/>
+              </a:spcAft>
+              <a:buClrTx/>
+              <a:buSzTx/>
+              <a:buFontTx/>
+              <a:buNone/>
+              <a:tabLst/>
+              <a:defRPr/>
+            </a:pPr>
+            <a:r>
+              <a:rPr lang="en-US" altLang="ko-KR" sz="1200" kern="0" dirty="0" smtClean="0">
+                <a:latin typeface="Arial" panose="020B0604020202020204" pitchFamily="34" charset="0"/>
+                <a:ea typeface="+mn-ea"/>
+              </a:rPr>
+              <a:t>When the system detects a failure, it should notify attendants in 30 seconds.</a:t>
+            </a:r>
+          </a:p>
+          <a:p>
+            <a:pPr marL="0" marR="0" indent="0" algn="l" defTabSz="914400" rtl="0" eaLnBrk="0" fontAlgn="base" latinLnBrk="1" hangingPunct="0">
+              <a:lnSpc>
+                <a:spcPct val="100000"/>
+              </a:lnSpc>
+              <a:spcBef>
+                <a:spcPct val="30000"/>
+              </a:spcBef>
+              <a:spcAft>
+                <a:spcPct val="0"/>
+              </a:spcAft>
+              <a:buClrTx/>
+              <a:buSzTx/>
+              <a:buFontTx/>
+              <a:buNone/>
+              <a:tabLst/>
+              <a:defRPr/>
+            </a:pPr>
+            <a:r>
+              <a:rPr lang="en-US" altLang="ko-KR" sz="1200" kern="0" dirty="0" err="1" smtClean="0">
+                <a:latin typeface="Arial" panose="020B0604020202020204" pitchFamily="34" charset="0"/>
+                <a:ea typeface="+mn-ea"/>
+              </a:rPr>
+              <a:t>SurePark</a:t>
+            </a:r>
+            <a:r>
+              <a:rPr lang="en-US" altLang="ko-KR" sz="1200" kern="0" dirty="0" smtClean="0">
+                <a:latin typeface="Arial" panose="020B0604020202020204" pitchFamily="34" charset="0"/>
+                <a:ea typeface="+mn-ea"/>
+              </a:rPr>
+              <a:t> system </a:t>
+            </a:r>
+            <a:r>
+              <a:rPr lang="en-US" altLang="ko-KR" sz="1200" kern="0" baseline="0" dirty="0" smtClean="0">
+                <a:latin typeface="Arial" panose="020B0604020202020204" pitchFamily="34" charset="0"/>
+                <a:ea typeface="+mn-ea"/>
+              </a:rPr>
+              <a:t>communicates through network, and n</a:t>
+            </a:r>
+            <a:r>
+              <a:rPr lang="en-US" altLang="ko-KR" sz="1200" dirty="0" smtClean="0"/>
+              <a:t>etwork communication could be failed by many reasons.</a:t>
+            </a:r>
+            <a:endParaRPr lang="ko-KR" altLang="en-US" sz="1200" dirty="0" smtClean="0"/>
+          </a:p>
+          <a:p>
+            <a:r>
+              <a:rPr lang="en-US" altLang="ko-KR" dirty="0" smtClean="0"/>
+              <a:t>As we learned in CMU course,</a:t>
+            </a:r>
+            <a:r>
+              <a:rPr lang="en-US" altLang="ko-KR" baseline="0" dirty="0" smtClean="0"/>
+              <a:t> there are </a:t>
+            </a:r>
+            <a:r>
+              <a:rPr lang="en-US" altLang="ko-KR" dirty="0" smtClean="0"/>
+              <a:t>several tactics to promote</a:t>
+            </a:r>
+            <a:r>
+              <a:rPr lang="en-US" altLang="ko-KR" baseline="0" dirty="0" smtClean="0"/>
+              <a:t> availability.</a:t>
+            </a:r>
+          </a:p>
+          <a:p>
+            <a:r>
+              <a:rPr lang="en-US" altLang="ko-KR" baseline="0" dirty="0" smtClean="0"/>
+              <a:t>Among them, we choose heartbeat to minimize network traffic.</a:t>
+            </a:r>
             <a:endParaRPr lang="ko-KR" altLang="en-US" dirty="0"/>
           </a:p>
         </p:txBody>
@@ -5745,7 +6085,7 @@
               <a:pPr>
                 <a:defRPr/>
               </a:pPr>
-              <a:t>20</a:t>
+              <a:t>14</a:t>
             </a:fld>
             <a:endParaRPr lang="ko-KR" altLang="en-US"/>
           </a:p>
@@ -5754,7 +6094,7 @@
     </p:spTree>
     <p:extLst>
       <p:ext uri="{BB962C8B-B14F-4D97-AF65-F5344CB8AC3E}">
-        <p14:creationId xmlns:p14="http://schemas.microsoft.com/office/powerpoint/2010/main" val="2123755714"/>
+        <p14:creationId xmlns:p14="http://schemas.microsoft.com/office/powerpoint/2010/main" val="2180406577"/>
       </p:ext>
     </p:extLst>
   </p:cSld>
@@ -5808,6 +6148,1105 @@
           <a:bodyPr/>
           <a:lstStyle/>
           <a:p>
+            <a:r>
+              <a:rPr lang="en-US" altLang="ko-KR" dirty="0" smtClean="0"/>
+              <a:t>Security</a:t>
+            </a:r>
+            <a:r>
+              <a:rPr lang="en-US" altLang="ko-KR" baseline="0" dirty="0" smtClean="0"/>
+              <a:t> is also very important.</a:t>
+            </a:r>
+          </a:p>
+          <a:p>
+            <a:pPr marL="0" marR="0" indent="0" algn="l" defTabSz="914400" rtl="0" eaLnBrk="0" fontAlgn="base" latinLnBrk="1" hangingPunct="0">
+              <a:lnSpc>
+                <a:spcPct val="100000"/>
+              </a:lnSpc>
+              <a:spcBef>
+                <a:spcPct val="30000"/>
+              </a:spcBef>
+              <a:spcAft>
+                <a:spcPct val="0"/>
+              </a:spcAft>
+              <a:buClrTx/>
+              <a:buSzTx/>
+              <a:buFontTx/>
+              <a:buNone/>
+              <a:tabLst/>
+              <a:defRPr/>
+            </a:pPr>
+            <a:r>
+              <a:rPr lang="en-US" altLang="ko-KR" sz="1200" kern="0" dirty="0" smtClean="0">
+                <a:latin typeface="Arial" panose="020B0604020202020204" pitchFamily="34" charset="0"/>
+                <a:ea typeface="+mn-ea"/>
+              </a:rPr>
+              <a:t>QA scenario says that all users must log in the system to access the authorized data.</a:t>
+            </a:r>
+            <a:endParaRPr lang="en-US" altLang="ko-KR" sz="1200" kern="1200" dirty="0" smtClean="0">
+              <a:latin typeface="+mn-lt"/>
+              <a:ea typeface="+mn-ea"/>
+            </a:endParaRPr>
+          </a:p>
+          <a:p>
+            <a:pPr marL="0" marR="0" indent="0" algn="l" defTabSz="914400" rtl="0" eaLnBrk="0" fontAlgn="base" latinLnBrk="1" hangingPunct="0">
+              <a:lnSpc>
+                <a:spcPct val="100000"/>
+              </a:lnSpc>
+              <a:spcBef>
+                <a:spcPct val="30000"/>
+              </a:spcBef>
+              <a:spcAft>
+                <a:spcPct val="0"/>
+              </a:spcAft>
+              <a:buClrTx/>
+              <a:buSzTx/>
+              <a:buFontTx/>
+              <a:buNone/>
+              <a:tabLst/>
+              <a:defRPr/>
+            </a:pPr>
+            <a:r>
+              <a:rPr lang="en-US" altLang="ko-KR" baseline="0" dirty="0" smtClean="0"/>
+              <a:t>To achieve that, we applied</a:t>
+            </a:r>
+            <a:r>
+              <a:rPr lang="ko-KR" altLang="en-US" baseline="0" smtClean="0"/>
+              <a:t> </a:t>
+            </a:r>
+            <a:r>
+              <a:rPr lang="en-US" altLang="ko-KR" baseline="0" dirty="0" smtClean="0"/>
+              <a:t>single access point pattern in the design.</a:t>
+            </a:r>
+          </a:p>
+          <a:p>
+            <a:r>
+              <a:rPr lang="en-US" altLang="ko-KR" baseline="0" dirty="0" smtClean="0"/>
+              <a:t>Web browser is the single access point of </a:t>
+            </a:r>
+            <a:r>
+              <a:rPr lang="en-US" altLang="ko-KR" baseline="0" dirty="0" err="1" smtClean="0"/>
+              <a:t>SurePark</a:t>
+            </a:r>
+            <a:r>
+              <a:rPr lang="en-US" altLang="ko-KR" baseline="0" dirty="0" smtClean="0"/>
+              <a:t> system.</a:t>
+            </a:r>
+          </a:p>
+        </p:txBody>
+      </p:sp>
+      <p:sp>
+        <p:nvSpPr>
+          <p:cNvPr id="4" name="슬라이드 번호 개체 틀 3"/>
+          <p:cNvSpPr>
+            <a:spLocks noGrp="1"/>
+          </p:cNvSpPr>
+          <p:nvPr>
+            <p:ph type="sldNum" sz="quarter" idx="10"/>
+          </p:nvPr>
+        </p:nvSpPr>
+        <p:spPr/>
+        <p:txBody>
+          <a:bodyPr/>
+          <a:lstStyle/>
+          <a:p>
+            <a:pPr>
+              <a:defRPr/>
+            </a:pPr>
+            <a:fld id="{9247A307-6D28-42D4-97C7-3EC4C726598D}" type="slidenum">
+              <a:rPr lang="ko-KR" altLang="en-US" smtClean="0"/>
+              <a:pPr>
+                <a:defRPr/>
+              </a:pPr>
+              <a:t>15</a:t>
+            </a:fld>
+            <a:endParaRPr lang="ko-KR" altLang="en-US"/>
+          </a:p>
+        </p:txBody>
+      </p:sp>
+    </p:spTree>
+    <p:extLst>
+      <p:ext uri="{BB962C8B-B14F-4D97-AF65-F5344CB8AC3E}">
+        <p14:creationId xmlns:p14="http://schemas.microsoft.com/office/powerpoint/2010/main" val="3389579981"/>
+      </p:ext>
+    </p:extLst>
+  </p:cSld>
+  <p:clrMapOvr>
+    <a:masterClrMapping/>
+  </p:clrMapOvr>
+</p:notes>
+</file>
+
+<file path=ppt/notesSlides/notesSlide17.xml><?xml version="1.0" encoding="utf-8"?>
+<p:notes xmlns:a="http://schemas.openxmlformats.org/drawingml/2006/main" xmlns:r="http://schemas.openxmlformats.org/officeDocument/2006/relationships" xmlns:p="http://schemas.openxmlformats.org/presentationml/2006/main">
+  <p:cSld>
+    <p:spTree>
+      <p:nvGrpSpPr>
+        <p:cNvPr id="1" name=""/>
+        <p:cNvGrpSpPr/>
+        <p:nvPr/>
+      </p:nvGrpSpPr>
+      <p:grpSpPr>
+        <a:xfrm>
+          <a:off x="0" y="0"/>
+          <a:ext cx="0" cy="0"/>
+          <a:chOff x="0" y="0"/>
+          <a:chExt cx="0" cy="0"/>
+        </a:xfrm>
+      </p:grpSpPr>
+      <p:sp>
+        <p:nvSpPr>
+          <p:cNvPr id="2" name="슬라이드 이미지 개체 틀 1"/>
+          <p:cNvSpPr>
+            <a:spLocks noGrp="1" noRot="1" noChangeAspect="1"/>
+          </p:cNvSpPr>
+          <p:nvPr>
+            <p:ph type="sldImg"/>
+          </p:nvPr>
+        </p:nvSpPr>
+        <p:spPr/>
+      </p:sp>
+      <p:sp>
+        <p:nvSpPr>
+          <p:cNvPr id="3" name="슬라이드 노트 개체 틀 2"/>
+          <p:cNvSpPr>
+            <a:spLocks noGrp="1"/>
+          </p:cNvSpPr>
+          <p:nvPr>
+            <p:ph type="body" idx="1"/>
+          </p:nvPr>
+        </p:nvSpPr>
+        <p:spPr/>
+        <p:txBody>
+          <a:bodyPr/>
+          <a:lstStyle/>
+          <a:p>
+            <a:r>
+              <a:rPr lang="en-US" altLang="ko-KR" dirty="0" smtClean="0"/>
+              <a:t>This picture shows</a:t>
+            </a:r>
+            <a:r>
+              <a:rPr lang="en-US" altLang="ko-KR" baseline="0" dirty="0" smtClean="0"/>
+              <a:t> roles pattern.</a:t>
+            </a:r>
+          </a:p>
+          <a:p>
+            <a:pPr algn="l"/>
+            <a:r>
+              <a:rPr lang="en-US" altLang="ko-KR" baseline="0" dirty="0" smtClean="0"/>
+              <a:t>Each groups have </a:t>
+            </a:r>
+            <a:r>
+              <a:rPr lang="en-US" altLang="ko-KR" sz="1200" dirty="0" smtClean="0">
+                <a:latin typeface="Arial" panose="020B0604020202020204" pitchFamily="34" charset="0"/>
+                <a:cs typeface="Arial" panose="020B0604020202020204" pitchFamily="34" charset="0"/>
+              </a:rPr>
+              <a:t>different roles that define what they can do</a:t>
+            </a:r>
+            <a:r>
+              <a:rPr lang="en-US" altLang="ko-KR" sz="1200" baseline="0" dirty="0" smtClean="0">
+                <a:latin typeface="Arial" panose="020B0604020202020204" pitchFamily="34" charset="0"/>
+                <a:cs typeface="Arial" panose="020B0604020202020204" pitchFamily="34" charset="0"/>
+              </a:rPr>
+              <a:t> </a:t>
+            </a:r>
+            <a:r>
+              <a:rPr lang="en-US" altLang="ko-KR" sz="1200" dirty="0" smtClean="0">
+                <a:latin typeface="Arial" panose="020B0604020202020204" pitchFamily="34" charset="0"/>
+                <a:cs typeface="Arial" panose="020B0604020202020204" pitchFamily="34" charset="0"/>
+              </a:rPr>
+              <a:t>and cannot do. </a:t>
+            </a:r>
+          </a:p>
+          <a:p>
+            <a:pPr algn="l"/>
+            <a:r>
+              <a:rPr lang="en-US" altLang="ko-KR" sz="1200" dirty="0" smtClean="0">
+                <a:latin typeface="Arial" panose="020B0604020202020204" pitchFamily="34" charset="0"/>
+                <a:cs typeface="Arial" panose="020B0604020202020204" pitchFamily="34" charset="0"/>
+              </a:rPr>
+              <a:t>Sure Park system provides different </a:t>
+            </a:r>
+            <a:r>
+              <a:rPr lang="en-US" altLang="ko-KR" sz="1200" b="0" dirty="0" smtClean="0">
+                <a:latin typeface="Arial" panose="020B0604020202020204" pitchFamily="34" charset="0"/>
+                <a:cs typeface="Arial" panose="020B0604020202020204" pitchFamily="34" charset="0"/>
+              </a:rPr>
+              <a:t>roles </a:t>
+            </a:r>
+            <a:r>
+              <a:rPr lang="en-US" altLang="ko-KR" sz="1200" dirty="0" smtClean="0">
+                <a:latin typeface="Arial" panose="020B0604020202020204" pitchFamily="34" charset="0"/>
+                <a:cs typeface="Arial" panose="020B0604020202020204" pitchFamily="34" charset="0"/>
+              </a:rPr>
+              <a:t>to owner attendant</a:t>
+            </a:r>
+            <a:r>
+              <a:rPr lang="en-US" altLang="ko-KR" sz="1200" baseline="0" dirty="0" smtClean="0">
+                <a:latin typeface="Arial" panose="020B0604020202020204" pitchFamily="34" charset="0"/>
+                <a:cs typeface="Arial" panose="020B0604020202020204" pitchFamily="34" charset="0"/>
+              </a:rPr>
+              <a:t> and driver</a:t>
+            </a:r>
+            <a:r>
+              <a:rPr lang="en-US" altLang="ko-KR" sz="1200" dirty="0" smtClean="0">
+                <a:latin typeface="Arial" panose="020B0604020202020204" pitchFamily="34" charset="0"/>
+                <a:cs typeface="Arial" panose="020B0604020202020204" pitchFamily="34" charset="0"/>
+              </a:rPr>
+              <a:t>.</a:t>
+            </a:r>
+          </a:p>
+          <a:p>
+            <a:pPr algn="l"/>
+            <a:r>
+              <a:rPr lang="en-US" altLang="ko-KR" sz="1200" dirty="0" smtClean="0">
+                <a:latin typeface="Arial" panose="020B0604020202020204" pitchFamily="34" charset="0"/>
+                <a:cs typeface="Arial" panose="020B0604020202020204" pitchFamily="34" charset="0"/>
+              </a:rPr>
+              <a:t>Driver</a:t>
+            </a:r>
+            <a:r>
+              <a:rPr lang="en-US" altLang="ko-KR" sz="1200" baseline="0" dirty="0" smtClean="0">
+                <a:latin typeface="Arial" panose="020B0604020202020204" pitchFamily="34" charset="0"/>
+                <a:cs typeface="Arial" panose="020B0604020202020204" pitchFamily="34" charset="0"/>
+              </a:rPr>
+              <a:t> has user’s role plus his own role.</a:t>
+            </a:r>
+          </a:p>
+          <a:p>
+            <a:pPr algn="l"/>
+            <a:r>
+              <a:rPr lang="en-US" altLang="ko-KR" sz="1200" baseline="0" dirty="0" smtClean="0">
+                <a:latin typeface="Arial" panose="020B0604020202020204" pitchFamily="34" charset="0"/>
+                <a:cs typeface="Arial" panose="020B0604020202020204" pitchFamily="34" charset="0"/>
+              </a:rPr>
+              <a:t>Attendant has user’s role, driver’s role and his own role.</a:t>
+            </a:r>
+          </a:p>
+          <a:p>
+            <a:pPr algn="l"/>
+            <a:r>
+              <a:rPr lang="en-US" altLang="ko-KR" sz="1200" baseline="0" dirty="0" smtClean="0">
+                <a:latin typeface="Arial" panose="020B0604020202020204" pitchFamily="34" charset="0"/>
+                <a:cs typeface="Arial" panose="020B0604020202020204" pitchFamily="34" charset="0"/>
+              </a:rPr>
+              <a:t>Finally, owner has all privileges of the system.</a:t>
+            </a:r>
+            <a:endParaRPr lang="en-US" altLang="ko-KR" sz="1200" dirty="0" smtClean="0">
+              <a:latin typeface="Arial" panose="020B0604020202020204" pitchFamily="34" charset="0"/>
+              <a:cs typeface="Arial" panose="020B0604020202020204" pitchFamily="34" charset="0"/>
+            </a:endParaRPr>
+          </a:p>
+        </p:txBody>
+      </p:sp>
+      <p:sp>
+        <p:nvSpPr>
+          <p:cNvPr id="4" name="슬라이드 번호 개체 틀 3"/>
+          <p:cNvSpPr>
+            <a:spLocks noGrp="1"/>
+          </p:cNvSpPr>
+          <p:nvPr>
+            <p:ph type="sldNum" sz="quarter" idx="10"/>
+          </p:nvPr>
+        </p:nvSpPr>
+        <p:spPr/>
+        <p:txBody>
+          <a:bodyPr/>
+          <a:lstStyle/>
+          <a:p>
+            <a:pPr>
+              <a:defRPr/>
+            </a:pPr>
+            <a:fld id="{9247A307-6D28-42D4-97C7-3EC4C726598D}" type="slidenum">
+              <a:rPr lang="ko-KR" altLang="en-US" smtClean="0"/>
+              <a:pPr>
+                <a:defRPr/>
+              </a:pPr>
+              <a:t>16</a:t>
+            </a:fld>
+            <a:endParaRPr lang="ko-KR" altLang="en-US"/>
+          </a:p>
+        </p:txBody>
+      </p:sp>
+    </p:spTree>
+    <p:extLst>
+      <p:ext uri="{BB962C8B-B14F-4D97-AF65-F5344CB8AC3E}">
+        <p14:creationId xmlns:p14="http://schemas.microsoft.com/office/powerpoint/2010/main" val="179836302"/>
+      </p:ext>
+    </p:extLst>
+  </p:cSld>
+  <p:clrMapOvr>
+    <a:masterClrMapping/>
+  </p:clrMapOvr>
+</p:notes>
+</file>
+
+<file path=ppt/notesSlides/notesSlide18.xml><?xml version="1.0" encoding="utf-8"?>
+<p:notes xmlns:a="http://schemas.openxmlformats.org/drawingml/2006/main" xmlns:r="http://schemas.openxmlformats.org/officeDocument/2006/relationships" xmlns:p="http://schemas.openxmlformats.org/presentationml/2006/main">
+  <p:cSld>
+    <p:spTree>
+      <p:nvGrpSpPr>
+        <p:cNvPr id="1" name=""/>
+        <p:cNvGrpSpPr/>
+        <p:nvPr/>
+      </p:nvGrpSpPr>
+      <p:grpSpPr>
+        <a:xfrm>
+          <a:off x="0" y="0"/>
+          <a:ext cx="0" cy="0"/>
+          <a:chOff x="0" y="0"/>
+          <a:chExt cx="0" cy="0"/>
+        </a:xfrm>
+      </p:grpSpPr>
+      <p:sp>
+        <p:nvSpPr>
+          <p:cNvPr id="2" name="슬라이드 이미지 개체 틀 1"/>
+          <p:cNvSpPr>
+            <a:spLocks noGrp="1" noRot="1" noChangeAspect="1"/>
+          </p:cNvSpPr>
+          <p:nvPr>
+            <p:ph type="sldImg"/>
+          </p:nvPr>
+        </p:nvSpPr>
+        <p:spPr/>
+      </p:sp>
+      <p:sp>
+        <p:nvSpPr>
+          <p:cNvPr id="3" name="슬라이드 노트 개체 틀 2"/>
+          <p:cNvSpPr>
+            <a:spLocks noGrp="1"/>
+          </p:cNvSpPr>
+          <p:nvPr>
+            <p:ph type="body" idx="1"/>
+          </p:nvPr>
+        </p:nvSpPr>
+        <p:spPr/>
+        <p:txBody>
+          <a:bodyPr/>
+          <a:lstStyle/>
+          <a:p>
+            <a:r>
+              <a:rPr lang="en-US" altLang="ko-KR" dirty="0" smtClean="0"/>
+              <a:t>Protocols!</a:t>
+            </a:r>
+          </a:p>
+          <a:p>
+            <a:r>
+              <a:rPr lang="en-US" altLang="ko-KR" dirty="0" smtClean="0"/>
+              <a:t>Arduino</a:t>
+            </a:r>
+            <a:r>
+              <a:rPr lang="en-US" altLang="ko-KR" baseline="0" dirty="0" smtClean="0"/>
+              <a:t> hardware is not so powerful. Lots of data could make it very busy.</a:t>
+            </a:r>
+          </a:p>
+          <a:p>
+            <a:r>
+              <a:rPr lang="en-US" altLang="ko-KR" baseline="0" dirty="0" smtClean="0"/>
+              <a:t>Because of this reason, packets between SM and FC are very simple.</a:t>
+            </a:r>
+          </a:p>
+          <a:p>
+            <a:r>
+              <a:rPr lang="en-US" altLang="ko-KR" baseline="0" dirty="0" smtClean="0"/>
+              <a:t>Heartbeat packet is only 6 byte long, for example.</a:t>
+            </a:r>
+          </a:p>
+          <a:p>
+            <a:r>
+              <a:rPr lang="en-US" altLang="ko-KR" dirty="0" smtClean="0"/>
+              <a:t>On the other hand, packets between SM and WS are very complicate but very flexible.</a:t>
+            </a:r>
+          </a:p>
+          <a:p>
+            <a:r>
+              <a:rPr lang="en-US" altLang="ko-KR" dirty="0" smtClean="0"/>
+              <a:t>This</a:t>
+            </a:r>
+            <a:r>
+              <a:rPr lang="en-US" altLang="ko-KR" baseline="0" dirty="0" smtClean="0"/>
+              <a:t> protocol is based on JSON.</a:t>
+            </a:r>
+            <a:endParaRPr lang="en-US" altLang="ko-KR" dirty="0" smtClean="0"/>
+          </a:p>
+        </p:txBody>
+      </p:sp>
+      <p:sp>
+        <p:nvSpPr>
+          <p:cNvPr id="4" name="슬라이드 번호 개체 틀 3"/>
+          <p:cNvSpPr>
+            <a:spLocks noGrp="1"/>
+          </p:cNvSpPr>
+          <p:nvPr>
+            <p:ph type="sldNum" sz="quarter" idx="10"/>
+          </p:nvPr>
+        </p:nvSpPr>
+        <p:spPr/>
+        <p:txBody>
+          <a:bodyPr/>
+          <a:lstStyle/>
+          <a:p>
+            <a:pPr>
+              <a:defRPr/>
+            </a:pPr>
+            <a:fld id="{9247A307-6D28-42D4-97C7-3EC4C726598D}" type="slidenum">
+              <a:rPr lang="ko-KR" altLang="en-US" smtClean="0"/>
+              <a:pPr>
+                <a:defRPr/>
+              </a:pPr>
+              <a:t>17</a:t>
+            </a:fld>
+            <a:endParaRPr lang="ko-KR" altLang="en-US"/>
+          </a:p>
+        </p:txBody>
+      </p:sp>
+    </p:spTree>
+    <p:extLst>
+      <p:ext uri="{BB962C8B-B14F-4D97-AF65-F5344CB8AC3E}">
+        <p14:creationId xmlns:p14="http://schemas.microsoft.com/office/powerpoint/2010/main" val="3110712685"/>
+      </p:ext>
+    </p:extLst>
+  </p:cSld>
+  <p:clrMapOvr>
+    <a:masterClrMapping/>
+  </p:clrMapOvr>
+</p:notes>
+</file>
+
+<file path=ppt/notesSlides/notesSlide19.xml><?xml version="1.0" encoding="utf-8"?>
+<p:notes xmlns:a="http://schemas.openxmlformats.org/drawingml/2006/main" xmlns:r="http://schemas.openxmlformats.org/officeDocument/2006/relationships" xmlns:p="http://schemas.openxmlformats.org/presentationml/2006/main">
+  <p:cSld>
+    <p:spTree>
+      <p:nvGrpSpPr>
+        <p:cNvPr id="1" name=""/>
+        <p:cNvGrpSpPr/>
+        <p:nvPr/>
+      </p:nvGrpSpPr>
+      <p:grpSpPr>
+        <a:xfrm>
+          <a:off x="0" y="0"/>
+          <a:ext cx="0" cy="0"/>
+          <a:chOff x="0" y="0"/>
+          <a:chExt cx="0" cy="0"/>
+        </a:xfrm>
+      </p:grpSpPr>
+      <p:sp>
+        <p:nvSpPr>
+          <p:cNvPr id="2" name="슬라이드 이미지 개체 틀 1"/>
+          <p:cNvSpPr>
+            <a:spLocks noGrp="1" noRot="1" noChangeAspect="1"/>
+          </p:cNvSpPr>
+          <p:nvPr>
+            <p:ph type="sldImg"/>
+          </p:nvPr>
+        </p:nvSpPr>
+        <p:spPr/>
+      </p:sp>
+      <p:sp>
+        <p:nvSpPr>
+          <p:cNvPr id="3" name="슬라이드 노트 개체 틀 2"/>
+          <p:cNvSpPr>
+            <a:spLocks noGrp="1"/>
+          </p:cNvSpPr>
+          <p:nvPr>
+            <p:ph type="body" idx="1"/>
+          </p:nvPr>
+        </p:nvSpPr>
+        <p:spPr/>
+        <p:txBody>
+          <a:bodyPr/>
+          <a:lstStyle/>
+          <a:p>
+            <a:r>
+              <a:rPr lang="en-US" altLang="ko-KR" dirty="0" smtClean="0"/>
+              <a:t>Test is also very important.</a:t>
+            </a:r>
+            <a:r>
+              <a:rPr lang="en-US" altLang="ko-KR" baseline="0" dirty="0" smtClean="0"/>
+              <a:t> </a:t>
+            </a:r>
+            <a:r>
+              <a:rPr lang="en-US" altLang="ko-KR" dirty="0" smtClean="0"/>
+              <a:t>Our test</a:t>
+            </a:r>
+            <a:r>
+              <a:rPr lang="en-US" altLang="ko-KR" baseline="0" dirty="0" smtClean="0"/>
+              <a:t> cases are built based on the functional requirement. From FRs, we made UCs, and then we made test cases too.</a:t>
+            </a:r>
+          </a:p>
+          <a:p>
+            <a:r>
+              <a:rPr lang="en-US" altLang="ko-KR" baseline="0" dirty="0" smtClean="0"/>
+              <a:t>As you can see in the picture, every requirements are described in UCs and test cases.</a:t>
+            </a:r>
+          </a:p>
+          <a:p>
+            <a:r>
+              <a:rPr lang="en-US" altLang="ko-KR" baseline="0" dirty="0" smtClean="0"/>
+              <a:t>It’s very powerful because we can cover all FRs through test</a:t>
+            </a:r>
+            <a:r>
+              <a:rPr lang="ko-KR" altLang="en-US" baseline="0" smtClean="0"/>
+              <a:t> </a:t>
+            </a:r>
+            <a:r>
+              <a:rPr lang="en-US" altLang="ko-KR" baseline="0" dirty="0" smtClean="0"/>
+              <a:t>cases. It’s very easy to trace back which FRs are failed or not tested yet.</a:t>
+            </a:r>
+            <a:endParaRPr lang="en-US" altLang="ko-KR" dirty="0" smtClean="0"/>
+          </a:p>
+        </p:txBody>
+      </p:sp>
+      <p:sp>
+        <p:nvSpPr>
+          <p:cNvPr id="4" name="슬라이드 번호 개체 틀 3"/>
+          <p:cNvSpPr>
+            <a:spLocks noGrp="1"/>
+          </p:cNvSpPr>
+          <p:nvPr>
+            <p:ph type="sldNum" sz="quarter" idx="10"/>
+          </p:nvPr>
+        </p:nvSpPr>
+        <p:spPr/>
+        <p:txBody>
+          <a:bodyPr/>
+          <a:lstStyle/>
+          <a:p>
+            <a:pPr>
+              <a:defRPr/>
+            </a:pPr>
+            <a:fld id="{9247A307-6D28-42D4-97C7-3EC4C726598D}" type="slidenum">
+              <a:rPr lang="ko-KR" altLang="en-US" smtClean="0"/>
+              <a:pPr>
+                <a:defRPr/>
+              </a:pPr>
+              <a:t>18</a:t>
+            </a:fld>
+            <a:endParaRPr lang="ko-KR" altLang="en-US"/>
+          </a:p>
+        </p:txBody>
+      </p:sp>
+    </p:spTree>
+    <p:extLst>
+      <p:ext uri="{BB962C8B-B14F-4D97-AF65-F5344CB8AC3E}">
+        <p14:creationId xmlns:p14="http://schemas.microsoft.com/office/powerpoint/2010/main" val="66552033"/>
+      </p:ext>
+    </p:extLst>
+  </p:cSld>
+  <p:clrMapOvr>
+    <a:masterClrMapping/>
+  </p:clrMapOvr>
+</p:notes>
+</file>
+
+<file path=ppt/notesSlides/notesSlide2.xml><?xml version="1.0" encoding="utf-8"?>
+<p:notes xmlns:a="http://schemas.openxmlformats.org/drawingml/2006/main" xmlns:r="http://schemas.openxmlformats.org/officeDocument/2006/relationships" xmlns:p="http://schemas.openxmlformats.org/presentationml/2006/main">
+  <p:cSld>
+    <p:spTree>
+      <p:nvGrpSpPr>
+        <p:cNvPr id="1" name=""/>
+        <p:cNvGrpSpPr/>
+        <p:nvPr/>
+      </p:nvGrpSpPr>
+      <p:grpSpPr>
+        <a:xfrm>
+          <a:off x="0" y="0"/>
+          <a:ext cx="0" cy="0"/>
+          <a:chOff x="0" y="0"/>
+          <a:chExt cx="0" cy="0"/>
+        </a:xfrm>
+      </p:grpSpPr>
+      <p:sp>
+        <p:nvSpPr>
+          <p:cNvPr id="24578" name="슬라이드 이미지 개체 틀 1"/>
+          <p:cNvSpPr>
+            <a:spLocks noGrp="1" noRot="1" noChangeAspect="1" noTextEdit="1"/>
+          </p:cNvSpPr>
+          <p:nvPr>
+            <p:ph type="sldImg"/>
+          </p:nvPr>
+        </p:nvSpPr>
+        <p:spPr bwMode="auto">
+          <a:xfrm>
+            <a:off x="647700" y="746125"/>
+            <a:ext cx="5373688" cy="3721100"/>
+          </a:xfrm>
+          <a:noFill/>
+          <a:ln>
+            <a:solidFill>
+              <a:srgbClr val="000000"/>
+            </a:solidFill>
+            <a:miter lim="800000"/>
+            <a:headEnd/>
+            <a:tailEnd/>
+          </a:ln>
+        </p:spPr>
+      </p:sp>
+      <p:sp>
+        <p:nvSpPr>
+          <p:cNvPr id="24579" name="슬라이드 노트 개체 틀 2"/>
+          <p:cNvSpPr>
+            <a:spLocks noGrp="1"/>
+          </p:cNvSpPr>
+          <p:nvPr>
+            <p:ph type="body" idx="1"/>
+          </p:nvPr>
+        </p:nvSpPr>
+        <p:spPr bwMode="auto">
+          <a:noFill/>
+        </p:spPr>
+        <p:txBody>
+          <a:bodyPr wrap="square" numCol="1" anchor="t" anchorCtr="0" compatLnSpc="1">
+            <a:prstTxWarp prst="textNoShape">
+              <a:avLst/>
+            </a:prstTxWarp>
+          </a:bodyPr>
+          <a:lstStyle/>
+          <a:p>
+            <a:pPr eaLnBrk="1" hangingPunct="1">
+              <a:spcBef>
+                <a:spcPct val="0"/>
+              </a:spcBef>
+            </a:pPr>
+            <a:r>
+              <a:rPr lang="en-US" altLang="ko-KR" dirty="0" smtClean="0"/>
+              <a:t>First, I’ll briefly mention about architectural</a:t>
+            </a:r>
+            <a:r>
+              <a:rPr lang="en-US" altLang="ko-KR" baseline="0" dirty="0" smtClean="0"/>
+              <a:t> drivers and introduce our design.</a:t>
+            </a:r>
+          </a:p>
+          <a:p>
+            <a:pPr eaLnBrk="1" hangingPunct="1">
+              <a:spcBef>
+                <a:spcPct val="0"/>
+              </a:spcBef>
+            </a:pPr>
+            <a:r>
+              <a:rPr lang="en-US" altLang="ko-KR" baseline="0" dirty="0" smtClean="0"/>
+              <a:t>Protocol, test, time log, artifacts we made and lesson learned will be covered in order.</a:t>
+            </a:r>
+          </a:p>
+        </p:txBody>
+      </p:sp>
+      <p:sp>
+        <p:nvSpPr>
+          <p:cNvPr id="31748" name="슬라이드 번호 개체 틀 3"/>
+          <p:cNvSpPr>
+            <a:spLocks noGrp="1"/>
+          </p:cNvSpPr>
+          <p:nvPr>
+            <p:ph type="sldNum" sz="quarter" idx="5"/>
+          </p:nvPr>
+        </p:nvSpPr>
+        <p:spPr bwMode="auto">
+          <a:ln>
+            <a:miter lim="800000"/>
+            <a:headEnd/>
+            <a:tailEnd/>
+          </a:ln>
+        </p:spPr>
+        <p:txBody>
+          <a:bodyPr wrap="square" numCol="1" anchorCtr="0" compatLnSpc="1">
+            <a:prstTxWarp prst="textNoShape">
+              <a:avLst/>
+            </a:prstTxWarp>
+          </a:bodyPr>
+          <a:lstStyle/>
+          <a:p>
+            <a:pPr fontAlgn="base">
+              <a:spcBef>
+                <a:spcPct val="0"/>
+              </a:spcBef>
+              <a:spcAft>
+                <a:spcPct val="0"/>
+              </a:spcAft>
+              <a:defRPr/>
+            </a:pPr>
+            <a:fld id="{1D827D2B-8236-46A4-853C-5332FEA7EC09}" type="slidenum">
+              <a:rPr lang="ko-KR" altLang="en-US" smtClean="0"/>
+              <a:pPr fontAlgn="base">
+                <a:spcBef>
+                  <a:spcPct val="0"/>
+                </a:spcBef>
+                <a:spcAft>
+                  <a:spcPct val="0"/>
+                </a:spcAft>
+                <a:defRPr/>
+              </a:pPr>
+              <a:t>1</a:t>
+            </a:fld>
+            <a:endParaRPr lang="ko-KR" altLang="en-US" smtClean="0"/>
+          </a:p>
+        </p:txBody>
+      </p:sp>
+    </p:spTree>
+    <p:extLst>
+      <p:ext uri="{BB962C8B-B14F-4D97-AF65-F5344CB8AC3E}">
+        <p14:creationId xmlns:p14="http://schemas.microsoft.com/office/powerpoint/2010/main" val="1227741039"/>
+      </p:ext>
+    </p:extLst>
+  </p:cSld>
+  <p:clrMapOvr>
+    <a:masterClrMapping/>
+  </p:clrMapOvr>
+</p:notes>
+</file>
+
+<file path=ppt/notesSlides/notesSlide20.xml><?xml version="1.0" encoding="utf-8"?>
+<p:notes xmlns:a="http://schemas.openxmlformats.org/drawingml/2006/main" xmlns:r="http://schemas.openxmlformats.org/officeDocument/2006/relationships" xmlns:p="http://schemas.openxmlformats.org/presentationml/2006/main">
+  <p:cSld>
+    <p:spTree>
+      <p:nvGrpSpPr>
+        <p:cNvPr id="1" name=""/>
+        <p:cNvGrpSpPr/>
+        <p:nvPr/>
+      </p:nvGrpSpPr>
+      <p:grpSpPr>
+        <a:xfrm>
+          <a:off x="0" y="0"/>
+          <a:ext cx="0" cy="0"/>
+          <a:chOff x="0" y="0"/>
+          <a:chExt cx="0" cy="0"/>
+        </a:xfrm>
+      </p:grpSpPr>
+      <p:sp>
+        <p:nvSpPr>
+          <p:cNvPr id="2" name="슬라이드 이미지 개체 틀 1"/>
+          <p:cNvSpPr>
+            <a:spLocks noGrp="1" noRot="1" noChangeAspect="1"/>
+          </p:cNvSpPr>
+          <p:nvPr>
+            <p:ph type="sldImg"/>
+          </p:nvPr>
+        </p:nvSpPr>
+        <p:spPr/>
+      </p:sp>
+      <p:sp>
+        <p:nvSpPr>
+          <p:cNvPr id="3" name="슬라이드 노트 개체 틀 2"/>
+          <p:cNvSpPr>
+            <a:spLocks noGrp="1"/>
+          </p:cNvSpPr>
+          <p:nvPr>
+            <p:ph type="body" idx="1"/>
+          </p:nvPr>
+        </p:nvSpPr>
+        <p:spPr/>
+        <p:txBody>
+          <a:bodyPr/>
+          <a:lstStyle/>
+          <a:p>
+            <a:r>
+              <a:rPr lang="en-US" altLang="ko-KR" dirty="0" smtClean="0"/>
+              <a:t>This slide shows our</a:t>
+            </a:r>
+            <a:r>
+              <a:rPr lang="en-US" altLang="ko-KR" baseline="0" dirty="0" smtClean="0"/>
+              <a:t> time log.</a:t>
+            </a:r>
+          </a:p>
+          <a:p>
+            <a:r>
+              <a:rPr lang="en-US" altLang="ko-KR" baseline="0" dirty="0" smtClean="0"/>
+              <a:t>The upper line is planned curve and the lower line is actual curve.</a:t>
+            </a:r>
+          </a:p>
+          <a:p>
+            <a:r>
+              <a:rPr lang="en-US" altLang="ko-KR" dirty="0" smtClean="0"/>
+              <a:t>At the early stage of the</a:t>
+            </a:r>
+            <a:r>
+              <a:rPr lang="en-US" altLang="ko-KR" baseline="0" dirty="0" smtClean="0"/>
+              <a:t> development, we didn’t do so much than planned.</a:t>
+            </a:r>
+          </a:p>
+          <a:p>
+            <a:pPr marL="0" marR="0" indent="0" algn="l" defTabSz="914400" rtl="0" eaLnBrk="0" fontAlgn="base" latinLnBrk="1" hangingPunct="0">
+              <a:lnSpc>
+                <a:spcPct val="100000"/>
+              </a:lnSpc>
+              <a:spcBef>
+                <a:spcPct val="30000"/>
+              </a:spcBef>
+              <a:spcAft>
+                <a:spcPct val="0"/>
+              </a:spcAft>
+              <a:buClrTx/>
+              <a:buSzTx/>
+              <a:buFontTx/>
+              <a:buNone/>
+              <a:tabLst/>
+              <a:defRPr/>
+            </a:pPr>
+            <a:r>
+              <a:rPr lang="en-US" altLang="ko-KR" sz="1200" dirty="0" smtClean="0">
+                <a:latin typeface="Arial" panose="020B0604020202020204" pitchFamily="34" charset="0"/>
+                <a:cs typeface="Arial" panose="020B0604020202020204" pitchFamily="34" charset="0"/>
+              </a:rPr>
+              <a:t>It’s because we had a trouble adjusting to the time difference on the first week.</a:t>
+            </a:r>
+            <a:endParaRPr lang="en-US" altLang="ko-KR" sz="1200" baseline="0" dirty="0" smtClean="0">
+              <a:latin typeface="Arial" panose="020B0604020202020204" pitchFamily="34" charset="0"/>
+              <a:cs typeface="Arial" panose="020B0604020202020204" pitchFamily="34" charset="0"/>
+            </a:endParaRPr>
+          </a:p>
+          <a:p>
+            <a:pPr marL="0" marR="0" indent="0" algn="l" defTabSz="914400" rtl="0" eaLnBrk="0" fontAlgn="base" latinLnBrk="1" hangingPunct="0">
+              <a:lnSpc>
+                <a:spcPct val="100000"/>
+              </a:lnSpc>
+              <a:spcBef>
+                <a:spcPct val="30000"/>
+              </a:spcBef>
+              <a:spcAft>
+                <a:spcPct val="0"/>
+              </a:spcAft>
+              <a:buClrTx/>
+              <a:buSzTx/>
+              <a:buFontTx/>
+              <a:buNone/>
+              <a:tabLst/>
+              <a:defRPr/>
+            </a:pPr>
+            <a:r>
+              <a:rPr lang="en-US" altLang="ko-KR" dirty="0" smtClean="0"/>
+              <a:t>From the second week, </a:t>
+            </a:r>
+            <a:r>
+              <a:rPr lang="en-US" altLang="ko-KR" baseline="0" dirty="0" smtClean="0"/>
+              <a:t>actual curve almost follows planned curve.</a:t>
+            </a:r>
+          </a:p>
+          <a:p>
+            <a:r>
+              <a:rPr lang="en-US" altLang="ko-KR" dirty="0" smtClean="0"/>
+              <a:t>The</a:t>
+            </a:r>
+            <a:r>
+              <a:rPr lang="en-US" altLang="ko-KR" baseline="0" dirty="0" smtClean="0"/>
+              <a:t> </a:t>
+            </a:r>
+            <a:r>
+              <a:rPr lang="en-US" altLang="ko-KR" dirty="0" smtClean="0"/>
+              <a:t>chart on the right shows</a:t>
+            </a:r>
+            <a:r>
+              <a:rPr lang="en-US" altLang="ko-KR" baseline="0" dirty="0" smtClean="0"/>
+              <a:t> how much time we spent for each development phases.</a:t>
+            </a:r>
+          </a:p>
+        </p:txBody>
+      </p:sp>
+      <p:sp>
+        <p:nvSpPr>
+          <p:cNvPr id="4" name="슬라이드 번호 개체 틀 3"/>
+          <p:cNvSpPr>
+            <a:spLocks noGrp="1"/>
+          </p:cNvSpPr>
+          <p:nvPr>
+            <p:ph type="sldNum" sz="quarter" idx="10"/>
+          </p:nvPr>
+        </p:nvSpPr>
+        <p:spPr/>
+        <p:txBody>
+          <a:bodyPr/>
+          <a:lstStyle/>
+          <a:p>
+            <a:pPr>
+              <a:defRPr/>
+            </a:pPr>
+            <a:fld id="{9247A307-6D28-42D4-97C7-3EC4C726598D}" type="slidenum">
+              <a:rPr lang="ko-KR" altLang="en-US" smtClean="0"/>
+              <a:pPr>
+                <a:defRPr/>
+              </a:pPr>
+              <a:t>19</a:t>
+            </a:fld>
+            <a:endParaRPr lang="ko-KR" altLang="en-US"/>
+          </a:p>
+        </p:txBody>
+      </p:sp>
+    </p:spTree>
+    <p:extLst>
+      <p:ext uri="{BB962C8B-B14F-4D97-AF65-F5344CB8AC3E}">
+        <p14:creationId xmlns:p14="http://schemas.microsoft.com/office/powerpoint/2010/main" val="1992109280"/>
+      </p:ext>
+    </p:extLst>
+  </p:cSld>
+  <p:clrMapOvr>
+    <a:masterClrMapping/>
+  </p:clrMapOvr>
+</p:notes>
+</file>
+
+<file path=ppt/notesSlides/notesSlide21.xml><?xml version="1.0" encoding="utf-8"?>
+<p:notes xmlns:a="http://schemas.openxmlformats.org/drawingml/2006/main" xmlns:r="http://schemas.openxmlformats.org/officeDocument/2006/relationships" xmlns:p="http://schemas.openxmlformats.org/presentationml/2006/main">
+  <p:cSld>
+    <p:spTree>
+      <p:nvGrpSpPr>
+        <p:cNvPr id="1" name=""/>
+        <p:cNvGrpSpPr/>
+        <p:nvPr/>
+      </p:nvGrpSpPr>
+      <p:grpSpPr>
+        <a:xfrm>
+          <a:off x="0" y="0"/>
+          <a:ext cx="0" cy="0"/>
+          <a:chOff x="0" y="0"/>
+          <a:chExt cx="0" cy="0"/>
+        </a:xfrm>
+      </p:grpSpPr>
+      <p:sp>
+        <p:nvSpPr>
+          <p:cNvPr id="2" name="슬라이드 이미지 개체 틀 1"/>
+          <p:cNvSpPr>
+            <a:spLocks noGrp="1" noRot="1" noChangeAspect="1"/>
+          </p:cNvSpPr>
+          <p:nvPr>
+            <p:ph type="sldImg"/>
+          </p:nvPr>
+        </p:nvSpPr>
+        <p:spPr/>
+      </p:sp>
+      <p:sp>
+        <p:nvSpPr>
+          <p:cNvPr id="3" name="슬라이드 노트 개체 틀 2"/>
+          <p:cNvSpPr>
+            <a:spLocks noGrp="1"/>
+          </p:cNvSpPr>
+          <p:nvPr>
+            <p:ph type="body" idx="1"/>
+          </p:nvPr>
+        </p:nvSpPr>
+        <p:spPr/>
+        <p:txBody>
+          <a:bodyPr/>
+          <a:lstStyle/>
+          <a:p>
+            <a:r>
+              <a:rPr lang="en-US" altLang="ko-KR" dirty="0" smtClean="0"/>
+              <a:t>This slide shows the list</a:t>
+            </a:r>
+            <a:r>
+              <a:rPr lang="en-US" altLang="ko-KR" baseline="0" dirty="0" smtClean="0"/>
+              <a:t> of documents and the source codes.</a:t>
+            </a:r>
+          </a:p>
+          <a:p>
+            <a:endParaRPr lang="ko-KR" altLang="en-US" dirty="0"/>
+          </a:p>
+        </p:txBody>
+      </p:sp>
+      <p:sp>
+        <p:nvSpPr>
+          <p:cNvPr id="4" name="슬라이드 번호 개체 틀 3"/>
+          <p:cNvSpPr>
+            <a:spLocks noGrp="1"/>
+          </p:cNvSpPr>
+          <p:nvPr>
+            <p:ph type="sldNum" sz="quarter" idx="10"/>
+          </p:nvPr>
+        </p:nvSpPr>
+        <p:spPr/>
+        <p:txBody>
+          <a:bodyPr/>
+          <a:lstStyle/>
+          <a:p>
+            <a:pPr>
+              <a:defRPr/>
+            </a:pPr>
+            <a:fld id="{9247A307-6D28-42D4-97C7-3EC4C726598D}" type="slidenum">
+              <a:rPr lang="ko-KR" altLang="en-US" smtClean="0"/>
+              <a:pPr>
+                <a:defRPr/>
+              </a:pPr>
+              <a:t>20</a:t>
+            </a:fld>
+            <a:endParaRPr lang="ko-KR" altLang="en-US"/>
+          </a:p>
+        </p:txBody>
+      </p:sp>
+    </p:spTree>
+    <p:extLst>
+      <p:ext uri="{BB962C8B-B14F-4D97-AF65-F5344CB8AC3E}">
+        <p14:creationId xmlns:p14="http://schemas.microsoft.com/office/powerpoint/2010/main" val="2123755714"/>
+      </p:ext>
+    </p:extLst>
+  </p:cSld>
+  <p:clrMapOvr>
+    <a:masterClrMapping/>
+  </p:clrMapOvr>
+</p:notes>
+</file>
+
+<file path=ppt/notesSlides/notesSlide22.xml><?xml version="1.0" encoding="utf-8"?>
+<p:notes xmlns:a="http://schemas.openxmlformats.org/drawingml/2006/main" xmlns:r="http://schemas.openxmlformats.org/officeDocument/2006/relationships" xmlns:p="http://schemas.openxmlformats.org/presentationml/2006/main">
+  <p:cSld>
+    <p:spTree>
+      <p:nvGrpSpPr>
+        <p:cNvPr id="1" name=""/>
+        <p:cNvGrpSpPr/>
+        <p:nvPr/>
+      </p:nvGrpSpPr>
+      <p:grpSpPr>
+        <a:xfrm>
+          <a:off x="0" y="0"/>
+          <a:ext cx="0" cy="0"/>
+          <a:chOff x="0" y="0"/>
+          <a:chExt cx="0" cy="0"/>
+        </a:xfrm>
+      </p:grpSpPr>
+      <p:sp>
+        <p:nvSpPr>
+          <p:cNvPr id="2" name="슬라이드 이미지 개체 틀 1"/>
+          <p:cNvSpPr>
+            <a:spLocks noGrp="1" noRot="1" noChangeAspect="1"/>
+          </p:cNvSpPr>
+          <p:nvPr>
+            <p:ph type="sldImg"/>
+          </p:nvPr>
+        </p:nvSpPr>
+        <p:spPr/>
+      </p:sp>
+      <p:sp>
+        <p:nvSpPr>
+          <p:cNvPr id="3" name="슬라이드 노트 개체 틀 2"/>
+          <p:cNvSpPr>
+            <a:spLocks noGrp="1"/>
+          </p:cNvSpPr>
+          <p:nvPr>
+            <p:ph type="body" idx="1"/>
+          </p:nvPr>
+        </p:nvSpPr>
+        <p:spPr/>
+        <p:txBody>
+          <a:bodyPr/>
+          <a:lstStyle/>
+          <a:p>
+            <a:r>
+              <a:rPr lang="en-US" altLang="ko-KR" dirty="0" smtClean="0"/>
+              <a:t>This is the last slide!</a:t>
+            </a:r>
+          </a:p>
+          <a:p>
+            <a:r>
+              <a:rPr lang="en-US" altLang="ko-KR" dirty="0" smtClean="0"/>
+              <a:t>What did</a:t>
+            </a:r>
+            <a:r>
+              <a:rPr lang="en-US" altLang="ko-KR" baseline="0" dirty="0" smtClean="0"/>
+              <a:t> </a:t>
+            </a:r>
+            <a:r>
+              <a:rPr lang="en-US" altLang="ko-KR" dirty="0" smtClean="0"/>
+              <a:t>we</a:t>
+            </a:r>
+            <a:r>
+              <a:rPr lang="en-US" altLang="ko-KR" baseline="0" dirty="0" smtClean="0"/>
+              <a:t> learn through CMU course?</a:t>
+            </a:r>
             <a:endParaRPr lang="ko-KR" altLang="en-US" dirty="0"/>
           </a:p>
         </p:txBody>
@@ -5854,7 +7293,7 @@
 </p:notes>
 </file>
 
-<file path=ppt/notesSlides/notesSlide17.xml><?xml version="1.0" encoding="utf-8"?>
+<file path=ppt/notesSlides/notesSlide23.xml><?xml version="1.0" encoding="utf-8"?>
 <p:notes xmlns:a="http://schemas.openxmlformats.org/drawingml/2006/main" xmlns:r="http://schemas.openxmlformats.org/officeDocument/2006/relationships" xmlns:p="http://schemas.openxmlformats.org/presentationml/2006/main">
   <p:cSld>
     <p:spTree>
@@ -5883,8 +7322,8 @@
         </p:nvSpPr>
         <p:spPr bwMode="auto">
           <a:xfrm>
-            <a:off x="912813" y="698500"/>
-            <a:ext cx="5032375" cy="3484563"/>
+            <a:off x="647700" y="746125"/>
+            <a:ext cx="5373688" cy="3721100"/>
           </a:xfrm>
           <a:noFill/>
           <a:ln>
@@ -5991,7 +7430,7 @@
 </p:notes>
 </file>
 
-<file path=ppt/notesSlides/notesSlide18.xml><?xml version="1.0" encoding="utf-8"?>
+<file path=ppt/notesSlides/notesSlide24.xml><?xml version="1.0" encoding="utf-8"?>
 <p:notes xmlns:a="http://schemas.openxmlformats.org/drawingml/2006/main" xmlns:r="http://schemas.openxmlformats.org/officeDocument/2006/relationships" xmlns:p="http://schemas.openxmlformats.org/presentationml/2006/main">
   <p:cSld>
     <p:spTree>
@@ -6020,8 +7459,8 @@
         </p:nvSpPr>
         <p:spPr bwMode="auto">
           <a:xfrm>
-            <a:off x="912813" y="698500"/>
-            <a:ext cx="5032375" cy="3484563"/>
+            <a:off x="647700" y="746125"/>
+            <a:ext cx="5373688" cy="3721100"/>
           </a:xfrm>
           <a:noFill/>
           <a:ln>
@@ -6060,7 +7499,49 @@
                 <a:spcPct val="0"/>
               </a:spcBef>
             </a:pPr>
-            <a:endParaRPr lang="ko-KR" altLang="en-US" smtClean="0"/>
+            <a:r>
+              <a:rPr lang="en-US" altLang="ko-KR" dirty="0" smtClean="0"/>
+              <a:t>Though we did not focus on usability in</a:t>
+            </a:r>
+            <a:r>
+              <a:rPr lang="en-US" altLang="ko-KR" baseline="0" dirty="0" smtClean="0"/>
+              <a:t> this presentation</a:t>
+            </a:r>
+            <a:r>
+              <a:rPr lang="en-US" altLang="ko-KR" dirty="0" smtClean="0"/>
+              <a:t>, usability is</a:t>
+            </a:r>
+            <a:r>
+              <a:rPr lang="en-US" altLang="ko-KR" baseline="0" dirty="0" smtClean="0"/>
+              <a:t> very important for the customer.</a:t>
+            </a:r>
+            <a:endParaRPr lang="en-US" altLang="ko-KR" dirty="0" smtClean="0"/>
+          </a:p>
+          <a:p>
+            <a:pPr eaLnBrk="1" hangingPunct="1">
+              <a:spcBef>
+                <a:spcPct val="0"/>
+              </a:spcBef>
+            </a:pPr>
+            <a:r>
+              <a:rPr lang="en-US" altLang="ko-KR" dirty="0" smtClean="0"/>
+              <a:t>To</a:t>
+            </a:r>
+            <a:r>
+              <a:rPr lang="en-US" altLang="ko-KR" baseline="0" dirty="0" smtClean="0"/>
+              <a:t> make it easy to access UI, we limited menu depth. All menus can be accessed by only 1 depth.</a:t>
+            </a:r>
+          </a:p>
+          <a:p>
+            <a:pPr eaLnBrk="1" hangingPunct="1">
+              <a:spcBef>
+                <a:spcPct val="0"/>
+              </a:spcBef>
+            </a:pPr>
+            <a:r>
+              <a:rPr lang="en-US" altLang="ko-KR" baseline="0" dirty="0" smtClean="0"/>
+              <a:t>You can see that in the successive demo session.</a:t>
+            </a:r>
           </a:p>
         </p:txBody>
       </p:sp>
@@ -6119,143 +7600,6 @@
     <p:extLst>
       <p:ext uri="{BB962C8B-B14F-4D97-AF65-F5344CB8AC3E}">
         <p14:creationId xmlns:p14="http://schemas.microsoft.com/office/powerpoint/2010/main" val="1935075879"/>
-      </p:ext>
-    </p:extLst>
-  </p:cSld>
-  <p:clrMapOvr>
-    <a:masterClrMapping/>
-  </p:clrMapOvr>
-</p:notes>
-</file>
-
-<file path=ppt/notesSlides/notesSlide2.xml><?xml version="1.0" encoding="utf-8"?>
-<p:notes xmlns:a="http://schemas.openxmlformats.org/drawingml/2006/main" xmlns:r="http://schemas.openxmlformats.org/officeDocument/2006/relationships" xmlns:p="http://schemas.openxmlformats.org/presentationml/2006/main">
-  <p:cSld>
-    <p:spTree>
-      <p:nvGrpSpPr>
-        <p:cNvPr id="1" name=""/>
-        <p:cNvGrpSpPr/>
-        <p:nvPr/>
-      </p:nvGrpSpPr>
-      <p:grpSpPr>
-        <a:xfrm>
-          <a:off x="0" y="0"/>
-          <a:ext cx="0" cy="0"/>
-          <a:chOff x="0" y="0"/>
-          <a:chExt cx="0" cy="0"/>
-        </a:xfrm>
-      </p:grpSpPr>
-      <p:sp>
-        <p:nvSpPr>
-          <p:cNvPr id="24578" name="슬라이드 이미지 개체 틀 1"/>
-          <p:cNvSpPr>
-            <a:spLocks noGrp="1" noRot="1" noChangeAspect="1" noTextEdit="1"/>
-          </p:cNvSpPr>
-          <p:nvPr>
-            <p:ph type="sldImg"/>
-          </p:nvPr>
-        </p:nvSpPr>
-        <p:spPr bwMode="auto">
-          <a:xfrm>
-            <a:off x="912813" y="698500"/>
-            <a:ext cx="5032375" cy="3484563"/>
-          </a:xfrm>
-          <a:noFill/>
-          <a:ln>
-            <a:solidFill>
-              <a:srgbClr val="000000"/>
-            </a:solidFill>
-            <a:miter lim="800000"/>
-            <a:headEnd/>
-            <a:tailEnd/>
-          </a:ln>
-        </p:spPr>
-      </p:sp>
-      <p:sp>
-        <p:nvSpPr>
-          <p:cNvPr id="24579" name="슬라이드 노트 개체 틀 2"/>
-          <p:cNvSpPr>
-            <a:spLocks noGrp="1"/>
-          </p:cNvSpPr>
-          <p:nvPr>
-            <p:ph type="body" idx="1"/>
-          </p:nvPr>
-        </p:nvSpPr>
-        <p:spPr bwMode="auto">
-          <a:noFill/>
-        </p:spPr>
-        <p:txBody>
-          <a:bodyPr wrap="square" numCol="1" anchor="t" anchorCtr="0" compatLnSpc="1">
-            <a:prstTxWarp prst="textNoShape">
-              <a:avLst/>
-            </a:prstTxWarp>
-          </a:bodyPr>
-          <a:lstStyle/>
-          <a:p>
-            <a:pPr eaLnBrk="1" hangingPunct="1">
-              <a:spcBef>
-                <a:spcPct val="0"/>
-              </a:spcBef>
-            </a:pPr>
-            <a:endParaRPr lang="ko-KR" altLang="en-US" smtClean="0"/>
-          </a:p>
-        </p:txBody>
-      </p:sp>
-      <p:sp>
-        <p:nvSpPr>
-          <p:cNvPr id="31748" name="슬라이드 번호 개체 틀 3"/>
-          <p:cNvSpPr>
-            <a:spLocks noGrp="1"/>
-          </p:cNvSpPr>
-          <p:nvPr>
-            <p:ph type="sldNum" sz="quarter" idx="5"/>
-          </p:nvPr>
-        </p:nvSpPr>
-        <p:spPr bwMode="auto">
-          <a:ln>
-            <a:miter lim="800000"/>
-            <a:headEnd/>
-            <a:tailEnd/>
-          </a:ln>
-        </p:spPr>
-        <p:txBody>
-          <a:bodyPr wrap="square" numCol="1" anchorCtr="0" compatLnSpc="1">
-            <a:prstTxWarp prst="textNoShape">
-              <a:avLst/>
-            </a:prstTxWarp>
-          </a:bodyPr>
-          <a:lstStyle/>
-          <a:p>
-            <a:pPr fontAlgn="base">
-              <a:spcBef>
-                <a:spcPct val="0"/>
-              </a:spcBef>
-              <a:spcAft>
-                <a:spcPct val="0"/>
-              </a:spcAft>
-              <a:defRPr/>
-            </a:pPr>
-            <a:fld id="{1D827D2B-8236-46A4-853C-5332FEA7EC09}" type="slidenum">
-              <a:rPr lang="ko-KR" altLang="en-US" smtClean="0"/>
-              <a:pPr fontAlgn="base">
-                <a:spcBef>
-                  <a:spcPct val="0"/>
-                </a:spcBef>
-                <a:spcAft>
-                  <a:spcPct val="0"/>
-                </a:spcAft>
-                <a:defRPr/>
-              </a:pPr>
-              <a:t>2</a:t>
-            </a:fld>
-            <a:endParaRPr lang="ko-KR" altLang="en-US" smtClean="0"/>
-          </a:p>
-        </p:txBody>
-      </p:sp>
-    </p:spTree>
-    <p:extLst>
-      <p:ext uri="{BB962C8B-B14F-4D97-AF65-F5344CB8AC3E}">
-        <p14:creationId xmlns:p14="http://schemas.microsoft.com/office/powerpoint/2010/main" val="766278657"/>
       </p:ext>
     </p:extLst>
   </p:cSld>
@@ -6294,8 +7638,8 @@
         </p:nvSpPr>
         <p:spPr bwMode="auto">
           <a:xfrm>
-            <a:off x="912813" y="698500"/>
-            <a:ext cx="5032375" cy="3484563"/>
+            <a:off x="647700" y="746125"/>
+            <a:ext cx="5373688" cy="3721100"/>
           </a:xfrm>
           <a:noFill/>
           <a:ln>
@@ -6334,7 +7678,28 @@
                 <a:spcPct val="0"/>
               </a:spcBef>
             </a:pPr>
-            <a:endParaRPr lang="ko-KR" altLang="en-US" smtClean="0"/>
+            <a:r>
+              <a:rPr lang="en-US" altLang="ko-KR" dirty="0" smtClean="0">
+                <a:latin typeface="Arial" panose="020B0604020202020204" pitchFamily="34" charset="0"/>
+                <a:cs typeface="Arial" panose="020B0604020202020204" pitchFamily="34" charset="0"/>
+              </a:rPr>
+              <a:t>We are team 3 and we were assigned this project 7 weeks ago.</a:t>
+            </a:r>
+          </a:p>
+          <a:p>
+            <a:pPr eaLnBrk="1" hangingPunct="1">
+              <a:spcBef>
+                <a:spcPct val="0"/>
+              </a:spcBef>
+            </a:pPr>
+            <a:r>
+              <a:rPr lang="en-US" altLang="ko-KR" dirty="0" smtClean="0">
+                <a:latin typeface="Arial" panose="020B0604020202020204" pitchFamily="34" charset="0"/>
+                <a:cs typeface="Arial" panose="020B0604020202020204" pitchFamily="34" charset="0"/>
+              </a:rPr>
+              <a:t>There are 5 team members and a mentor to build a new parking garage management system called “Sure Park”.</a:t>
+            </a:r>
+            <a:endParaRPr lang="ko-KR" altLang="en-US" dirty="0" smtClean="0"/>
           </a:p>
         </p:txBody>
       </p:sp>
@@ -6383,7 +7748,7 @@
                 </a:spcAft>
                 <a:defRPr/>
               </a:pPr>
-              <a:t>3</a:t>
+              <a:t>2</a:t>
             </a:fld>
             <a:endParaRPr lang="ko-KR" altLang="en-US" smtClean="0"/>
           </a:p>
@@ -6392,7 +7757,7 @@
     </p:spTree>
     <p:extLst>
       <p:ext uri="{BB962C8B-B14F-4D97-AF65-F5344CB8AC3E}">
-        <p14:creationId xmlns:p14="http://schemas.microsoft.com/office/powerpoint/2010/main" val="3221624858"/>
+        <p14:creationId xmlns:p14="http://schemas.microsoft.com/office/powerpoint/2010/main" val="766278657"/>
       </p:ext>
     </p:extLst>
   </p:cSld>
@@ -6431,8 +7796,8 @@
         </p:nvSpPr>
         <p:spPr bwMode="auto">
           <a:xfrm>
-            <a:off x="912813" y="698500"/>
-            <a:ext cx="5032375" cy="3484563"/>
+            <a:off x="647700" y="746125"/>
+            <a:ext cx="5373688" cy="3721100"/>
           </a:xfrm>
           <a:noFill/>
           <a:ln>
@@ -6471,6 +7836,47 @@
                 <a:spcPct val="0"/>
               </a:spcBef>
             </a:pPr>
+            <a:r>
+              <a:rPr lang="en-US" altLang="ko-KR" dirty="0" smtClean="0"/>
+              <a:t>I</a:t>
+            </a:r>
+            <a:r>
+              <a:rPr lang="en-US" altLang="ko-KR" baseline="0" dirty="0" smtClean="0"/>
+              <a:t> already mentioned about functional requirements in initial presentation, so I’ll just mention them briefly today.</a:t>
+            </a:r>
+          </a:p>
+          <a:p>
+            <a:pPr eaLnBrk="1" hangingPunct="1">
+              <a:spcBef>
+                <a:spcPct val="0"/>
+              </a:spcBef>
+            </a:pPr>
+            <a:r>
+              <a:rPr lang="en-US" altLang="ko-KR" baseline="0" dirty="0" smtClean="0"/>
+              <a:t>As you can see in the table, some FRs are talking about Arduino H/W.</a:t>
+            </a:r>
+          </a:p>
+          <a:p>
+            <a:pPr eaLnBrk="1" hangingPunct="1">
+              <a:spcBef>
+                <a:spcPct val="0"/>
+              </a:spcBef>
+            </a:pPr>
+            <a:r>
+              <a:rPr lang="en-US" altLang="ko-KR" baseline="0" dirty="0" smtClean="0"/>
+              <a:t>Some requirements are related with reservation</a:t>
+            </a:r>
+          </a:p>
+          <a:p>
+            <a:pPr eaLnBrk="1" hangingPunct="1">
+              <a:spcBef>
+                <a:spcPct val="0"/>
+              </a:spcBef>
+            </a:pPr>
+            <a:r>
+              <a:rPr lang="en-US" altLang="ko-KR" baseline="0" dirty="0" smtClean="0"/>
+              <a:t>Some of them covers parking scenario.</a:t>
+            </a:r>
             <a:endParaRPr lang="ko-KR" altLang="en-US" smtClean="0"/>
           </a:p>
         </p:txBody>
@@ -6520,7 +7926,7 @@
                 </a:spcAft>
                 <a:defRPr/>
               </a:pPr>
-              <a:t>4</a:t>
+              <a:t>3</a:t>
             </a:fld>
             <a:endParaRPr lang="ko-KR" altLang="en-US" smtClean="0"/>
           </a:p>
@@ -6529,7 +7935,7 @@
     </p:spTree>
     <p:extLst>
       <p:ext uri="{BB962C8B-B14F-4D97-AF65-F5344CB8AC3E}">
-        <p14:creationId xmlns:p14="http://schemas.microsoft.com/office/powerpoint/2010/main" val="2074764010"/>
+        <p14:creationId xmlns:p14="http://schemas.microsoft.com/office/powerpoint/2010/main" val="3221624858"/>
       </p:ext>
     </p:extLst>
   </p:cSld>
@@ -6568,8 +7974,8 @@
         </p:nvSpPr>
         <p:spPr bwMode="auto">
           <a:xfrm>
-            <a:off x="912813" y="698500"/>
-            <a:ext cx="5032375" cy="3484563"/>
+            <a:off x="647700" y="746125"/>
+            <a:ext cx="5373688" cy="3721100"/>
           </a:xfrm>
           <a:noFill/>
           <a:ln>
@@ -6608,6 +8014,56 @@
                 <a:spcPct val="0"/>
               </a:spcBef>
             </a:pPr>
+            <a:r>
+              <a:rPr lang="en-US" altLang="ko-KR" dirty="0" smtClean="0"/>
+              <a:t>Some of them is about charging parking fees.</a:t>
+            </a:r>
+          </a:p>
+          <a:p>
+            <a:pPr eaLnBrk="1" hangingPunct="1">
+              <a:spcBef>
+                <a:spcPct val="0"/>
+              </a:spcBef>
+            </a:pPr>
+            <a:r>
+              <a:rPr lang="en-US" altLang="ko-KR" dirty="0" smtClean="0"/>
+              <a:t>Some of them</a:t>
+            </a:r>
+            <a:r>
+              <a:rPr lang="en-US" altLang="ko-KR" baseline="0" dirty="0" smtClean="0"/>
+              <a:t> is about</a:t>
+            </a:r>
+            <a:r>
+              <a:rPr lang="en-US" altLang="ko-KR" dirty="0" smtClean="0"/>
+              <a:t> monitoring facilities.</a:t>
+            </a:r>
+          </a:p>
+          <a:p>
+            <a:pPr eaLnBrk="1" hangingPunct="1">
+              <a:spcBef>
+                <a:spcPct val="0"/>
+              </a:spcBef>
+            </a:pPr>
+            <a:r>
+              <a:rPr lang="en-US" altLang="ko-KR" baseline="0" dirty="0" smtClean="0"/>
+              <a:t>And</a:t>
+            </a:r>
+            <a:r>
+              <a:rPr lang="en-US" altLang="ko-KR" dirty="0" smtClean="0"/>
+              <a:t> some requirement</a:t>
+            </a:r>
+            <a:r>
+              <a:rPr lang="en-US" altLang="ko-KR" baseline="0" dirty="0" smtClean="0"/>
+              <a:t>s is about </a:t>
+            </a:r>
+            <a:r>
+              <a:rPr lang="en-US" altLang="ko-KR" dirty="0" smtClean="0"/>
+              <a:t>providing owner with facility usage</a:t>
+            </a:r>
+            <a:r>
+              <a:rPr lang="en-US" altLang="ko-KR" baseline="0" dirty="0" smtClean="0"/>
+              <a:t> statistics.</a:t>
+            </a:r>
             <a:endParaRPr lang="ko-KR" altLang="en-US" smtClean="0"/>
           </a:p>
         </p:txBody>
@@ -6657,7 +8113,7 @@
                 </a:spcAft>
                 <a:defRPr/>
               </a:pPr>
-              <a:t>5</a:t>
+              <a:t>4</a:t>
             </a:fld>
             <a:endParaRPr lang="ko-KR" altLang="en-US" smtClean="0"/>
           </a:p>
@@ -6666,7 +8122,7 @@
     </p:spTree>
     <p:extLst>
       <p:ext uri="{BB962C8B-B14F-4D97-AF65-F5344CB8AC3E}">
-        <p14:creationId xmlns:p14="http://schemas.microsoft.com/office/powerpoint/2010/main" val="723542214"/>
+        <p14:creationId xmlns:p14="http://schemas.microsoft.com/office/powerpoint/2010/main" val="2074764010"/>
       </p:ext>
     </p:extLst>
   </p:cSld>
@@ -6705,8 +8161,8 @@
         </p:nvSpPr>
         <p:spPr bwMode="auto">
           <a:xfrm>
-            <a:off x="912813" y="698500"/>
-            <a:ext cx="5032375" cy="3484563"/>
+            <a:off x="647700" y="746125"/>
+            <a:ext cx="5373688" cy="3721100"/>
           </a:xfrm>
           <a:noFill/>
           <a:ln>
@@ -6745,6 +8201,55 @@
                 <a:spcPct val="0"/>
               </a:spcBef>
             </a:pPr>
+            <a:r>
+              <a:rPr lang="en-US" altLang="ko-KR" dirty="0" smtClean="0"/>
+              <a:t>Quality attributes! We defined</a:t>
+            </a:r>
+            <a:r>
+              <a:rPr lang="en-US" altLang="ko-KR" baseline="0" dirty="0" smtClean="0"/>
+              <a:t> 8 quality attributes for </a:t>
+            </a:r>
+            <a:r>
+              <a:rPr lang="en-US" altLang="ko-KR" baseline="0" dirty="0" err="1" smtClean="0"/>
+              <a:t>SurePark</a:t>
+            </a:r>
+            <a:r>
+              <a:rPr lang="en-US" altLang="ko-KR" baseline="0" dirty="0" smtClean="0"/>
+              <a:t> system.</a:t>
+            </a:r>
+          </a:p>
+          <a:p>
+            <a:pPr eaLnBrk="1" hangingPunct="1">
+              <a:spcBef>
+                <a:spcPct val="0"/>
+              </a:spcBef>
+            </a:pPr>
+            <a:r>
+              <a:rPr lang="en-US" altLang="ko-KR" baseline="0" dirty="0" smtClean="0"/>
+              <a:t>Among them, the most important QAs are availability, security and modifiability.</a:t>
+            </a:r>
+          </a:p>
+          <a:p>
+            <a:pPr eaLnBrk="1" hangingPunct="1">
+              <a:spcBef>
+                <a:spcPct val="0"/>
+              </a:spcBef>
+            </a:pPr>
+            <a:r>
+              <a:rPr lang="en-US" altLang="ko-KR" baseline="0" dirty="0" smtClean="0"/>
+              <a:t>In the table, you can see the reason why we picked them.</a:t>
+            </a:r>
+          </a:p>
+          <a:p>
+            <a:pPr eaLnBrk="1" hangingPunct="1">
+              <a:spcBef>
+                <a:spcPct val="0"/>
+              </a:spcBef>
+            </a:pPr>
+            <a:r>
+              <a:rPr lang="en-US" altLang="ko-KR" baseline="0" dirty="0" smtClean="0"/>
+              <a:t>The score of the most important items are highlighted in red.</a:t>
+            </a:r>
             <a:endParaRPr lang="ko-KR" altLang="en-US" smtClean="0"/>
           </a:p>
         </p:txBody>
@@ -6794,7 +8299,7 @@
                 </a:spcAft>
                 <a:defRPr/>
               </a:pPr>
-              <a:t>6</a:t>
+              <a:t>5</a:t>
             </a:fld>
             <a:endParaRPr lang="ko-KR" altLang="en-US" smtClean="0"/>
           </a:p>
@@ -6803,7 +8308,7 @@
     </p:spTree>
     <p:extLst>
       <p:ext uri="{BB962C8B-B14F-4D97-AF65-F5344CB8AC3E}">
-        <p14:creationId xmlns:p14="http://schemas.microsoft.com/office/powerpoint/2010/main" val="302442243"/>
+        <p14:creationId xmlns:p14="http://schemas.microsoft.com/office/powerpoint/2010/main" val="723542214"/>
       </p:ext>
     </p:extLst>
   </p:cSld>
@@ -6842,8 +8347,8 @@
         </p:nvSpPr>
         <p:spPr bwMode="auto">
           <a:xfrm>
-            <a:off x="912813" y="698500"/>
-            <a:ext cx="5032375" cy="3484563"/>
+            <a:off x="647700" y="746125"/>
+            <a:ext cx="5373688" cy="3721100"/>
           </a:xfrm>
           <a:noFill/>
           <a:ln>
@@ -6882,7 +8387,47 @@
                 <a:spcPct val="0"/>
               </a:spcBef>
             </a:pPr>
-            <a:endParaRPr lang="ko-KR" altLang="en-US" smtClean="0"/>
+            <a:r>
+              <a:rPr lang="en-US" altLang="ko-KR" dirty="0" smtClean="0"/>
+              <a:t>Constraint</a:t>
+            </a:r>
+            <a:r>
+              <a:rPr lang="en-US" altLang="ko-KR" baseline="0" dirty="0" smtClean="0"/>
+              <a:t> is also important architectural driver.</a:t>
+            </a:r>
+          </a:p>
+          <a:p>
+            <a:pPr eaLnBrk="1" hangingPunct="1">
+              <a:spcBef>
+                <a:spcPct val="0"/>
+              </a:spcBef>
+            </a:pPr>
+            <a:r>
+              <a:rPr lang="en-US" altLang="ko-KR" baseline="0" dirty="0" smtClean="0"/>
+              <a:t>We added 5 more business constraints after discussing with our customer, Tony.</a:t>
+            </a:r>
+          </a:p>
+          <a:p>
+            <a:pPr eaLnBrk="1" hangingPunct="1">
+              <a:spcBef>
+                <a:spcPct val="0"/>
+              </a:spcBef>
+            </a:pPr>
+            <a:r>
+              <a:rPr lang="en-US" altLang="ko-KR" baseline="0" dirty="0" smtClean="0"/>
+              <a:t>How to charge parking fees, what is a valid reservation and how many cars permitted at a time.</a:t>
+            </a:r>
+          </a:p>
+          <a:p>
+            <a:pPr eaLnBrk="1" hangingPunct="1">
+              <a:spcBef>
+                <a:spcPct val="0"/>
+              </a:spcBef>
+            </a:pPr>
+            <a:r>
+              <a:rPr lang="en-US" altLang="ko-KR" baseline="0" dirty="0" smtClean="0"/>
+              <a:t>These things are defined more clearly after customer meeting.</a:t>
+            </a:r>
           </a:p>
         </p:txBody>
       </p:sp>
@@ -6931,7 +8476,7 @@
                 </a:spcAft>
                 <a:defRPr/>
               </a:pPr>
-              <a:t>7</a:t>
+              <a:t>6</a:t>
             </a:fld>
             <a:endParaRPr lang="ko-KR" altLang="en-US" smtClean="0"/>
           </a:p>
@@ -6940,7 +8485,7 @@
     </p:spTree>
     <p:extLst>
       <p:ext uri="{BB962C8B-B14F-4D97-AF65-F5344CB8AC3E}">
-        <p14:creationId xmlns:p14="http://schemas.microsoft.com/office/powerpoint/2010/main" val="1514602925"/>
+        <p14:creationId xmlns:p14="http://schemas.microsoft.com/office/powerpoint/2010/main" val="302442243"/>
       </p:ext>
     </p:extLst>
   </p:cSld>
@@ -6979,8 +8524,8 @@
         </p:nvSpPr>
         <p:spPr bwMode="auto">
           <a:xfrm>
-            <a:off x="912813" y="698500"/>
-            <a:ext cx="5032375" cy="3484563"/>
+            <a:off x="647700" y="746125"/>
+            <a:ext cx="5373688" cy="3721100"/>
           </a:xfrm>
           <a:noFill/>
           <a:ln>
@@ -7019,6 +8564,25 @@
                 <a:spcPct val="0"/>
               </a:spcBef>
             </a:pPr>
+            <a:r>
+              <a:rPr lang="en-US" altLang="ko-KR" dirty="0" smtClean="0"/>
+              <a:t>One more technical</a:t>
+            </a:r>
+            <a:r>
+              <a:rPr lang="en-US" altLang="ko-KR" baseline="0" dirty="0" smtClean="0"/>
+              <a:t> constraint is added also.</a:t>
+            </a:r>
+          </a:p>
+          <a:p>
+            <a:pPr eaLnBrk="1" hangingPunct="1">
+              <a:spcBef>
+                <a:spcPct val="0"/>
+              </a:spcBef>
+            </a:pPr>
+            <a:r>
+              <a:rPr lang="en-US" altLang="ko-KR" baseline="0" dirty="0" smtClean="0"/>
+              <a:t>It’s about Arduino H/W limitation.</a:t>
+            </a:r>
             <a:endParaRPr lang="ko-KR" altLang="en-US" smtClean="0"/>
           </a:p>
         </p:txBody>
@@ -7068,7 +8632,7 @@
                 </a:spcAft>
                 <a:defRPr/>
               </a:pPr>
-              <a:t>8</a:t>
+              <a:t>7</a:t>
             </a:fld>
             <a:endParaRPr lang="ko-KR" altLang="en-US" smtClean="0"/>
           </a:p>
@@ -7077,7 +8641,7 @@
     </p:spTree>
     <p:extLst>
       <p:ext uri="{BB962C8B-B14F-4D97-AF65-F5344CB8AC3E}">
-        <p14:creationId xmlns:p14="http://schemas.microsoft.com/office/powerpoint/2010/main" val="1821024441"/>
+        <p14:creationId xmlns:p14="http://schemas.microsoft.com/office/powerpoint/2010/main" val="1514602925"/>
       </p:ext>
     </p:extLst>
   </p:cSld>
@@ -7106,19 +8670,33 @@
       </p:grpSpPr>
       <p:sp>
         <p:nvSpPr>
-          <p:cNvPr id="2" name="슬라이드 이미지 개체 틀 1"/>
+          <p:cNvPr id="24578" name="슬라이드 이미지 개체 틀 1"/>
           <p:cNvSpPr>
-            <a:spLocks noGrp="1" noRot="1" noChangeAspect="1"/>
+            <a:spLocks noGrp="1" noRot="1" noChangeAspect="1" noTextEdit="1"/>
           </p:cNvSpPr>
           <p:nvPr>
             <p:ph type="sldImg"/>
           </p:nvPr>
         </p:nvSpPr>
-        <p:spPr/>
+        <p:spPr bwMode="auto">
+          <a:xfrm>
+            <a:off x="647700" y="746125"/>
+            <a:ext cx="5373688" cy="3721100"/>
+          </a:xfrm>
+          <a:noFill/>
+          <a:ln>
+            <a:solidFill>
+              <a:srgbClr val="000000"/>
+            </a:solidFill>
+            <a:miter lim="800000"/>
+            <a:headEnd/>
+            <a:tailEnd/>
+          </a:ln>
+        </p:spPr>
       </p:sp>
       <p:sp>
         <p:nvSpPr>
-          <p:cNvPr id="3" name="슬라이드 노트 개체 틀 2"/>
+          <p:cNvPr id="24579" name="슬라이드 노트 개체 틀 2"/>
           <p:cNvSpPr>
             <a:spLocks noGrp="1"/>
           </p:cNvSpPr>
@@ -7126,48 +8704,232 @@
             <p:ph type="body" idx="1"/>
           </p:nvPr>
         </p:nvSpPr>
-        <p:spPr/>
+        <p:spPr bwMode="auto">
+          <a:noFill/>
+        </p:spPr>
         <p:txBody>
-          <a:bodyPr/>
+          <a:bodyPr wrap="square" numCol="1" anchor="t" anchorCtr="0" compatLnSpc="1">
+            <a:prstTxWarp prst="textNoShape">
+              <a:avLst/>
+            </a:prstTxWarp>
+          </a:bodyPr>
           <a:lstStyle/>
           <a:p>
-            <a:endParaRPr lang="ko-KR" altLang="en-US" dirty="0"/>
+            <a:pPr eaLnBrk="1" hangingPunct="1">
+              <a:spcBef>
+                <a:spcPct val="0"/>
+              </a:spcBef>
+            </a:pPr>
+            <a:r>
+              <a:rPr lang="en-US" altLang="ko-KR" dirty="0" smtClean="0"/>
+              <a:t>This picture shows </a:t>
+            </a:r>
+            <a:r>
+              <a:rPr lang="en-US" altLang="ko-KR" baseline="0" dirty="0" smtClean="0"/>
+              <a:t>system context of </a:t>
+            </a:r>
+            <a:r>
+              <a:rPr lang="en-US" altLang="ko-KR" baseline="0" dirty="0" err="1" smtClean="0"/>
+              <a:t>SurePark</a:t>
+            </a:r>
+            <a:r>
+              <a:rPr lang="en-US" altLang="ko-KR" baseline="0" dirty="0" smtClean="0"/>
+              <a:t> system.</a:t>
+            </a:r>
+          </a:p>
+          <a:p>
+            <a:pPr eaLnBrk="1" hangingPunct="1">
+              <a:spcBef>
+                <a:spcPct val="0"/>
+              </a:spcBef>
+            </a:pPr>
+            <a:r>
+              <a:rPr lang="en-US" altLang="ko-KR" baseline="0" dirty="0" smtClean="0"/>
+              <a:t>By using </a:t>
+            </a:r>
+            <a:r>
+              <a:rPr lang="en-US" altLang="ko-KR" baseline="0" dirty="0" err="1" smtClean="0"/>
+              <a:t>SurePark</a:t>
+            </a:r>
+            <a:r>
+              <a:rPr lang="en-US" altLang="ko-KR" baseline="0" dirty="0" smtClean="0"/>
+              <a:t> system…</a:t>
+            </a:r>
+          </a:p>
+          <a:p>
+            <a:pPr eaLnBrk="1" hangingPunct="1">
+              <a:spcBef>
+                <a:spcPct val="0"/>
+              </a:spcBef>
+            </a:pPr>
+            <a:r>
+              <a:rPr lang="en-US" altLang="ko-KR" baseline="0" dirty="0" smtClean="0"/>
+              <a:t>Drivers can reserve a parking space.</a:t>
+            </a:r>
+          </a:p>
+          <a:p>
+            <a:pPr eaLnBrk="1" hangingPunct="1">
+              <a:spcBef>
+                <a:spcPct val="0"/>
+              </a:spcBef>
+            </a:pPr>
+            <a:r>
+              <a:rPr lang="en-US" altLang="ko-KR" baseline="0" dirty="0" smtClean="0"/>
+              <a:t>Attendants can monitor facilities.</a:t>
+            </a:r>
+          </a:p>
+          <a:p>
+            <a:pPr marL="0" marR="0" indent="0" algn="l" defTabSz="914400" rtl="0" eaLnBrk="1" fontAlgn="base" latinLnBrk="1" hangingPunct="1">
+              <a:lnSpc>
+                <a:spcPct val="100000"/>
+              </a:lnSpc>
+              <a:spcBef>
+                <a:spcPct val="0"/>
+              </a:spcBef>
+              <a:spcAft>
+                <a:spcPct val="0"/>
+              </a:spcAft>
+              <a:buClrTx/>
+              <a:buSzTx/>
+              <a:buFontTx/>
+              <a:buNone/>
+              <a:tabLst/>
+              <a:defRPr/>
+            </a:pPr>
+            <a:r>
+              <a:rPr lang="en-US" altLang="ko-KR" sz="1200" kern="0" dirty="0" smtClean="0">
+                <a:solidFill>
+                  <a:srgbClr val="000000"/>
+                </a:solidFill>
+                <a:latin typeface="Arial" panose="020B0604020202020204" pitchFamily="34" charset="0"/>
+                <a:ea typeface="+mn-ea"/>
+                <a:cs typeface="Times New Roman" panose="02020603050405020304" pitchFamily="18" charset="0"/>
+              </a:rPr>
+              <a:t>Owners get information about average occupancy, peak usage hours and parking slot statistics.</a:t>
+            </a:r>
+          </a:p>
+          <a:p>
+            <a:pPr marL="0" marR="0" indent="0" algn="l" defTabSz="914400" rtl="0" eaLnBrk="1" fontAlgn="base" latinLnBrk="1" hangingPunct="1">
+              <a:lnSpc>
+                <a:spcPct val="100000"/>
+              </a:lnSpc>
+              <a:spcBef>
+                <a:spcPct val="0"/>
+              </a:spcBef>
+              <a:spcAft>
+                <a:spcPct val="0"/>
+              </a:spcAft>
+              <a:buClrTx/>
+              <a:buSzTx/>
+              <a:buFontTx/>
+              <a:buNone/>
+              <a:tabLst/>
+              <a:defRPr/>
+            </a:pPr>
+            <a:r>
+              <a:rPr lang="en-US" altLang="ko-KR" sz="1200" kern="0" dirty="0" smtClean="0">
+                <a:solidFill>
+                  <a:srgbClr val="000000"/>
+                </a:solidFill>
+                <a:latin typeface="Arial" panose="020B0604020202020204" pitchFamily="34" charset="0"/>
+                <a:ea typeface="+mn-ea"/>
+                <a:cs typeface="Times New Roman" panose="02020603050405020304" pitchFamily="18" charset="0"/>
+              </a:rPr>
+              <a:t>The system controls the gates and LED indicators based on the data from sensors.</a:t>
+            </a:r>
+          </a:p>
+          <a:p>
+            <a:pPr marL="0" marR="0" indent="0" algn="l" defTabSz="914400" rtl="0" eaLnBrk="1" fontAlgn="base" latinLnBrk="1" hangingPunct="1">
+              <a:lnSpc>
+                <a:spcPct val="100000"/>
+              </a:lnSpc>
+              <a:spcBef>
+                <a:spcPct val="0"/>
+              </a:spcBef>
+              <a:spcAft>
+                <a:spcPct val="0"/>
+              </a:spcAft>
+              <a:buClrTx/>
+              <a:buSzTx/>
+              <a:buFontTx/>
+              <a:buNone/>
+              <a:tabLst/>
+              <a:defRPr/>
+            </a:pPr>
+            <a:endParaRPr lang="en-US" altLang="ko-KR" sz="1200" kern="0" dirty="0" smtClean="0">
+              <a:solidFill>
+                <a:srgbClr val="000000"/>
+              </a:solidFill>
+              <a:latin typeface="Arial" panose="020B0604020202020204" pitchFamily="34" charset="0"/>
+              <a:ea typeface="+mn-ea"/>
+              <a:cs typeface="Times New Roman" panose="02020603050405020304" pitchFamily="18" charset="0"/>
+            </a:endParaRPr>
+          </a:p>
+          <a:p>
+            <a:pPr eaLnBrk="1" hangingPunct="1">
+              <a:spcBef>
+                <a:spcPct val="0"/>
+              </a:spcBef>
+            </a:pPr>
+            <a:endParaRPr lang="ko-KR" altLang="en-US" dirty="0" smtClean="0"/>
           </a:p>
         </p:txBody>
       </p:sp>
       <p:sp>
         <p:nvSpPr>
-          <p:cNvPr id="4" name="슬라이드 번호 개체 틀 3"/>
+          <p:cNvPr id="31748" name="슬라이드 번호 개체 틀 3"/>
           <p:cNvSpPr>
             <a:spLocks noGrp="1"/>
           </p:cNvSpPr>
           <p:nvPr>
-            <p:ph type="sldNum" sz="quarter" idx="10"/>
+            <p:ph type="sldNum" sz="quarter" idx="5"/>
           </p:nvPr>
         </p:nvSpPr>
-        <p:spPr/>
+        <p:spPr bwMode="auto">
+          <a:ln>
+            <a:miter lim="800000"/>
+            <a:headEnd/>
+            <a:tailEnd/>
+          </a:ln>
+        </p:spPr>
         <p:txBody>
-          <a:bodyPr/>
+          <a:bodyPr wrap="square" numCol="1" anchorCtr="0" compatLnSpc="1">
+            <a:prstTxWarp prst="textNoShape">
+              <a:avLst/>
+            </a:prstTxWarp>
+          </a:bodyPr>
           <a:lstStyle/>
           <a:p>
-            <a:pPr>
+            <a:pPr fontAlgn="base">
+              <a:spcBef>
+                <a:spcPct val="0"/>
+              </a:spcBef>
+              <a:spcAft>
+                <a:spcPct val="0"/>
+              </a:spcAft>
               <a:defRPr/>
             </a:pPr>
-            <a:fld id="{9247A307-6D28-42D4-97C7-3EC4C726598D}" type="slidenum">
+            <a:fld id="{1D827D2B-8236-46A4-853C-5332FEA7EC09}" type="slidenum">
               <a:rPr lang="ko-KR" altLang="en-US" smtClean="0"/>
-              <a:pPr>
+              <a:pPr fontAlgn="base">
+                <a:spcBef>
+                  <a:spcPct val="0"/>
+                </a:spcBef>
+                <a:spcAft>
+                  <a:spcPct val="0"/>
+                </a:spcAft>
                 <a:defRPr/>
               </a:pPr>
-              <a:t>14</a:t>
+              <a:t>8</a:t>
             </a:fld>
-            <a:endParaRPr lang="ko-KR" altLang="en-US"/>
+            <a:endParaRPr lang="ko-KR" altLang="en-US" smtClean="0"/>
           </a:p>
         </p:txBody>
       </p:sp>
     </p:spTree>
     <p:extLst>
       <p:ext uri="{BB962C8B-B14F-4D97-AF65-F5344CB8AC3E}">
-        <p14:creationId xmlns:p14="http://schemas.microsoft.com/office/powerpoint/2010/main" val="2180406577"/>
+        <p14:creationId xmlns:p14="http://schemas.microsoft.com/office/powerpoint/2010/main" val="1821024441"/>
       </p:ext>
     </p:extLst>
   </p:cSld>
@@ -7913,7 +9675,7 @@
           <p:nvPr/>
         </p:nvPicPr>
         <p:blipFill>
-          <a:blip r:embed="rId2" cstate="print"/>
+          <a:blip r:embed="rId3" cstate="print"/>
           <a:srcRect l="4326" r="10626"/>
           <a:stretch>
             <a:fillRect/>
@@ -8018,7 +9780,7 @@
           <p:nvPr/>
         </p:nvPicPr>
         <p:blipFill>
-          <a:blip r:embed="rId3" cstate="print"/>
+          <a:blip r:embed="rId4" cstate="print"/>
           <a:srcRect/>
           <a:stretch>
             <a:fillRect/>
@@ -8283,7 +10045,7 @@
           <p:nvPr/>
         </p:nvPicPr>
         <p:blipFill>
-          <a:blip r:embed="rId4" cstate="print">
+          <a:blip r:embed="rId5" cstate="print">
             <a:extLst>
               <a:ext uri="{28A0092B-C50C-407E-A947-70E740481C1C}">
                 <a14:useLocalDpi xmlns:a14="http://schemas.microsoft.com/office/drawing/2010/main" val="0"/>
@@ -8552,7 +10314,15 @@
                 <a:ea typeface="Arial" charset="0"/>
                 <a:cs typeface="Arial" charset="0"/>
               </a:rPr>
-              <a:t> Decomposition (1)</a:t>
+              <a:t> Decomposition </a:t>
+            </a:r>
+            <a:r>
+              <a:rPr kumimoji="0" lang="en-US" altLang="ko-KR" sz="2000" b="1" dirty="0" smtClean="0">
+                <a:latin typeface="Arial" charset="0"/>
+                <a:ea typeface="Arial" charset="0"/>
+                <a:cs typeface="Arial" charset="0"/>
+              </a:rPr>
+              <a:t>(1)</a:t>
             </a:r>
             <a:endParaRPr kumimoji="0" lang="ko-KR" altLang="en-US" sz="2000" b="1" smtClean="0">
               <a:latin typeface="Arial" charset="0"/>
@@ -8562,38 +10332,6 @@
           </a:p>
         </p:txBody>
       </p:sp>
-      <p:pic>
-        <p:nvPicPr>
-          <p:cNvPr id="4" name="그림 3"/>
-          <p:cNvPicPr>
-            <a:picLocks noChangeAspect="1"/>
-          </p:cNvPicPr>
-          <p:nvPr/>
-        </p:nvPicPr>
-        <p:blipFill>
-          <a:blip r:embed="rId2">
-            <a:extLst>
-              <a:ext uri="{28A0092B-C50C-407E-A947-70E740481C1C}">
-                <a14:useLocalDpi xmlns:a14="http://schemas.microsoft.com/office/drawing/2010/main" val="0"/>
-              </a:ext>
-            </a:extLst>
-          </a:blip>
-          <a:srcRect/>
-          <a:stretch>
-            <a:fillRect/>
-          </a:stretch>
-        </p:blipFill>
-        <p:spPr bwMode="auto">
-          <a:xfrm>
-            <a:off x="776536" y="1196752"/>
-            <a:ext cx="7937680" cy="4694327"/>
-          </a:xfrm>
-          <a:prstGeom prst="rect">
-            <a:avLst/>
-          </a:prstGeom>
-          <a:noFill/>
-        </p:spPr>
-      </p:pic>
       <p:sp>
         <p:nvSpPr>
           <p:cNvPr id="5" name="제목 21"/>
@@ -8604,8 +10342,8 @@
         </p:nvSpPr>
         <p:spPr bwMode="auto">
           <a:xfrm>
-            <a:off x="740342" y="777941"/>
-            <a:ext cx="5333800" cy="419034"/>
+            <a:off x="776288" y="778387"/>
+            <a:ext cx="5333800" cy="447400"/>
           </a:xfrm>
           <a:prstGeom prst="rect">
             <a:avLst/>
@@ -8765,7 +10503,7 @@
                 <a:ea typeface="Arial" charset="0"/>
                 <a:cs typeface="Arial" charset="0"/>
               </a:rPr>
-              <a:t>Physical View</a:t>
+              <a:t>Dynamic View</a:t>
             </a:r>
             <a:endParaRPr kumimoji="0" lang="ko-KR" altLang="en-US" sz="1600" b="1" smtClean="0">
               <a:latin typeface="Arial" charset="0"/>
@@ -8775,10 +10513,42 @@
           </a:p>
         </p:txBody>
       </p:sp>
+      <p:pic>
+        <p:nvPicPr>
+          <p:cNvPr id="6" name="그림 5"/>
+          <p:cNvPicPr>
+            <a:picLocks noChangeAspect="1"/>
+          </p:cNvPicPr>
+          <p:nvPr/>
+        </p:nvPicPr>
+        <p:blipFill>
+          <a:blip r:embed="rId3">
+            <a:extLst>
+              <a:ext uri="{28A0092B-C50C-407E-A947-70E740481C1C}">
+                <a14:useLocalDpi xmlns:a14="http://schemas.microsoft.com/office/drawing/2010/main" val="0"/>
+              </a:ext>
+            </a:extLst>
+          </a:blip>
+          <a:srcRect/>
+          <a:stretch>
+            <a:fillRect/>
+          </a:stretch>
+        </p:blipFill>
+        <p:spPr bwMode="auto">
+          <a:xfrm>
+            <a:off x="776288" y="1196975"/>
+            <a:ext cx="7937680" cy="4694327"/>
+          </a:xfrm>
+          <a:prstGeom prst="rect">
+            <a:avLst/>
+          </a:prstGeom>
+          <a:noFill/>
+        </p:spPr>
+      </p:pic>
     </p:spTree>
     <p:extLst>
       <p:ext uri="{BB962C8B-B14F-4D97-AF65-F5344CB8AC3E}">
-        <p14:creationId xmlns:p14="http://schemas.microsoft.com/office/powerpoint/2010/main" val="3876268963"/>
+        <p14:creationId xmlns:p14="http://schemas.microsoft.com/office/powerpoint/2010/main" val="2675256963"/>
       </p:ext>
     </p:extLst>
   </p:cSld>
@@ -9028,7 +10798,15 @@
                 <a:ea typeface="Arial" charset="0"/>
                 <a:cs typeface="Arial" charset="0"/>
               </a:rPr>
-              <a:t> Decomposition (2)</a:t>
+              <a:t> Decomposition </a:t>
+            </a:r>
+            <a:r>
+              <a:rPr kumimoji="0" lang="en-US" altLang="ko-KR" sz="2000" b="1" dirty="0" smtClean="0">
+                <a:latin typeface="Arial" charset="0"/>
+                <a:ea typeface="Arial" charset="0"/>
+                <a:cs typeface="Arial" charset="0"/>
+              </a:rPr>
+              <a:t>(2)</a:t>
             </a:r>
             <a:endParaRPr kumimoji="0" lang="ko-KR" altLang="en-US" sz="2000" b="1" smtClean="0">
               <a:latin typeface="Arial" charset="0"/>
@@ -9038,6 +10816,38 @@
           </a:p>
         </p:txBody>
       </p:sp>
+      <p:pic>
+        <p:nvPicPr>
+          <p:cNvPr id="4" name="그림 3"/>
+          <p:cNvPicPr>
+            <a:picLocks noChangeAspect="1"/>
+          </p:cNvPicPr>
+          <p:nvPr/>
+        </p:nvPicPr>
+        <p:blipFill>
+          <a:blip r:embed="rId3">
+            <a:extLst>
+              <a:ext uri="{28A0092B-C50C-407E-A947-70E740481C1C}">
+                <a14:useLocalDpi xmlns:a14="http://schemas.microsoft.com/office/drawing/2010/main" val="0"/>
+              </a:ext>
+            </a:extLst>
+          </a:blip>
+          <a:srcRect/>
+          <a:stretch>
+            <a:fillRect/>
+          </a:stretch>
+        </p:blipFill>
+        <p:spPr bwMode="auto">
+          <a:xfrm>
+            <a:off x="776536" y="1196752"/>
+            <a:ext cx="7937680" cy="4694327"/>
+          </a:xfrm>
+          <a:prstGeom prst="rect">
+            <a:avLst/>
+          </a:prstGeom>
+          <a:noFill/>
+        </p:spPr>
+      </p:pic>
       <p:sp>
         <p:nvSpPr>
           <p:cNvPr id="5" name="제목 21"/>
@@ -9048,8 +10858,8 @@
         </p:nvSpPr>
         <p:spPr bwMode="auto">
           <a:xfrm>
-            <a:off x="776288" y="778387"/>
-            <a:ext cx="5333800" cy="447400"/>
+            <a:off x="740342" y="777941"/>
+            <a:ext cx="5333800" cy="419034"/>
           </a:xfrm>
           <a:prstGeom prst="rect">
             <a:avLst/>
@@ -9209,7 +11019,7 @@
                 <a:ea typeface="Arial" charset="0"/>
                 <a:cs typeface="Arial" charset="0"/>
               </a:rPr>
-              <a:t>Dynamic View</a:t>
+              <a:t>Physical View</a:t>
             </a:r>
             <a:endParaRPr kumimoji="0" lang="ko-KR" altLang="en-US" sz="1600" b="1" smtClean="0">
               <a:latin typeface="Arial" charset="0"/>
@@ -9219,42 +11029,10 @@
           </a:p>
         </p:txBody>
       </p:sp>
-      <p:pic>
-        <p:nvPicPr>
-          <p:cNvPr id="6" name="그림 5"/>
-          <p:cNvPicPr>
-            <a:picLocks noChangeAspect="1"/>
-          </p:cNvPicPr>
-          <p:nvPr/>
-        </p:nvPicPr>
-        <p:blipFill>
-          <a:blip r:embed="rId2">
-            <a:extLst>
-              <a:ext uri="{28A0092B-C50C-407E-A947-70E740481C1C}">
-                <a14:useLocalDpi xmlns:a14="http://schemas.microsoft.com/office/drawing/2010/main" val="0"/>
-              </a:ext>
-            </a:extLst>
-          </a:blip>
-          <a:srcRect/>
-          <a:stretch>
-            <a:fillRect/>
-          </a:stretch>
-        </p:blipFill>
-        <p:spPr bwMode="auto">
-          <a:xfrm>
-            <a:off x="776288" y="1196975"/>
-            <a:ext cx="7937680" cy="4694327"/>
-          </a:xfrm>
-          <a:prstGeom prst="rect">
-            <a:avLst/>
-          </a:prstGeom>
-          <a:noFill/>
-        </p:spPr>
-      </p:pic>
     </p:spTree>
     <p:extLst>
       <p:ext uri="{BB962C8B-B14F-4D97-AF65-F5344CB8AC3E}">
-        <p14:creationId xmlns:p14="http://schemas.microsoft.com/office/powerpoint/2010/main" val="2675256963"/>
+        <p14:creationId xmlns:p14="http://schemas.microsoft.com/office/powerpoint/2010/main" val="3876268963"/>
       </p:ext>
     </p:extLst>
   </p:cSld>
@@ -9704,7 +11482,7 @@
           <p:nvPr/>
         </p:nvPicPr>
         <p:blipFill>
-          <a:blip r:embed="rId2"/>
+          <a:blip r:embed="rId3"/>
           <a:stretch>
             <a:fillRect/>
           </a:stretch>
@@ -9766,7 +11544,12 @@
             <p:ph type="sldNum" sz="quarter" idx="10"/>
           </p:nvPr>
         </p:nvSpPr>
-        <p:spPr/>
+        <p:spPr>
+          <a:xfrm>
+            <a:off x="4625975" y="6066133"/>
+            <a:ext cx="654050" cy="459211"/>
+          </a:xfrm>
+        </p:spPr>
         <p:txBody>
           <a:bodyPr/>
           <a:lstStyle/>
@@ -9794,13 +11577,13 @@
           <p:nvPr>
             <p:extLst>
               <p:ext uri="{D42A27DB-BD31-4B8C-83A1-F6EECF244321}">
-                <p14:modId xmlns:p14="http://schemas.microsoft.com/office/powerpoint/2010/main" val="3350984835"/>
+                <p14:modId xmlns:p14="http://schemas.microsoft.com/office/powerpoint/2010/main" val="767198581"/>
               </p:ext>
             </p:extLst>
           </p:nvPr>
         </p:nvGraphicFramePr>
         <p:xfrm>
-          <a:off x="776288" y="1200996"/>
+          <a:off x="776288" y="1467864"/>
           <a:ext cx="7921128" cy="4769448"/>
         </p:xfrm>
         <a:graphic>
@@ -11119,7 +12902,7 @@
         </p:nvSpPr>
         <p:spPr bwMode="auto">
           <a:xfrm>
-            <a:off x="776288" y="819218"/>
+            <a:off x="776288" y="1006208"/>
             <a:ext cx="5333800" cy="406568"/>
           </a:xfrm>
           <a:prstGeom prst="rect">
@@ -11290,6 +13073,38 @@
           </a:p>
         </p:txBody>
       </p:sp>
+      <p:pic>
+        <p:nvPicPr>
+          <p:cNvPr id="8" name="그림 7"/>
+          <p:cNvPicPr>
+            <a:picLocks noChangeAspect="1"/>
+          </p:cNvPicPr>
+          <p:nvPr/>
+        </p:nvPicPr>
+        <p:blipFill>
+          <a:blip r:embed="rId3" cstate="print">
+            <a:extLst>
+              <a:ext uri="{28A0092B-C50C-407E-A947-70E740481C1C}">
+                <a14:useLocalDpi xmlns:a14="http://schemas.microsoft.com/office/drawing/2010/main" val="0"/>
+              </a:ext>
+            </a:extLst>
+          </a:blip>
+          <a:srcRect/>
+          <a:stretch>
+            <a:fillRect/>
+          </a:stretch>
+        </p:blipFill>
+        <p:spPr bwMode="auto">
+          <a:xfrm>
+            <a:off x="6746480" y="-27384"/>
+            <a:ext cx="3175072" cy="1877731"/>
+          </a:xfrm>
+          <a:prstGeom prst="rect">
+            <a:avLst/>
+          </a:prstGeom>
+          <a:noFill/>
+        </p:spPr>
+      </p:pic>
     </p:spTree>
     <p:extLst>
       <p:ext uri="{BB962C8B-B14F-4D97-AF65-F5344CB8AC3E}">
@@ -11782,7 +13597,7 @@
           <p:nvPr/>
         </p:nvPicPr>
         <p:blipFill>
-          <a:blip r:embed="rId2">
+          <a:blip r:embed="rId3">
             <a:extLst>
               <a:ext uri="{28A0092B-C50C-407E-A947-70E740481C1C}">
                 <a14:useLocalDpi xmlns:a14="http://schemas.microsoft.com/office/drawing/2010/main" val="0"/>
@@ -11796,7 +13611,7 @@
         </p:blipFill>
         <p:spPr bwMode="auto">
           <a:xfrm>
-            <a:off x="1867748" y="2780359"/>
+            <a:off x="1867748" y="2860583"/>
             <a:ext cx="5953260" cy="3520745"/>
           </a:xfrm>
           <a:prstGeom prst="rect">
@@ -15294,15 +17109,7 @@
                 <a:ea typeface="맑은 고딕" panose="020B0503020000020004" pitchFamily="50" charset="-127"/>
                 <a:cs typeface="Times New Roman" panose="02020603050405020304" pitchFamily="18" charset="0"/>
               </a:rPr>
-              <a:t>I </a:t>
-            </a:r>
-            <a:r>
-              <a:rPr lang="en-US" altLang="ko-KR" sz="1400" kern="100" dirty="0" smtClean="0">
-                <a:latin typeface="Arial" panose="020B0604020202020204" pitchFamily="34" charset="0"/>
-                <a:ea typeface="맑은 고딕" panose="020B0503020000020004" pitchFamily="50" charset="-127"/>
-                <a:cs typeface="Times New Roman" panose="02020603050405020304" pitchFamily="18" charset="0"/>
-              </a:rPr>
-              <a:t>= Information, S = Slot Status,  </a:t>
+              <a:t>I = Information, S = Slot Status,  </a:t>
             </a:r>
             <a:r>
               <a:rPr lang="en-US" altLang="ko-KR" sz="1400" kern="100" dirty="0">
@@ -15372,15 +17179,7 @@
                 <a:ea typeface="맑은 고딕" panose="020B0503020000020004" pitchFamily="50" charset="-127"/>
                 <a:cs typeface="Times New Roman" panose="02020603050405020304" pitchFamily="18" charset="0"/>
               </a:rPr>
-              <a:t>Slot </a:t>
-            </a:r>
-            <a:r>
-              <a:rPr lang="en-US" altLang="ko-KR" sz="1400" kern="100" dirty="0" smtClean="0">
-                <a:latin typeface="Arial" panose="020B0604020202020204" pitchFamily="34" charset="0"/>
-                <a:ea typeface="맑은 고딕" panose="020B0503020000020004" pitchFamily="50" charset="-127"/>
-                <a:cs typeface="Times New Roman" panose="02020603050405020304" pitchFamily="18" charset="0"/>
-              </a:rPr>
-              <a:t>status packet: </a:t>
+              <a:t>Slot status packet: </a:t>
             </a:r>
             <a:r>
               <a:rPr lang="en-US" altLang="ko-KR" sz="1400" kern="0" dirty="0">
@@ -15454,16 +17253,7 @@
                 <a:ea typeface="맑은 고딕" panose="020B0503020000020004" pitchFamily="50" charset="-127"/>
                 <a:cs typeface="Times New Roman" panose="02020603050405020304" pitchFamily="18" charset="0"/>
               </a:rPr>
-              <a:t>Heartbeat </a:t>
-            </a:r>
-            <a:r>
-              <a:rPr lang="en-US" altLang="ko-KR" sz="1400" kern="100" dirty="0" smtClean="0">
-                <a:effectLst/>
-                <a:latin typeface="Arial" panose="020B0604020202020204" pitchFamily="34" charset="0"/>
-                <a:ea typeface="맑은 고딕" panose="020B0503020000020004" pitchFamily="50" charset="-127"/>
-                <a:cs typeface="Times New Roman" panose="02020603050405020304" pitchFamily="18" charset="0"/>
-              </a:rPr>
-              <a:t>packet: </a:t>
+              <a:t>Heartbeat packet: </a:t>
             </a:r>
             <a:r>
               <a:rPr lang="en-US" altLang="ko-KR" sz="1400" kern="0" dirty="0">
@@ -15729,21 +17519,7 @@
                 <a:latin typeface="Arial" panose="020B0604020202020204" pitchFamily="34" charset="0"/>
                 <a:cs typeface="Arial" panose="020B0604020202020204" pitchFamily="34" charset="0"/>
               </a:rPr>
-              <a:t>Client-server </a:t>
-            </a:r>
-            <a:r>
-              <a:rPr lang="en-US" altLang="ko-KR" sz="1400" dirty="0" smtClean="0">
-                <a:latin typeface="Arial" panose="020B0604020202020204" pitchFamily="34" charset="0"/>
-                <a:cs typeface="Arial" panose="020B0604020202020204" pitchFamily="34" charset="0"/>
-              </a:rPr>
-              <a:t>communication with </a:t>
-            </a:r>
-            <a:r>
-              <a:rPr lang="en-US" altLang="ko-KR" sz="1400" dirty="0" smtClean="0">
-                <a:latin typeface="Arial" panose="020B0604020202020204" pitchFamily="34" charset="0"/>
-                <a:cs typeface="Arial" panose="020B0604020202020204" pitchFamily="34" charset="0"/>
-              </a:rPr>
-              <a:t>JSON</a:t>
+              <a:t>Client-server communication with JSON</a:t>
             </a:r>
           </a:p>
           <a:p>
@@ -15762,21 +17538,7 @@
                 <a:latin typeface="Arial" panose="020B0604020202020204" pitchFamily="34" charset="0"/>
                 <a:cs typeface="Arial" panose="020B0604020202020204" pitchFamily="34" charset="0"/>
               </a:rPr>
-              <a:t>Detailed </a:t>
-            </a:r>
-            <a:r>
-              <a:rPr lang="en-US" altLang="ko-KR" sz="1400" dirty="0" smtClean="0">
-                <a:latin typeface="Arial" panose="020B0604020202020204" pitchFamily="34" charset="0"/>
-                <a:cs typeface="Arial" panose="020B0604020202020204" pitchFamily="34" charset="0"/>
-              </a:rPr>
-              <a:t>protocol is described </a:t>
-            </a:r>
-            <a:r>
-              <a:rPr lang="en-US" altLang="ko-KR" sz="1400" dirty="0" smtClean="0">
-                <a:latin typeface="Arial" panose="020B0604020202020204" pitchFamily="34" charset="0"/>
-                <a:cs typeface="Arial" panose="020B0604020202020204" pitchFamily="34" charset="0"/>
-              </a:rPr>
-              <a:t>in SurePark_ADS_TEAM3.doc. </a:t>
+              <a:t>Detailed protocol is described in SurePark_ADS_TEAM3.doc. </a:t>
             </a:r>
           </a:p>
           <a:p>
@@ -15795,14 +17557,7 @@
                 <a:latin typeface="Arial" panose="020B0604020202020204" pitchFamily="34" charset="0"/>
                 <a:cs typeface="Arial" panose="020B0604020202020204" pitchFamily="34" charset="0"/>
               </a:rPr>
-              <a:t>JSON reference</a:t>
-            </a:r>
-            <a:r>
-              <a:rPr lang="en-US" altLang="ko-KR" sz="1400" dirty="0" smtClean="0">
-                <a:latin typeface="Arial" panose="020B0604020202020204" pitchFamily="34" charset="0"/>
-                <a:cs typeface="Arial" panose="020B0604020202020204" pitchFamily="34" charset="0"/>
-              </a:rPr>
-              <a:t>: </a:t>
+              <a:t>JSON reference: </a:t>
             </a:r>
             <a:r>
               <a:rPr lang="en-US" altLang="ko-KR" sz="1400" dirty="0" smtClean="0">
@@ -19404,13 +21159,13 @@
           <p:nvPr>
             <p:extLst>
               <p:ext uri="{D42A27DB-BD31-4B8C-83A1-F6EECF244321}">
-                <p14:modId xmlns:p14="http://schemas.microsoft.com/office/powerpoint/2010/main" val="3032272834"/>
+                <p14:modId xmlns:p14="http://schemas.microsoft.com/office/powerpoint/2010/main" val="2486087661"/>
               </p:ext>
             </p:extLst>
           </p:nvPr>
         </p:nvGraphicFramePr>
         <p:xfrm>
-          <a:off x="5673080" y="2923606"/>
+          <a:off x="5673080" y="3056590"/>
           <a:ext cx="4088904" cy="3096344"/>
         </p:xfrm>
         <a:graphic>
@@ -19428,13 +21183,13 @@
           <p:nvPr>
             <p:extLst>
               <p:ext uri="{D42A27DB-BD31-4B8C-83A1-F6EECF244321}">
-                <p14:modId xmlns:p14="http://schemas.microsoft.com/office/powerpoint/2010/main" val="2939740897"/>
+                <p14:modId xmlns:p14="http://schemas.microsoft.com/office/powerpoint/2010/main" val="2816334634"/>
               </p:ext>
             </p:extLst>
           </p:nvPr>
         </p:nvGraphicFramePr>
         <p:xfrm>
-          <a:off x="208691" y="2276872"/>
+          <a:off x="208691" y="2409856"/>
           <a:ext cx="5400600" cy="3743747"/>
         </p:xfrm>
         <a:graphic>
@@ -19451,7 +21206,7 @@
         </p:nvSpPr>
         <p:spPr>
           <a:xfrm rot="20090220">
-            <a:off x="1845517" y="4083649"/>
+            <a:off x="1845517" y="4216633"/>
             <a:ext cx="2849587" cy="206230"/>
           </a:xfrm>
           <a:prstGeom prst="ellipse">
@@ -19545,28 +21300,7 @@
                 <a:latin typeface="Arial" panose="020B0604020202020204" pitchFamily="34" charset="0"/>
                 <a:cs typeface="Arial" panose="020B0604020202020204" pitchFamily="34" charset="0"/>
               </a:rPr>
-              <a:t>Left chart </a:t>
-            </a:r>
-            <a:r>
-              <a:rPr lang="en-US" altLang="ko-KR" sz="1600" dirty="0" smtClean="0">
-                <a:latin typeface="Arial" panose="020B0604020202020204" pitchFamily="34" charset="0"/>
-                <a:cs typeface="Arial" panose="020B0604020202020204" pitchFamily="34" charset="0"/>
-              </a:rPr>
-              <a:t>looks like a pregnant lady chart but the gap </a:t>
-            </a:r>
-            <a:r>
-              <a:rPr lang="en-US" altLang="ko-KR" sz="1600" dirty="0" smtClean="0">
-                <a:latin typeface="Arial" panose="020B0604020202020204" pitchFamily="34" charset="0"/>
-                <a:cs typeface="Arial" panose="020B0604020202020204" pitchFamily="34" charset="0"/>
-              </a:rPr>
-              <a:t>only happened on the </a:t>
-            </a:r>
-            <a:r>
-              <a:rPr lang="en-US" altLang="ko-KR" sz="1600" dirty="0" smtClean="0">
-                <a:latin typeface="Arial" panose="020B0604020202020204" pitchFamily="34" charset="0"/>
-                <a:cs typeface="Arial" panose="020B0604020202020204" pitchFamily="34" charset="0"/>
-              </a:rPr>
-              <a:t>first week. </a:t>
+              <a:t>Left chart looks like a pregnant lady chart but the gap only happened on the first week. </a:t>
             </a:r>
             <a:endParaRPr lang="en-US" altLang="ko-KR" sz="1600" b="1" dirty="0" smtClean="0">
               <a:latin typeface="Arial" panose="020B0604020202020204" pitchFamily="34" charset="0"/>
@@ -19586,21 +21320,7 @@
                 <a:latin typeface="Arial" panose="020B0604020202020204" pitchFamily="34" charset="0"/>
                 <a:cs typeface="Arial" panose="020B0604020202020204" pitchFamily="34" charset="0"/>
               </a:rPr>
-              <a:t>We had a trouble adjusting to the time difference </a:t>
-            </a:r>
-            <a:r>
-              <a:rPr lang="en-US" altLang="ko-KR" sz="1400" dirty="0" smtClean="0">
-                <a:latin typeface="Arial" panose="020B0604020202020204" pitchFamily="34" charset="0"/>
-                <a:cs typeface="Arial" panose="020B0604020202020204" pitchFamily="34" charset="0"/>
-              </a:rPr>
-              <a:t>on </a:t>
-            </a:r>
-            <a:r>
-              <a:rPr lang="en-US" altLang="ko-KR" sz="1400" dirty="0" smtClean="0">
-                <a:latin typeface="Arial" panose="020B0604020202020204" pitchFamily="34" charset="0"/>
-                <a:cs typeface="Arial" panose="020B0604020202020204" pitchFamily="34" charset="0"/>
-              </a:rPr>
-              <a:t>the first week.</a:t>
+              <a:t>We had a trouble adjusting to the time difference on the first week.</a:t>
             </a:r>
           </a:p>
           <a:p>
@@ -19630,30 +21350,185 @@
                 <a:latin typeface="Arial" panose="020B0604020202020204" pitchFamily="34" charset="0"/>
                 <a:cs typeface="Arial" panose="020B0604020202020204" pitchFamily="34" charset="0"/>
               </a:rPr>
-              <a:t>was a big </a:t>
+              <a:t>was a big burden more than we thought.</a:t>
             </a:r>
+            <a:endParaRPr lang="ko-KR" altLang="en-US" sz="1400">
+              <a:latin typeface="Arial" panose="020B0604020202020204" pitchFamily="34" charset="0"/>
+              <a:cs typeface="Arial" panose="020B0604020202020204" pitchFamily="34" charset="0"/>
+            </a:endParaRPr>
+          </a:p>
+        </p:txBody>
+      </p:sp>
+      <p:sp>
+        <p:nvSpPr>
+          <p:cNvPr id="4" name="TextBox 3"/>
+          <p:cNvSpPr txBox="1"/>
+          <p:nvPr/>
+        </p:nvSpPr>
+        <p:spPr>
+          <a:xfrm>
+            <a:off x="1850541" y="6152934"/>
+            <a:ext cx="2023246" cy="372410"/>
+          </a:xfrm>
+          <a:prstGeom prst="rect">
+            <a:avLst/>
+          </a:prstGeom>
+          <a:noFill/>
+        </p:spPr>
+        <p:txBody>
+          <a:bodyPr wrap="none" rtlCol="0">
+            <a:spAutoFit/>
+          </a:bodyPr>
+          <a:lstStyle/>
+          <a:p>
+            <a:pPr>
+              <a:lnSpc>
+                <a:spcPct val="130000"/>
+              </a:lnSpc>
+              <a:buClr>
+                <a:srgbClr val="C5003D"/>
+              </a:buClr>
+            </a:pPr>
             <a:r>
               <a:rPr lang="en-US" altLang="ko-KR" sz="1400" dirty="0" smtClean="0">
                 <a:latin typeface="Arial" panose="020B0604020202020204" pitchFamily="34" charset="0"/>
                 <a:cs typeface="Arial" panose="020B0604020202020204" pitchFamily="34" charset="0"/>
               </a:rPr>
-              <a:t>burden more than </a:t>
+              <a:t>Accumulated Worktime</a:t>
             </a:r>
+            <a:endParaRPr lang="ko-KR" altLang="en-US" sz="1400" dirty="0" smtClean="0">
+              <a:latin typeface="Arial" panose="020B0604020202020204" pitchFamily="34" charset="0"/>
+              <a:cs typeface="Arial" panose="020B0604020202020204" pitchFamily="34" charset="0"/>
+            </a:endParaRPr>
+          </a:p>
+        </p:txBody>
+      </p:sp>
+      <p:sp>
+        <p:nvSpPr>
+          <p:cNvPr id="10" name="TextBox 9"/>
+          <p:cNvSpPr txBox="1"/>
+          <p:nvPr/>
+        </p:nvSpPr>
+        <p:spPr>
+          <a:xfrm>
+            <a:off x="6346002" y="6152934"/>
+            <a:ext cx="2743059" cy="372410"/>
+          </a:xfrm>
+          <a:prstGeom prst="rect">
+            <a:avLst/>
+          </a:prstGeom>
+          <a:noFill/>
+        </p:spPr>
+        <p:txBody>
+          <a:bodyPr wrap="none" rtlCol="0">
+            <a:spAutoFit/>
+          </a:bodyPr>
+          <a:lstStyle/>
+          <a:p>
+            <a:pPr>
+              <a:lnSpc>
+                <a:spcPct val="130000"/>
+              </a:lnSpc>
+              <a:buClr>
+                <a:srgbClr val="C5003D"/>
+              </a:buClr>
+            </a:pPr>
             <a:r>
               <a:rPr lang="en-US" altLang="ko-KR" sz="1400" dirty="0" smtClean="0">
                 <a:latin typeface="Arial" panose="020B0604020202020204" pitchFamily="34" charset="0"/>
                 <a:cs typeface="Arial" panose="020B0604020202020204" pitchFamily="34" charset="0"/>
               </a:rPr>
-              <a:t>we </a:t>
+              <a:t>Development Phase Distribution</a:t>
             </a:r>
+            <a:endParaRPr lang="ko-KR" altLang="en-US" sz="1400" dirty="0" smtClean="0">
+              <a:latin typeface="Arial" panose="020B0604020202020204" pitchFamily="34" charset="0"/>
+              <a:cs typeface="Arial" panose="020B0604020202020204" pitchFamily="34" charset="0"/>
+            </a:endParaRPr>
+          </a:p>
+        </p:txBody>
+      </p:sp>
+      <p:sp>
+        <p:nvSpPr>
+          <p:cNvPr id="12" name="TextBox 11"/>
+          <p:cNvSpPr txBox="1"/>
+          <p:nvPr/>
+        </p:nvSpPr>
+        <p:spPr>
+          <a:xfrm>
+            <a:off x="139619" y="2132856"/>
+            <a:ext cx="972446" cy="332399"/>
+          </a:xfrm>
+          <a:prstGeom prst="rect">
+            <a:avLst/>
+          </a:prstGeom>
+          <a:noFill/>
+        </p:spPr>
+        <p:txBody>
+          <a:bodyPr wrap="none" rtlCol="0">
+            <a:spAutoFit/>
+          </a:bodyPr>
+          <a:lstStyle/>
+          <a:p>
+            <a:pPr>
+              <a:lnSpc>
+                <a:spcPct val="130000"/>
+              </a:lnSpc>
+              <a:buClr>
+                <a:srgbClr val="C5003D"/>
+              </a:buClr>
+            </a:pPr>
             <a:r>
-              <a:rPr lang="en-US" altLang="ko-KR" sz="1400" dirty="0" smtClean="0">
+              <a:rPr lang="en-US" altLang="ko-KR" sz="1200" dirty="0" smtClean="0">
                 <a:latin typeface="Arial" panose="020B0604020202020204" pitchFamily="34" charset="0"/>
                 <a:cs typeface="Arial" panose="020B0604020202020204" pitchFamily="34" charset="0"/>
               </a:rPr>
-              <a:t>thought.</a:t>
+              <a:t>Time (hour)</a:t>
             </a:r>
-            <a:endParaRPr lang="ko-KR" altLang="en-US" sz="1400">
+            <a:endParaRPr lang="ko-KR" altLang="en-US" sz="1200" dirty="0" smtClean="0">
+              <a:latin typeface="Arial" panose="020B0604020202020204" pitchFamily="34" charset="0"/>
+              <a:cs typeface="Arial" panose="020B0604020202020204" pitchFamily="34" charset="0"/>
+            </a:endParaRPr>
+          </a:p>
+        </p:txBody>
+      </p:sp>
+      <p:sp>
+        <p:nvSpPr>
+          <p:cNvPr id="13" name="TextBox 12"/>
+          <p:cNvSpPr txBox="1"/>
+          <p:nvPr/>
+        </p:nvSpPr>
+        <p:spPr>
+          <a:xfrm>
+            <a:off x="5126467" y="5495819"/>
+            <a:ext cx="508473" cy="307456"/>
+          </a:xfrm>
+          <a:prstGeom prst="rect">
+            <a:avLst/>
+          </a:prstGeom>
+          <a:noFill/>
+        </p:spPr>
+        <p:txBody>
+          <a:bodyPr wrap="none" rtlCol="0">
+            <a:spAutoFit/>
+          </a:bodyPr>
+          <a:lstStyle/>
+          <a:p>
+            <a:pPr>
+              <a:lnSpc>
+                <a:spcPct val="130000"/>
+              </a:lnSpc>
+              <a:buClr>
+                <a:srgbClr val="C5003D"/>
+              </a:buClr>
+            </a:pPr>
+            <a:r>
+              <a:rPr lang="en-US" altLang="ko-KR" sz="1200" dirty="0" smtClean="0">
+                <a:latin typeface="Arial" panose="020B0604020202020204" pitchFamily="34" charset="0"/>
+                <a:cs typeface="Arial" panose="020B0604020202020204" pitchFamily="34" charset="0"/>
+              </a:rPr>
+              <a:t>Date</a:t>
+            </a:r>
+            <a:endParaRPr lang="ko-KR" altLang="en-US" sz="1200" dirty="0" smtClean="0">
               <a:latin typeface="Arial" panose="020B0604020202020204" pitchFamily="34" charset="0"/>
               <a:cs typeface="Arial" panose="020B0604020202020204" pitchFamily="34" charset="0"/>
             </a:endParaRPr>
@@ -19916,7 +21791,7 @@
           <p:nvPr>
             <p:extLst>
               <p:ext uri="{D42A27DB-BD31-4B8C-83A1-F6EECF244321}">
-                <p14:modId xmlns:p14="http://schemas.microsoft.com/office/powerpoint/2010/main" val="3785143060"/>
+                <p14:modId xmlns:p14="http://schemas.microsoft.com/office/powerpoint/2010/main" val="2121841380"/>
               </p:ext>
             </p:extLst>
           </p:nvPr>
@@ -20093,13 +21968,13 @@
                         </a:spcAft>
                       </a:pPr>
                       <a:r>
-                        <a:rPr lang="en-US" altLang="ko-KR" sz="1400" kern="100" dirty="0" err="1" smtClean="0">
+                        <a:rPr lang="en-US" altLang="ko-KR" sz="1400" kern="100" dirty="0" smtClean="0">
                           <a:effectLst/>
                           <a:latin typeface="Arial" panose="020B0604020202020204" pitchFamily="34" charset="0"/>
                           <a:ea typeface="맑은 고딕" panose="020B0503020000020004" pitchFamily="50" charset="-127"/>
                           <a:cs typeface="Arial" panose="020B0604020202020204" pitchFamily="34" charset="0"/>
                         </a:rPr>
-                        <a:t>Discription</a:t>
+                        <a:t>Description</a:t>
                       </a:r>
                       <a:endParaRPr lang="ko-KR" sz="1400" kern="100" dirty="0">
                         <a:effectLst/>
@@ -22017,7 +23892,7 @@
           <p:nvPr>
             <p:extLst>
               <p:ext uri="{D42A27DB-BD31-4B8C-83A1-F6EECF244321}">
-                <p14:modId xmlns:p14="http://schemas.microsoft.com/office/powerpoint/2010/main" val="2258866909"/>
+                <p14:modId xmlns:p14="http://schemas.microsoft.com/office/powerpoint/2010/main" val="2467583303"/>
               </p:ext>
             </p:extLst>
           </p:nvPr>
@@ -23068,7 +24943,16 @@
                           <a:ea typeface="맑은 고딕" panose="020B0503020000020004" pitchFamily="50" charset="-127"/>
                           <a:cs typeface="Arial" panose="020B0604020202020204" pitchFamily="34" charset="0"/>
                         </a:rPr>
-                        <a:t>HTML5 CSS JAVA</a:t>
+                        <a:t>HTML5 CSS </a:t>
+                      </a:r>
+                      <a:r>
+                        <a:rPr lang="en-US" altLang="ko-KR" sz="1400" kern="100" dirty="0" smtClean="0">
+                          <a:effectLst/>
+                          <a:latin typeface="Arial" panose="020B0604020202020204" pitchFamily="34" charset="0"/>
+                          <a:ea typeface="맑은 고딕" panose="020B0503020000020004" pitchFamily="50" charset="-127"/>
+                          <a:cs typeface="Arial" panose="020B0604020202020204" pitchFamily="34" charset="0"/>
+                        </a:rPr>
+                        <a:t>JAVA</a:t>
                       </a:r>
                       <a:r>
                         <a:rPr lang="en-US" altLang="ko-KR" sz="1400" kern="100" baseline="0" dirty="0" smtClean="0">
@@ -23077,7 +24961,7 @@
                           <a:ea typeface="맑은 고딕" panose="020B0503020000020004" pitchFamily="50" charset="-127"/>
                           <a:cs typeface="Arial" panose="020B0604020202020204" pitchFamily="34" charset="0"/>
                         </a:rPr>
-                        <a:t> SCRIPT</a:t>
+                        <a:t>SCRIPT</a:t>
                       </a:r>
                       <a:endParaRPr lang="ko-KR" sz="1400" kern="100" dirty="0">
                         <a:effectLst/>
@@ -23477,12 +25361,179 @@
               </a:spcAft>
             </a:pPr>
             <a:r>
+              <a:rPr lang="en-US" altLang="ko-KR" sz="1600" b="1" kern="100" dirty="0">
+                <a:latin typeface="Arial" panose="020B0604020202020204" pitchFamily="34" charset="0"/>
+                <a:ea typeface="맑은 고딕" panose="020B0503020000020004" pitchFamily="50" charset="-127"/>
+                <a:cs typeface="Arial" panose="020B0604020202020204" pitchFamily="34" charset="0"/>
+              </a:rPr>
+              <a:t>Perspective</a:t>
+            </a:r>
+            <a:endParaRPr lang="en-US" altLang="ko-KR" sz="1600" kern="100" dirty="0">
+              <a:latin typeface="Arial" panose="020B0604020202020204" pitchFamily="34" charset="0"/>
+              <a:ea typeface="맑은 고딕" panose="020B0503020000020004" pitchFamily="50" charset="-127"/>
+              <a:cs typeface="Arial" panose="020B0604020202020204" pitchFamily="34" charset="0"/>
+            </a:endParaRPr>
+          </a:p>
+          <a:p>
+            <a:pPr marL="285750" indent="-285750" algn="just">
+              <a:lnSpc>
+                <a:spcPct val="107000"/>
+              </a:lnSpc>
+              <a:spcAft>
+                <a:spcPts val="0"/>
+              </a:spcAft>
+              <a:buFontTx/>
+              <a:buChar char="-"/>
+            </a:pPr>
+            <a:r>
+              <a:rPr lang="en-US" altLang="ko-KR" sz="1600" kern="100" dirty="0">
+                <a:latin typeface="Arial" panose="020B0604020202020204" pitchFamily="34" charset="0"/>
+                <a:ea typeface="맑은 고딕" panose="020B0503020000020004" pitchFamily="50" charset="-127"/>
+                <a:cs typeface="Arial" panose="020B0604020202020204" pitchFamily="34" charset="0"/>
+              </a:rPr>
+              <a:t>Before CMU course: Use only static view or mixed perspective.</a:t>
+            </a:r>
+          </a:p>
+          <a:p>
+            <a:pPr marL="285750" indent="-285750" algn="just">
+              <a:lnSpc>
+                <a:spcPct val="107000"/>
+              </a:lnSpc>
+              <a:spcAft>
+                <a:spcPts val="0"/>
+              </a:spcAft>
+              <a:buFontTx/>
+              <a:buChar char="-"/>
+            </a:pPr>
+            <a:r>
+              <a:rPr lang="en-US" altLang="ko-KR" sz="1600" kern="100" dirty="0">
+                <a:latin typeface="Arial" panose="020B0604020202020204" pitchFamily="34" charset="0"/>
+                <a:ea typeface="맑은 고딕" panose="020B0503020000020004" pitchFamily="50" charset="-127"/>
+                <a:cs typeface="Arial" panose="020B0604020202020204" pitchFamily="34" charset="0"/>
+              </a:rPr>
+              <a:t>After CMU course: We can distinguish three perspectives.</a:t>
+            </a:r>
+          </a:p>
+          <a:p>
+            <a:pPr algn="just">
+              <a:lnSpc>
+                <a:spcPct val="107000"/>
+              </a:lnSpc>
+              <a:spcAft>
+                <a:spcPts val="0"/>
+              </a:spcAft>
+            </a:pPr>
+            <a:r>
+              <a:rPr lang="en-US" altLang="ko-KR" sz="1600" kern="100" dirty="0">
+                <a:latin typeface="Arial" panose="020B0604020202020204" pitchFamily="34" charset="0"/>
+                <a:ea typeface="맑은 고딕" panose="020B0503020000020004" pitchFamily="50" charset="-127"/>
+                <a:cs typeface="Times New Roman" panose="02020603050405020304" pitchFamily="18" charset="0"/>
+              </a:rPr>
+              <a:t> </a:t>
+            </a:r>
+            <a:endParaRPr lang="ko-KR" altLang="ko-KR" sz="1600" kern="100">
+              <a:latin typeface="맑은 고딕" panose="020B0503020000020004" pitchFamily="50" charset="-127"/>
+              <a:ea typeface="맑은 고딕" panose="020B0503020000020004" pitchFamily="50" charset="-127"/>
+              <a:cs typeface="Times New Roman" panose="02020603050405020304" pitchFamily="18" charset="0"/>
+            </a:endParaRPr>
+          </a:p>
+          <a:p>
+            <a:pPr algn="just">
+              <a:lnSpc>
+                <a:spcPct val="107000"/>
+              </a:lnSpc>
+              <a:spcAft>
+                <a:spcPts val="0"/>
+              </a:spcAft>
+            </a:pPr>
+            <a:r>
+              <a:rPr lang="en-US" altLang="ko-KR" sz="1600" b="1" kern="100" dirty="0">
+                <a:latin typeface="Arial" panose="020B0604020202020204" pitchFamily="34" charset="0"/>
+                <a:ea typeface="맑은 고딕" panose="020B0503020000020004" pitchFamily="50" charset="-127"/>
+                <a:cs typeface="Times New Roman" panose="02020603050405020304" pitchFamily="18" charset="0"/>
+              </a:rPr>
+              <a:t>Interface</a:t>
+            </a:r>
+          </a:p>
+          <a:p>
+            <a:pPr marL="285750" indent="-285750" algn="just">
+              <a:lnSpc>
+                <a:spcPct val="107000"/>
+              </a:lnSpc>
+              <a:spcAft>
+                <a:spcPts val="0"/>
+              </a:spcAft>
+              <a:buFontTx/>
+              <a:buChar char="-"/>
+            </a:pPr>
+            <a:r>
+              <a:rPr lang="en-US" altLang="ko-KR" sz="1600" kern="100" dirty="0">
+                <a:latin typeface="Arial" panose="020B0604020202020204" pitchFamily="34" charset="0"/>
+                <a:ea typeface="맑은 고딕" panose="020B0503020000020004" pitchFamily="50" charset="-127"/>
+                <a:cs typeface="Times New Roman" panose="02020603050405020304" pitchFamily="18" charset="0"/>
+              </a:rPr>
+              <a:t>Once the interface has been fixed, it becomes a constraint.</a:t>
+            </a:r>
+          </a:p>
+          <a:p>
+            <a:pPr marL="285750" indent="-285750" algn="just">
+              <a:lnSpc>
+                <a:spcPct val="107000"/>
+              </a:lnSpc>
+              <a:spcAft>
+                <a:spcPts val="0"/>
+              </a:spcAft>
+              <a:buFontTx/>
+              <a:buChar char="-"/>
+            </a:pPr>
+            <a:r>
+              <a:rPr lang="en-US" altLang="ko-KR" sz="1600" kern="100" dirty="0">
+                <a:latin typeface="Arial" panose="020B0604020202020204" pitchFamily="34" charset="0"/>
+                <a:ea typeface="맑은 고딕" panose="020B0503020000020004" pitchFamily="50" charset="-127"/>
+                <a:cs typeface="Times New Roman" panose="02020603050405020304" pitchFamily="18" charset="0"/>
+              </a:rPr>
+              <a:t>We’ve experienced this kind of situation and had to spend lots of resources because of changing protocols at the late stage.</a:t>
+            </a:r>
+          </a:p>
+          <a:p>
+            <a:pPr algn="just">
+              <a:lnSpc>
+                <a:spcPct val="107000"/>
+              </a:lnSpc>
+              <a:spcAft>
+                <a:spcPts val="0"/>
+              </a:spcAft>
+            </a:pPr>
+            <a:endParaRPr lang="en-US" altLang="ko-KR" sz="1600" b="1" kern="100" dirty="0" smtClean="0">
+              <a:latin typeface="Arial" panose="020B0604020202020204" pitchFamily="34" charset="0"/>
+              <a:ea typeface="맑은 고딕" panose="020B0503020000020004" pitchFamily="50" charset="-127"/>
+              <a:cs typeface="Times New Roman" panose="02020603050405020304" pitchFamily="18" charset="0"/>
+            </a:endParaRPr>
+          </a:p>
+          <a:p>
+            <a:pPr algn="just">
+              <a:lnSpc>
+                <a:spcPct val="107000"/>
+              </a:lnSpc>
+              <a:spcAft>
+                <a:spcPts val="0"/>
+              </a:spcAft>
+            </a:pPr>
+            <a:r>
               <a:rPr lang="en-US" altLang="ko-KR" sz="1600" b="1" kern="100" dirty="0" smtClean="0">
                 <a:latin typeface="Arial" panose="020B0604020202020204" pitchFamily="34" charset="0"/>
                 <a:ea typeface="맑은 고딕" panose="020B0503020000020004" pitchFamily="50" charset="-127"/>
                 <a:cs typeface="Times New Roman" panose="02020603050405020304" pitchFamily="18" charset="0"/>
               </a:rPr>
-              <a:t>Using COTS is not free</a:t>
+              <a:t>Using </a:t>
+            </a:r>
+            <a:r>
+              <a:rPr lang="en-US" altLang="ko-KR" sz="1600" b="1" kern="100" dirty="0" smtClean="0">
+                <a:latin typeface="Arial" panose="020B0604020202020204" pitchFamily="34" charset="0"/>
+                <a:ea typeface="맑은 고딕" panose="020B0503020000020004" pitchFamily="50" charset="-127"/>
+                <a:cs typeface="Times New Roman" panose="02020603050405020304" pitchFamily="18" charset="0"/>
+              </a:rPr>
+              <a:t>COTS is not free</a:t>
             </a:r>
             <a:endParaRPr lang="ko-KR" altLang="ko-KR" sz="1600" kern="100">
               <a:latin typeface="맑은 고딕" panose="020B0503020000020004" pitchFamily="50" charset="-127"/>
@@ -23515,7 +25566,23 @@
                 <a:ea typeface="맑은 고딕" panose="020B0503020000020004" pitchFamily="50" charset="-127"/>
                 <a:cs typeface="Times New Roman" panose="02020603050405020304" pitchFamily="18" charset="0"/>
               </a:rPr>
-              <a:t>, Google Chart and Java script </a:t>
+              <a:t>, Google Chart and </a:t>
+            </a:r>
+            <a:r>
+              <a:rPr lang="en-US" altLang="ko-KR" sz="1600" kern="100" dirty="0" err="1">
+                <a:latin typeface="Arial" panose="020B0604020202020204" pitchFamily="34" charset="0"/>
+                <a:ea typeface="맑은 고딕" panose="020B0503020000020004" pitchFamily="50" charset="-127"/>
+                <a:cs typeface="Times New Roman" panose="02020603050405020304" pitchFamily="18" charset="0"/>
+              </a:rPr>
+              <a:t>Javascript</a:t>
+            </a:r>
+            <a:r>
+              <a:rPr lang="en-US" altLang="ko-KR" sz="1600" kern="100" dirty="0">
+                <a:latin typeface="Arial" panose="020B0604020202020204" pitchFamily="34" charset="0"/>
+                <a:ea typeface="맑은 고딕" panose="020B0503020000020004" pitchFamily="50" charset="-127"/>
+                <a:cs typeface="Times New Roman" panose="02020603050405020304" pitchFamily="18" charset="0"/>
+              </a:rPr>
+              <a:t> libraries </a:t>
             </a:r>
             <a:r>
               <a:rPr lang="en-US" altLang="ko-KR" sz="1600" kern="100" dirty="0" smtClean="0">
@@ -23523,13 +25590,8 @@
                 <a:ea typeface="맑은 고딕" panose="020B0503020000020004" pitchFamily="50" charset="-127"/>
                 <a:cs typeface="Times New Roman" panose="02020603050405020304" pitchFamily="18" charset="0"/>
               </a:rPr>
-              <a:t>libraries are used.</a:t>
+              <a:t>are used.</a:t>
             </a:r>
-            <a:endParaRPr lang="en-US" altLang="ko-KR" sz="1600" kern="100" dirty="0" smtClean="0">
-              <a:latin typeface="Arial" panose="020B0604020202020204" pitchFamily="34" charset="0"/>
-              <a:ea typeface="맑은 고딕" panose="020B0503020000020004" pitchFamily="50" charset="-127"/>
-              <a:cs typeface="Times New Roman" panose="02020603050405020304" pitchFamily="18" charset="0"/>
-            </a:endParaRPr>
           </a:p>
           <a:p>
             <a:pPr marL="285750" indent="-285750" algn="just">
@@ -23548,15 +25610,7 @@
                 <a:ea typeface="맑은 고딕" panose="020B0503020000020004" pitchFamily="50" charset="-127"/>
                 <a:cs typeface="Times New Roman" panose="02020603050405020304" pitchFamily="18" charset="0"/>
               </a:rPr>
-              <a:t>Google Chart </a:t>
-            </a:r>
-            <a:r>
-              <a:rPr lang="en-US" altLang="ko-KR" sz="1600" kern="100" dirty="0" smtClean="0">
-                <a:latin typeface="Arial" panose="020B0604020202020204" pitchFamily="34" charset="0"/>
-                <a:ea typeface="맑은 고딕" panose="020B0503020000020004" pitchFamily="50" charset="-127"/>
-                <a:cs typeface="Times New Roman" panose="02020603050405020304" pitchFamily="18" charset="0"/>
-              </a:rPr>
-              <a:t>are not available during demo because </a:t>
+              <a:t>Google Chart are not available during demo because </a:t>
             </a:r>
             <a:r>
               <a:rPr lang="en-US" altLang="ko-KR" sz="1600" kern="100" dirty="0">
@@ -23574,11 +25628,6 @@
               </a:rPr>
               <a:t>router has no internet access.</a:t>
             </a:r>
-            <a:endParaRPr lang="en-US" altLang="ko-KR" sz="1600" kern="100" dirty="0" smtClean="0">
-              <a:latin typeface="Arial" panose="020B0604020202020204" pitchFamily="34" charset="0"/>
-              <a:ea typeface="맑은 고딕" panose="020B0503020000020004" pitchFamily="50" charset="-127"/>
-              <a:cs typeface="Times New Roman" panose="02020603050405020304" pitchFamily="18" charset="0"/>
-            </a:endParaRPr>
           </a:p>
           <a:p>
             <a:pPr marL="285750" indent="-285750" algn="just">
@@ -23716,21 +25765,8 @@
                 <a:ea typeface="맑은 고딕" panose="020B0503020000020004" pitchFamily="50" charset="-127"/>
                 <a:cs typeface="Times New Roman" panose="02020603050405020304" pitchFamily="18" charset="0"/>
               </a:rPr>
-              <a:t>We’ve learned lots of tools can hel</a:t>
+              <a:t>We’ve learned lots of tools can help us during development process. For example…</a:t>
             </a:r>
-            <a:r>
-              <a:rPr lang="en-US" altLang="ko-KR" sz="1600" kern="100" dirty="0" smtClean="0">
-                <a:latin typeface="Arial" panose="020B0604020202020204" pitchFamily="34" charset="0"/>
-                <a:ea typeface="맑은 고딕" panose="020B0503020000020004" pitchFamily="50" charset="-127"/>
-                <a:cs typeface="Times New Roman" panose="02020603050405020304" pitchFamily="18" charset="0"/>
-              </a:rPr>
-              <a:t>p us during development process. For example…</a:t>
-            </a:r>
-            <a:endParaRPr lang="en-US" altLang="ko-KR" sz="1600" kern="100" dirty="0" smtClean="0">
-              <a:latin typeface="Arial" panose="020B0604020202020204" pitchFamily="34" charset="0"/>
-              <a:ea typeface="맑은 고딕" panose="020B0503020000020004" pitchFamily="50" charset="-127"/>
-              <a:cs typeface="Times New Roman" panose="02020603050405020304" pitchFamily="18" charset="0"/>
-            </a:endParaRPr>
           </a:p>
           <a:p>
             <a:pPr marL="285750" indent="-285750" algn="just">
@@ -23757,31 +25793,7 @@
                 <a:ea typeface="맑은 고딕" panose="020B0503020000020004" pitchFamily="50" charset="-127"/>
                 <a:cs typeface="Times New Roman" panose="02020603050405020304" pitchFamily="18" charset="0"/>
               </a:rPr>
-              <a:t>: </a:t>
-            </a:r>
-            <a:r>
-              <a:rPr lang="en-US" altLang="ko-KR" sz="1600" kern="100" dirty="0" smtClean="0">
-                <a:latin typeface="Arial" panose="020B0604020202020204" pitchFamily="34" charset="0"/>
-                <a:ea typeface="맑은 고딕" panose="020B0503020000020004" pitchFamily="50" charset="-127"/>
-                <a:cs typeface="Times New Roman" panose="02020603050405020304" pitchFamily="18" charset="0"/>
-              </a:rPr>
-              <a:t>O</a:t>
-            </a:r>
-            <a:r>
-              <a:rPr lang="en-US" altLang="ko-KR" sz="1600" kern="100" dirty="0" smtClean="0">
-                <a:latin typeface="Arial" panose="020B0604020202020204" pitchFamily="34" charset="0"/>
-                <a:ea typeface="맑은 고딕" panose="020B0503020000020004" pitchFamily="50" charset="-127"/>
-                <a:cs typeface="Times New Roman" panose="02020603050405020304" pitchFamily="18" charset="0"/>
-              </a:rPr>
-              <a:t>nline tool to help </a:t>
-            </a:r>
-            <a:r>
-              <a:rPr lang="en-US" altLang="ko-KR" sz="1600" kern="100" dirty="0" smtClean="0">
-                <a:latin typeface="Arial" panose="020B0604020202020204" pitchFamily="34" charset="0"/>
-                <a:ea typeface="맑은 고딕" panose="020B0503020000020004" pitchFamily="50" charset="-127"/>
-                <a:cs typeface="Times New Roman" panose="02020603050405020304" pitchFamily="18" charset="0"/>
-              </a:rPr>
-              <a:t>time tracking and record logs.</a:t>
+              <a:t>: Online tool to help time tracking and record logs.</a:t>
             </a:r>
             <a:endParaRPr lang="en-US" altLang="ko-KR" sz="1600" kern="100" dirty="0">
               <a:latin typeface="Arial" panose="020B0604020202020204" pitchFamily="34" charset="0"/>
@@ -23814,23 +25826,7 @@
                 <a:ea typeface="맑은 고딕" panose="020B0503020000020004" pitchFamily="50" charset="-127"/>
                 <a:cs typeface="Times New Roman" panose="02020603050405020304" pitchFamily="18" charset="0"/>
               </a:rPr>
-              <a:t>: </a:t>
-            </a:r>
-            <a:r>
-              <a:rPr lang="en-US" altLang="ko-KR" sz="1600" kern="100" dirty="0" smtClean="0">
-                <a:latin typeface="Arial" panose="020B0604020202020204" pitchFamily="34" charset="0"/>
-                <a:ea typeface="맑은 고딕" panose="020B0503020000020004" pitchFamily="50" charset="-127"/>
-                <a:cs typeface="Times New Roman" panose="02020603050405020304" pitchFamily="18" charset="0"/>
-              </a:rPr>
-              <a:t>O</a:t>
-            </a:r>
-            <a:r>
-              <a:rPr lang="en-US" altLang="ko-KR" sz="1600" kern="100" dirty="0" smtClean="0">
-                <a:latin typeface="Arial" panose="020B0604020202020204" pitchFamily="34" charset="0"/>
-                <a:ea typeface="맑은 고딕" panose="020B0503020000020004" pitchFamily="50" charset="-127"/>
-                <a:cs typeface="Times New Roman" panose="02020603050405020304" pitchFamily="18" charset="0"/>
-              </a:rPr>
-              <a:t>nline tool to </a:t>
+              <a:t>: Online tool to </a:t>
             </a:r>
             <a:r>
               <a:rPr lang="en-US" altLang="ko-KR" sz="1600" kern="100" dirty="0">
@@ -23848,11 +25844,6 @@
               </a:rPr>
               <a:t>with drawing Gantt chart.</a:t>
             </a:r>
-            <a:endParaRPr lang="en-US" altLang="ko-KR" sz="1600" kern="100" dirty="0" smtClean="0">
-              <a:latin typeface="Arial" panose="020B0604020202020204" pitchFamily="34" charset="0"/>
-              <a:ea typeface="맑은 고딕" panose="020B0503020000020004" pitchFamily="50" charset="-127"/>
-              <a:cs typeface="Times New Roman" panose="02020603050405020304" pitchFamily="18" charset="0"/>
-            </a:endParaRPr>
           </a:p>
           <a:p>
             <a:pPr marL="285750" indent="-285750" algn="just">
@@ -23893,252 +25884,18 @@
                 <a:latin typeface="Arial" panose="020B0604020202020204" pitchFamily="34" charset="0"/>
                 <a:cs typeface="Arial" panose="020B0604020202020204" pitchFamily="34" charset="0"/>
               </a:rPr>
-              <a:t>onfiguration </a:t>
+              <a:t>onfiguration management tool</a:t>
             </a:r>
             <a:r>
               <a:rPr lang="en-US" altLang="ko-KR" sz="1600" dirty="0" smtClean="0">
                 <a:latin typeface="Arial" panose="020B0604020202020204" pitchFamily="34" charset="0"/>
                 <a:cs typeface="Arial" panose="020B0604020202020204" pitchFamily="34" charset="0"/>
               </a:rPr>
-              <a:t>management </a:t>
-            </a:r>
-            <a:r>
-              <a:rPr lang="en-US" altLang="ko-KR" sz="1600" dirty="0" smtClean="0">
-                <a:latin typeface="Arial" panose="020B0604020202020204" pitchFamily="34" charset="0"/>
-                <a:cs typeface="Arial" panose="020B0604020202020204" pitchFamily="34" charset="0"/>
-              </a:rPr>
-              <a:t>tool.</a:t>
+              <a:t>.</a:t>
             </a:r>
             <a:endParaRPr lang="en-US" altLang="ko-KR" sz="1600" dirty="0" smtClean="0">
               <a:latin typeface="Arial" panose="020B0604020202020204" pitchFamily="34" charset="0"/>
               <a:cs typeface="Arial" panose="020B0604020202020204" pitchFamily="34" charset="0"/>
-            </a:endParaRPr>
-          </a:p>
-          <a:p>
-            <a:pPr algn="just">
-              <a:lnSpc>
-                <a:spcPct val="107000"/>
-              </a:lnSpc>
-              <a:spcAft>
-                <a:spcPts val="0"/>
-              </a:spcAft>
-            </a:pPr>
-            <a:endParaRPr lang="en-US" altLang="ko-KR" sz="1600" dirty="0">
-              <a:latin typeface="Arial" panose="020B0604020202020204" pitchFamily="34" charset="0"/>
-              <a:cs typeface="Arial" panose="020B0604020202020204" pitchFamily="34" charset="0"/>
-            </a:endParaRPr>
-          </a:p>
-          <a:p>
-            <a:pPr algn="just">
-              <a:lnSpc>
-                <a:spcPct val="107000"/>
-              </a:lnSpc>
-              <a:spcAft>
-                <a:spcPts val="0"/>
-              </a:spcAft>
-            </a:pPr>
-            <a:r>
-              <a:rPr lang="en-US" altLang="ko-KR" sz="1600" b="1" kern="100" dirty="0">
-                <a:latin typeface="Arial" panose="020B0604020202020204" pitchFamily="34" charset="0"/>
-                <a:ea typeface="맑은 고딕" panose="020B0503020000020004" pitchFamily="50" charset="-127"/>
-                <a:cs typeface="Arial" panose="020B0604020202020204" pitchFamily="34" charset="0"/>
-              </a:rPr>
-              <a:t>Perspective</a:t>
-            </a:r>
-            <a:endParaRPr lang="en-US" altLang="ko-KR" sz="1600" kern="100" dirty="0">
-              <a:latin typeface="Arial" panose="020B0604020202020204" pitchFamily="34" charset="0"/>
-              <a:ea typeface="맑은 고딕" panose="020B0503020000020004" pitchFamily="50" charset="-127"/>
-              <a:cs typeface="Arial" panose="020B0604020202020204" pitchFamily="34" charset="0"/>
-            </a:endParaRPr>
-          </a:p>
-          <a:p>
-            <a:pPr marL="285750" indent="-285750" algn="just">
-              <a:lnSpc>
-                <a:spcPct val="107000"/>
-              </a:lnSpc>
-              <a:spcAft>
-                <a:spcPts val="0"/>
-              </a:spcAft>
-              <a:buFontTx/>
-              <a:buChar char="-"/>
-            </a:pPr>
-            <a:r>
-              <a:rPr lang="en-US" altLang="ko-KR" sz="1600" kern="100" dirty="0">
-                <a:latin typeface="Arial" panose="020B0604020202020204" pitchFamily="34" charset="0"/>
-                <a:ea typeface="맑은 고딕" panose="020B0503020000020004" pitchFamily="50" charset="-127"/>
-                <a:cs typeface="Arial" panose="020B0604020202020204" pitchFamily="34" charset="0"/>
-              </a:rPr>
-              <a:t>Before </a:t>
-            </a:r>
-            <a:r>
-              <a:rPr lang="en-US" altLang="ko-KR" sz="1600" kern="100" dirty="0" smtClean="0">
-                <a:latin typeface="Arial" panose="020B0604020202020204" pitchFamily="34" charset="0"/>
-                <a:ea typeface="맑은 고딕" panose="020B0503020000020004" pitchFamily="50" charset="-127"/>
-                <a:cs typeface="Arial" panose="020B0604020202020204" pitchFamily="34" charset="0"/>
-              </a:rPr>
-              <a:t>CMU course: </a:t>
-            </a:r>
-            <a:r>
-              <a:rPr lang="en-US" altLang="ko-KR" sz="1600" kern="100" dirty="0">
-                <a:latin typeface="Arial" panose="020B0604020202020204" pitchFamily="34" charset="0"/>
-                <a:ea typeface="맑은 고딕" panose="020B0503020000020004" pitchFamily="50" charset="-127"/>
-                <a:cs typeface="Arial" panose="020B0604020202020204" pitchFamily="34" charset="0"/>
-              </a:rPr>
-              <a:t>Use only static view or mixed perspective.</a:t>
-            </a:r>
-          </a:p>
-          <a:p>
-            <a:pPr marL="285750" indent="-285750" algn="just">
-              <a:lnSpc>
-                <a:spcPct val="107000"/>
-              </a:lnSpc>
-              <a:spcAft>
-                <a:spcPts val="0"/>
-              </a:spcAft>
-              <a:buFontTx/>
-              <a:buChar char="-"/>
-            </a:pPr>
-            <a:r>
-              <a:rPr lang="en-US" altLang="ko-KR" sz="1600" kern="100" dirty="0">
-                <a:latin typeface="Arial" panose="020B0604020202020204" pitchFamily="34" charset="0"/>
-                <a:ea typeface="맑은 고딕" panose="020B0503020000020004" pitchFamily="50" charset="-127"/>
-                <a:cs typeface="Arial" panose="020B0604020202020204" pitchFamily="34" charset="0"/>
-              </a:rPr>
-              <a:t>After </a:t>
-            </a:r>
-            <a:r>
-              <a:rPr lang="en-US" altLang="ko-KR" sz="1600" kern="100" dirty="0" smtClean="0">
-                <a:latin typeface="Arial" panose="020B0604020202020204" pitchFamily="34" charset="0"/>
-                <a:ea typeface="맑은 고딕" panose="020B0503020000020004" pitchFamily="50" charset="-127"/>
-                <a:cs typeface="Arial" panose="020B0604020202020204" pitchFamily="34" charset="0"/>
-              </a:rPr>
-              <a:t>CMU course: We can distinguish </a:t>
-            </a:r>
-            <a:r>
-              <a:rPr lang="en-US" altLang="ko-KR" sz="1600" kern="100" dirty="0">
-                <a:latin typeface="Arial" panose="020B0604020202020204" pitchFamily="34" charset="0"/>
-                <a:ea typeface="맑은 고딕" panose="020B0503020000020004" pitchFamily="50" charset="-127"/>
-                <a:cs typeface="Arial" panose="020B0604020202020204" pitchFamily="34" charset="0"/>
-              </a:rPr>
-              <a:t>three perspectives.</a:t>
-            </a:r>
-          </a:p>
-          <a:p>
-            <a:pPr algn="just">
-              <a:lnSpc>
-                <a:spcPct val="107000"/>
-              </a:lnSpc>
-              <a:spcAft>
-                <a:spcPts val="0"/>
-              </a:spcAft>
-            </a:pPr>
-            <a:r>
-              <a:rPr lang="en-US" altLang="ko-KR" sz="1600" kern="100" dirty="0">
-                <a:latin typeface="Arial" panose="020B0604020202020204" pitchFamily="34" charset="0"/>
-                <a:ea typeface="맑은 고딕" panose="020B0503020000020004" pitchFamily="50" charset="-127"/>
-                <a:cs typeface="Times New Roman" panose="02020603050405020304" pitchFamily="18" charset="0"/>
-              </a:rPr>
-              <a:t> </a:t>
-            </a:r>
-            <a:endParaRPr lang="ko-KR" altLang="ko-KR" sz="1600" kern="100">
-              <a:latin typeface="맑은 고딕" panose="020B0503020000020004" pitchFamily="50" charset="-127"/>
-              <a:ea typeface="맑은 고딕" panose="020B0503020000020004" pitchFamily="50" charset="-127"/>
-              <a:cs typeface="Times New Roman" panose="02020603050405020304" pitchFamily="18" charset="0"/>
-            </a:endParaRPr>
-          </a:p>
-          <a:p>
-            <a:pPr algn="just">
-              <a:lnSpc>
-                <a:spcPct val="107000"/>
-              </a:lnSpc>
-              <a:spcAft>
-                <a:spcPts val="0"/>
-              </a:spcAft>
-            </a:pPr>
-            <a:r>
-              <a:rPr lang="en-US" altLang="ko-KR" sz="1600" b="1" kern="100" dirty="0">
-                <a:latin typeface="Arial" panose="020B0604020202020204" pitchFamily="34" charset="0"/>
-                <a:ea typeface="맑은 고딕" panose="020B0503020000020004" pitchFamily="50" charset="-127"/>
-                <a:cs typeface="Times New Roman" panose="02020603050405020304" pitchFamily="18" charset="0"/>
-              </a:rPr>
-              <a:t>Interface</a:t>
-            </a:r>
-          </a:p>
-          <a:p>
-            <a:pPr marL="285750" indent="-285750" algn="just">
-              <a:lnSpc>
-                <a:spcPct val="107000"/>
-              </a:lnSpc>
-              <a:spcAft>
-                <a:spcPts val="0"/>
-              </a:spcAft>
-              <a:buFontTx/>
-              <a:buChar char="-"/>
-            </a:pPr>
-            <a:r>
-              <a:rPr lang="en-US" altLang="ko-KR" sz="1600" kern="100" dirty="0">
-                <a:latin typeface="Arial" panose="020B0604020202020204" pitchFamily="34" charset="0"/>
-                <a:ea typeface="맑은 고딕" panose="020B0503020000020004" pitchFamily="50" charset="-127"/>
-                <a:cs typeface="Times New Roman" panose="02020603050405020304" pitchFamily="18" charset="0"/>
-              </a:rPr>
-              <a:t>Once the interface has been fixed, it becomes a constraint.</a:t>
-            </a:r>
-          </a:p>
-          <a:p>
-            <a:pPr marL="285750" indent="-285750" algn="just">
-              <a:lnSpc>
-                <a:spcPct val="107000"/>
-              </a:lnSpc>
-              <a:spcAft>
-                <a:spcPts val="0"/>
-              </a:spcAft>
-              <a:buFontTx/>
-              <a:buChar char="-"/>
-            </a:pPr>
-            <a:r>
-              <a:rPr lang="en-US" altLang="ko-KR" sz="1600" kern="100" dirty="0" smtClean="0">
-                <a:latin typeface="Arial" panose="020B0604020202020204" pitchFamily="34" charset="0"/>
-                <a:ea typeface="맑은 고딕" panose="020B0503020000020004" pitchFamily="50" charset="-127"/>
-                <a:cs typeface="Times New Roman" panose="02020603050405020304" pitchFamily="18" charset="0"/>
-              </a:rPr>
-              <a:t>We’ve </a:t>
-            </a:r>
-            <a:r>
-              <a:rPr lang="en-US" altLang="ko-KR" sz="1600" kern="100" dirty="0">
-                <a:latin typeface="Arial" panose="020B0604020202020204" pitchFamily="34" charset="0"/>
-                <a:ea typeface="맑은 고딕" panose="020B0503020000020004" pitchFamily="50" charset="-127"/>
-                <a:cs typeface="Times New Roman" panose="02020603050405020304" pitchFamily="18" charset="0"/>
-              </a:rPr>
-              <a:t>experienced this kind of situation and had to spend </a:t>
-            </a:r>
-            <a:r>
-              <a:rPr lang="en-US" altLang="ko-KR" sz="1600" kern="100" dirty="0" smtClean="0">
-                <a:latin typeface="Arial" panose="020B0604020202020204" pitchFamily="34" charset="0"/>
-                <a:ea typeface="맑은 고딕" panose="020B0503020000020004" pitchFamily="50" charset="-127"/>
-                <a:cs typeface="Times New Roman" panose="02020603050405020304" pitchFamily="18" charset="0"/>
-              </a:rPr>
-              <a:t>lots of resources </a:t>
-            </a:r>
-            <a:r>
-              <a:rPr lang="en-US" altLang="ko-KR" sz="1600" kern="100" dirty="0">
-                <a:latin typeface="Arial" panose="020B0604020202020204" pitchFamily="34" charset="0"/>
-                <a:ea typeface="맑은 고딕" panose="020B0503020000020004" pitchFamily="50" charset="-127"/>
-                <a:cs typeface="Times New Roman" panose="02020603050405020304" pitchFamily="18" charset="0"/>
-              </a:rPr>
-              <a:t>because of changing </a:t>
-            </a:r>
-            <a:r>
-              <a:rPr lang="en-US" altLang="ko-KR" sz="1600" kern="100" dirty="0" smtClean="0">
-                <a:latin typeface="Arial" panose="020B0604020202020204" pitchFamily="34" charset="0"/>
-                <a:ea typeface="맑은 고딕" panose="020B0503020000020004" pitchFamily="50" charset="-127"/>
-                <a:cs typeface="Times New Roman" panose="02020603050405020304" pitchFamily="18" charset="0"/>
-              </a:rPr>
-              <a:t>protocols at the late stage.</a:t>
-            </a:r>
-            <a:endParaRPr lang="en-US" altLang="ko-KR" sz="1600" kern="100" dirty="0">
-              <a:latin typeface="Arial" panose="020B0604020202020204" pitchFamily="34" charset="0"/>
-              <a:ea typeface="맑은 고딕" panose="020B0503020000020004" pitchFamily="50" charset="-127"/>
-              <a:cs typeface="Times New Roman" panose="02020603050405020304" pitchFamily="18" charset="0"/>
             </a:endParaRPr>
           </a:p>
         </p:txBody>
@@ -25293,14 +27050,7 @@
                 <a:latin typeface="Arial" panose="020B0604020202020204" pitchFamily="34" charset="0"/>
                 <a:cs typeface="Arial" panose="020B0604020202020204" pitchFamily="34" charset="0"/>
               </a:rPr>
-              <a:t>We are </a:t>
-            </a:r>
-            <a:r>
-              <a:rPr lang="en-US" altLang="ko-KR" dirty="0">
-                <a:latin typeface="Arial" panose="020B0604020202020204" pitchFamily="34" charset="0"/>
-                <a:cs typeface="Arial" panose="020B0604020202020204" pitchFamily="34" charset="0"/>
-              </a:rPr>
-              <a:t>t</a:t>
+              <a:t>We are t</a:t>
             </a:r>
             <a:r>
               <a:rPr lang="en-US" altLang="ko-KR" dirty="0" smtClean="0">
@@ -27395,7 +29145,7 @@
                         </a:spcAft>
                       </a:pPr>
                       <a:r>
-                        <a:rPr lang="en-US" sz="1400" b="1" kern="0">
+                        <a:rPr lang="en-US" sz="1400" b="1" kern="0" dirty="0">
                           <a:effectLst/>
                           <a:latin typeface="Arial" charset="0"/>
                           <a:ea typeface="맑은 고딕" charset="-127"/>
@@ -29689,7 +31439,7 @@
                         </a:spcAft>
                       </a:pPr>
                       <a:r>
-                        <a:rPr lang="en-US" sz="1400" b="1" kern="0">
+                        <a:rPr lang="en-US" sz="1400" b="1" kern="0" dirty="0">
                           <a:effectLst/>
                           <a:latin typeface="Arial" charset="0"/>
                           <a:ea typeface="맑은 고딕" charset="-127"/>
@@ -32342,7 +34092,7 @@
                         </a:spcAft>
                       </a:pPr>
                       <a:r>
-                        <a:rPr lang="en-US" sz="1400" b="1" kern="0">
+                        <a:rPr lang="en-US" sz="1400" b="1" kern="0" dirty="0">
                           <a:effectLst/>
                           <a:latin typeface="Arial" charset="0"/>
                           <a:ea typeface="맑은 고딕" charset="-127"/>
@@ -36667,7 +38417,7 @@
                         </a:spcAft>
                       </a:pPr>
                       <a:r>
-                        <a:rPr lang="en-US" sz="1400" b="1" kern="0">
+                        <a:rPr lang="en-US" sz="1400" b="1" kern="0" dirty="0">
                           <a:effectLst/>
                           <a:latin typeface="Arial" charset="0"/>
                           <a:ea typeface="맑은 고딕" charset="-127"/>
@@ -39919,7 +41669,7 @@
                         </a:spcAft>
                       </a:pPr>
                       <a:r>
-                        <a:rPr lang="en-US" sz="1400" b="1" kern="0">
+                        <a:rPr lang="en-US" sz="1400" b="1" kern="0" dirty="0">
                           <a:effectLst/>
                           <a:latin typeface="Arial" charset="0"/>
                           <a:ea typeface="Arial" charset="0"/>
